--- a/Aulas/Aula-02-Proj-Vis-Dados.pptx
+++ b/Aulas/Aula-02-Proj-Vis-Dados.pptx
@@ -5,7 +5,7 @@
     <p:sldMasterId id="2147483648" r:id="rId1"/>
   </p:sldMasterIdLst>
   <p:notesMasterIdLst>
-    <p:notesMasterId r:id="rId12"/>
+    <p:notesMasterId r:id="rId25"/>
   </p:notesMasterIdLst>
   <p:sldIdLst>
     <p:sldId id="256" r:id="rId2"/>
@@ -18,6 +18,19 @@
     <p:sldId id="263" r:id="rId9"/>
     <p:sldId id="264" r:id="rId10"/>
     <p:sldId id="265" r:id="rId11"/>
+    <p:sldId id="266" r:id="rId12"/>
+    <p:sldId id="267" r:id="rId13"/>
+    <p:sldId id="268" r:id="rId14"/>
+    <p:sldId id="269" r:id="rId15"/>
+    <p:sldId id="270" r:id="rId16"/>
+    <p:sldId id="271" r:id="rId17"/>
+    <p:sldId id="272" r:id="rId18"/>
+    <p:sldId id="273" r:id="rId19"/>
+    <p:sldId id="274" r:id="rId20"/>
+    <p:sldId id="275" r:id="rId21"/>
+    <p:sldId id="276" r:id="rId22"/>
+    <p:sldId id="277" r:id="rId23"/>
+    <p:sldId id="278" r:id="rId24"/>
   </p:sldIdLst>
   <p:sldSz cx="9144000" cy="5143500" type="screen16x9"/>
   <p:notesSz cx="9144000" cy="6858000"/>
@@ -565,7 +578,7 @@
             </a:pPr>
             <a:r>
               <a:rPr/>
-              <a:t>Quem é o nosso público alvo? o que eles já sabem do nosso problema? Como eles vão usar a informação que daremos? Qual nosso relacionamento com eles?</a:t>
+              <a:t>Na primeira etapa do projeto, partimos para as bases que definirão nosso projeto, primeiro definimos um problema a ser tratado, e investigamos se existem outros produtos, outros projetos, ou outra bibliografia que já tenha tratado do mesmo produto.</a:t>
             </a:r>
           </a:p>
           <a:p>
@@ -579,7 +592,7 @@
             </a:pPr>
             <a:r>
               <a:rPr/>
-              <a:t>O que vai ser transmitido, pensar em qual mensagem vamos passar, qual ideia queremos transmitir, um chamado para ação, uma informação nova para um gestor, um entendimento melhor de um problema. Isso define a forma como vamos usar textos e imagens para a apresentação.</a:t>
+              <a:t>Outra questão bastante importante é avaliar a relevância do projeto, é um produto que faz sentido? É um produto que terá utilizada para algum público? Essas questões devem ser muito bem pensadas, para que não percamos tempo e recurso com produtos que, mesmo sendo bem desenvolvidos e atrativos, não tenham um uso que auxilie ou preencha alguma lacuna do mercado.</a:t>
             </a:r>
           </a:p>
           <a:p>
@@ -593,7 +606,7 @@
             </a:pPr>
             <a:r>
               <a:rPr/>
-              <a:t>E por fim, como usar os dados que temos para transmitir a mensagem que queremos, lembrar da diferença entre exploração e explanação.</a:t>
+              <a:t>Descrever a situação também ajuda a entender quais são os pontos que podem e serão atacados, quais são os pontos que não são de tanto interesse e podem ser deixados de lado, fechando o escopo e organizando melhor a solução que será criada.</a:t>
             </a:r>
           </a:p>
           <a:p>
@@ -607,7 +620,7 @@
             </a:pPr>
             <a:r>
               <a:rPr/>
-              <a:t>Devemos pensar também na forma de apresentação, técnicas como história de 3 minutos ou Big Idea são formas de estruturar.</a:t>
+              <a:t>Além disso, é importante que busquemos pelo menos o mínimo de informações sobre a base de dados que estamos utilizando, seja olhar rapidamente o dicionário, ou uma análise rápida das variáveis de interesse para verificar se é viável a solução do problema definido.</a:t>
             </a:r>
           </a:p>
         </p:txBody>
@@ -629,7 +642,7 @@
           <a:p>
             <a:fld id="{C449B3EA-B995-2945-B5D0-699FC22F24A8}" type="slidenum">
               <a:rPr lang="en-US"/>
-              <a:t>8</a:t>
+              <a:t>6</a:t>
             </a:fld>
             <a:endParaRPr lang="en-US"/>
           </a:p>
@@ -689,63 +702,7 @@
             </a:pPr>
             <a:r>
               <a:rPr/>
-              <a:t>Aqui vamos ver um conceito básico entre a diferença de duas coisas que parecem próximas e podem ser confundidas, a exploração e a explicação.</a:t>
-            </a:r>
-          </a:p>
-          <a:p>
-            <a:pPr lvl="0" indent="0" marL="0">
-              <a:buNone/>
-            </a:pPr>
-          </a:p>
-          <a:p>
-            <a:pPr lvl="0" indent="0" marL="0">
-              <a:buNone/>
-            </a:pPr>
-            <a:r>
-              <a:rPr/>
-              <a:t>Além disso elas tem tudo a ver com entender o contexto que estamos.</a:t>
-            </a:r>
-          </a:p>
-          <a:p>
-            <a:pPr lvl="0" indent="0" marL="0">
-              <a:buNone/>
-            </a:pPr>
-          </a:p>
-          <a:p>
-            <a:pPr lvl="0" indent="0" marL="0">
-              <a:buNone/>
-            </a:pPr>
-            <a:r>
-              <a:rPr/>
-              <a:t>Quando queremos entender um dado, podemos experimentar, testar diferentes tipos de análises e visualizações, usar uma variedade de métricas, etc.</a:t>
-            </a:r>
-          </a:p>
-          <a:p>
-            <a:pPr lvl="0" indent="0" marL="0">
-              <a:buNone/>
-            </a:pPr>
-          </a:p>
-          <a:p>
-            <a:pPr lvl="0" indent="0" marL="0">
-              <a:buNone/>
-            </a:pPr>
-            <a:r>
-              <a:rPr/>
-              <a:t>Primeiras ideias e intuições sobre os dados, buscando entender aquela base de dados para responder uma pergunta.</a:t>
-            </a:r>
-          </a:p>
-          <a:p>
-            <a:pPr lvl="0" indent="0" marL="0">
-              <a:buNone/>
-            </a:pPr>
-          </a:p>
-          <a:p>
-            <a:pPr lvl="0" indent="0" marL="0">
-              <a:buNone/>
-            </a:pPr>
-            <a:r>
-              <a:rPr/>
-              <a:t>E então partimos para a apresentação dos resultados, de forma palatável, fácil entendimento, direta, de forma que cumpra um objetivo, sempre pensando no público alvo que teremos</a:t>
+              <a:t>Pode parecer simples, até por ter colocado apenas um ponto, mas definir o objetivo é o ponto central no produto. Delimitamos o escopo (até onde o projeto vai, o que vai cobrir e o que não vai cobrir) para que não nos percamos no desenvolvimento. Um objetivo bem definido também ajuda na apresentação do produto, ajuda na escolha das ferramentas utilizadas, e permeia todas as etapas de desenvolvimento e entrega do produto.</a:t>
             </a:r>
           </a:p>
         </p:txBody>
@@ -767,7 +724,875 @@
           <a:p>
             <a:fld id="{C449B3EA-B995-2945-B5D0-699FC22F24A8}" type="slidenum">
               <a:rPr lang="en-US"/>
+              <a:t>7</a:t>
+            </a:fld>
+            <a:endParaRPr lang="en-US"/>
+          </a:p>
+        </p:txBody>
+      </p:sp>
+    </p:spTree>
+  </p:cSld>
+</p:notes>
+</file>
+
+<file path=ppt/notesSlides/notesSlide3.xml><?xml version="1.0" encoding="utf-8"?>
+<p:notes xmlns:a="http://schemas.openxmlformats.org/drawingml/2006/main" xmlns:r="http://schemas.openxmlformats.org/officeDocument/2006/relationships" xmlns:p="http://schemas.openxmlformats.org/presentationml/2006/main">
+  <p:cSld>
+    <p:spTree>
+      <p:nvGrpSpPr>
+        <p:cNvPr id="1" name=""/>
+        <p:cNvGrpSpPr/>
+        <p:nvPr/>
+      </p:nvGrpSpPr>
+      <p:grpSpPr>
+        <a:xfrm>
+          <a:off x="0" y="0"/>
+          <a:ext cx="0" cy="0"/>
+          <a:chOff x="0" y="0"/>
+          <a:chExt cx="0" cy="0"/>
+        </a:xfrm>
+      </p:grpSpPr>
+      <p:sp>
+        <p:nvSpPr>
+          <p:cNvPr id="2" name="Slide Image Placeholder 1"/>
+          <p:cNvSpPr>
+            <a:spLocks noGrp="1" noRot="1" noChangeAspect="1"/>
+          </p:cNvSpPr>
+          <p:nvPr>
+            <p:ph type="sldImg"/>
+          </p:nvPr>
+        </p:nvSpPr>
+        <p:spPr/>
+      </p:sp>
+      <p:sp>
+        <p:nvSpPr>
+          <p:cNvPr id="3" name="Notes Placeholder 2"/>
+          <p:cNvSpPr>
+            <a:spLocks noGrp="1"/>
+          </p:cNvSpPr>
+          <p:nvPr>
+            <p:ph type="body" idx="1"/>
+          </p:nvPr>
+        </p:nvSpPr>
+        <p:spPr/>
+        <p:txBody>
+          <a:bodyPr/>
+          <a:lstStyle/>
+          <a:p>
+            <a:pPr lvl="0" indent="0" marL="0">
+              <a:buNone/>
+            </a:pPr>
+            <a:r>
+              <a:rPr/>
+              <a:t>Investigar os dados utilizados, buscar possíveis inconsistências, trabalhar em dados faltantes, limpar dados não utilizados, etc.</a:t>
+            </a:r>
+          </a:p>
+          <a:p>
+            <a:pPr lvl="0" indent="0" marL="0">
+              <a:buNone/>
+            </a:pPr>
+          </a:p>
+          <a:p>
+            <a:pPr lvl="0" indent="0" marL="0">
+              <a:buNone/>
+            </a:pPr>
+            <a:r>
+              <a:rPr/>
+              <a:t>Analisar também disponibilidade de variáveis de interesse, passando pelo seu dicionário, olhando amostras de dados, fazendo visualizações iniciais e prototipando o produto.</a:t>
+            </a:r>
+          </a:p>
+          <a:p>
+            <a:pPr lvl="0" indent="0" marL="0">
+              <a:buNone/>
+            </a:pPr>
+          </a:p>
+          <a:p>
+            <a:pPr lvl="0" indent="0" marL="0">
+              <a:buNone/>
+            </a:pPr>
+            <a:r>
+              <a:rPr/>
+              <a:t>No estudo da ferramenta, é preciso conhecer as limitações e vantagens de cada ferramenta, e de cada tipo de visualização, é importante começar a fazer protótipos, trazer para a discussão, experimentar com os dados.</a:t>
+            </a:r>
+          </a:p>
+        </p:txBody>
+      </p:sp>
+      <p:sp>
+        <p:nvSpPr>
+          <p:cNvPr id="4" name="Slide Number Placeholder 3"/>
+          <p:cNvSpPr>
+            <a:spLocks noGrp="1"/>
+          </p:cNvSpPr>
+          <p:nvPr>
+            <p:ph type="sldNum" sz="quarter" idx="10"/>
+          </p:nvPr>
+        </p:nvSpPr>
+        <p:spPr/>
+        <p:txBody>
+          <a:bodyPr/>
+          <a:lstStyle/>
+          <a:p>
+            <a:fld id="{C449B3EA-B995-2945-B5D0-699FC22F24A8}" type="slidenum">
+              <a:rPr lang="en-US"/>
+              <a:t>8</a:t>
+            </a:fld>
+            <a:endParaRPr lang="en-US"/>
+          </a:p>
+        </p:txBody>
+      </p:sp>
+    </p:spTree>
+  </p:cSld>
+</p:notes>
+</file>
+
+<file path=ppt/notesSlides/notesSlide4.xml><?xml version="1.0" encoding="utf-8"?>
+<p:notes xmlns:a="http://schemas.openxmlformats.org/drawingml/2006/main" xmlns:r="http://schemas.openxmlformats.org/officeDocument/2006/relationships" xmlns:p="http://schemas.openxmlformats.org/presentationml/2006/main">
+  <p:cSld>
+    <p:spTree>
+      <p:nvGrpSpPr>
+        <p:cNvPr id="1" name=""/>
+        <p:cNvGrpSpPr/>
+        <p:nvPr/>
+      </p:nvGrpSpPr>
+      <p:grpSpPr>
+        <a:xfrm>
+          <a:off x="0" y="0"/>
+          <a:ext cx="0" cy="0"/>
+          <a:chOff x="0" y="0"/>
+          <a:chExt cx="0" cy="0"/>
+        </a:xfrm>
+      </p:grpSpPr>
+      <p:sp>
+        <p:nvSpPr>
+          <p:cNvPr id="2" name="Slide Image Placeholder 1"/>
+          <p:cNvSpPr>
+            <a:spLocks noGrp="1" noRot="1" noChangeAspect="1"/>
+          </p:cNvSpPr>
+          <p:nvPr>
+            <p:ph type="sldImg"/>
+          </p:nvPr>
+        </p:nvSpPr>
+        <p:spPr/>
+      </p:sp>
+      <p:sp>
+        <p:nvSpPr>
+          <p:cNvPr id="3" name="Notes Placeholder 2"/>
+          <p:cNvSpPr>
+            <a:spLocks noGrp="1"/>
+          </p:cNvSpPr>
+          <p:nvPr>
+            <p:ph type="body" idx="1"/>
+          </p:nvPr>
+        </p:nvSpPr>
+        <p:spPr/>
+        <p:txBody>
+          <a:bodyPr/>
+          <a:lstStyle/>
+          <a:p>
+            <a:pPr lvl="0" indent="0" marL="0">
+              <a:buNone/>
+            </a:pPr>
+            <a:r>
+              <a:rPr/>
+              <a:t>Na etapa de desenvolvimento, é onde trabalharemos mais a fundo na elaboração do produto, tendo o objetivo e as ferramentas bem definidos, é aplicar os conhecimentos dentro do objetivo, visando a solução do problema. É bastante importante nesta etapa a discussão dos resultados com todos os membros do grupo, para que uma solução apresente o mínimo de viés possível. Além de que, diferentes visões contribuem para um produto final mais completo e robusto.</a:t>
+            </a:r>
+          </a:p>
+          <a:p>
+            <a:pPr lvl="0" indent="0" marL="0">
+              <a:buNone/>
+            </a:pPr>
+          </a:p>
+          <a:p>
+            <a:pPr lvl="0" indent="0" marL="0">
+              <a:buNone/>
+            </a:pPr>
+            <a:r>
+              <a:rPr/>
+              <a:t>Se possível, mostrar o produto para pessoas sem conhecimento do projeto para testes e anotar as principais dificuldades, problemas e erros encontrados e corrigir antes da entrega final.</a:t>
+            </a:r>
+          </a:p>
+          <a:p>
+            <a:pPr lvl="0" indent="0" marL="0">
+              <a:buNone/>
+            </a:pPr>
+          </a:p>
+          <a:p>
+            <a:pPr lvl="0" indent="0" marL="0">
+              <a:buNone/>
+            </a:pPr>
+            <a:r>
+              <a:rPr/>
+              <a:t>Além disso, é nesta etapa que vamos polir o produto, pensando na experiência do usuário (utilizando o feedback recebido dos usuários de “teste”), aprimoramos também o design para que fique mais atrativo.</a:t>
+            </a:r>
+          </a:p>
+        </p:txBody>
+      </p:sp>
+      <p:sp>
+        <p:nvSpPr>
+          <p:cNvPr id="4" name="Slide Number Placeholder 3"/>
+          <p:cNvSpPr>
+            <a:spLocks noGrp="1"/>
+          </p:cNvSpPr>
+          <p:nvPr>
+            <p:ph type="sldNum" sz="quarter" idx="10"/>
+          </p:nvPr>
+        </p:nvSpPr>
+        <p:spPr/>
+        <p:txBody>
+          <a:bodyPr/>
+          <a:lstStyle/>
+          <a:p>
+            <a:fld id="{C449B3EA-B995-2945-B5D0-699FC22F24A8}" type="slidenum">
+              <a:rPr lang="en-US"/>
               <a:t>9</a:t>
+            </a:fld>
+            <a:endParaRPr lang="en-US"/>
+          </a:p>
+        </p:txBody>
+      </p:sp>
+    </p:spTree>
+  </p:cSld>
+</p:notes>
+</file>
+
+<file path=ppt/notesSlides/notesSlide5.xml><?xml version="1.0" encoding="utf-8"?>
+<p:notes xmlns:a="http://schemas.openxmlformats.org/drawingml/2006/main" xmlns:r="http://schemas.openxmlformats.org/officeDocument/2006/relationships" xmlns:p="http://schemas.openxmlformats.org/presentationml/2006/main">
+  <p:cSld>
+    <p:spTree>
+      <p:nvGrpSpPr>
+        <p:cNvPr id="1" name=""/>
+        <p:cNvGrpSpPr/>
+        <p:nvPr/>
+      </p:nvGrpSpPr>
+      <p:grpSpPr>
+        <a:xfrm>
+          <a:off x="0" y="0"/>
+          <a:ext cx="0" cy="0"/>
+          <a:chOff x="0" y="0"/>
+          <a:chExt cx="0" cy="0"/>
+        </a:xfrm>
+      </p:grpSpPr>
+      <p:sp>
+        <p:nvSpPr>
+          <p:cNvPr id="2" name="Slide Image Placeholder 1"/>
+          <p:cNvSpPr>
+            <a:spLocks noGrp="1" noRot="1" noChangeAspect="1"/>
+          </p:cNvSpPr>
+          <p:nvPr>
+            <p:ph type="sldImg"/>
+          </p:nvPr>
+        </p:nvSpPr>
+        <p:spPr/>
+      </p:sp>
+      <p:sp>
+        <p:nvSpPr>
+          <p:cNvPr id="3" name="Notes Placeholder 2"/>
+          <p:cNvSpPr>
+            <a:spLocks noGrp="1"/>
+          </p:cNvSpPr>
+          <p:nvPr>
+            <p:ph type="body" idx="1"/>
+          </p:nvPr>
+        </p:nvSpPr>
+        <p:spPr/>
+        <p:txBody>
+          <a:bodyPr/>
+          <a:lstStyle/>
+          <a:p>
+            <a:pPr lvl="0" indent="0" marL="0">
+              <a:buNone/>
+            </a:pPr>
+            <a:r>
+              <a:rPr/>
+              <a:t>A entrega e apresentação vai depender do tipo de produto desenvolvido, pode ser uma apresentação de lançamento, pode ser um relatório final, de preferência que elenque os pontos fortes do produto lançado, trazendo como ponto central o objetivo, mas também explorando os desafios enfrentados e as limitações do produto.</a:t>
+            </a:r>
+          </a:p>
+          <a:p>
+            <a:pPr lvl="0" indent="0" marL="0">
+              <a:buNone/>
+            </a:pPr>
+          </a:p>
+          <a:p>
+            <a:pPr lvl="0" indent="0" marL="0">
+              <a:buNone/>
+            </a:pPr>
+            <a:r>
+              <a:rPr/>
+              <a:t>Por fim, avaliar os resultados, suas falhas e possíveis pontos a serem melhorados, e relatar de forma que possa servir de consulta para outros produtos/projetos futuros.</a:t>
+            </a:r>
+          </a:p>
+          <a:p>
+            <a:pPr lvl="0" indent="0" marL="0">
+              <a:buNone/>
+            </a:pPr>
+          </a:p>
+          <a:p>
+            <a:pPr lvl="0" indent="0" marL="0">
+              <a:buNone/>
+            </a:pPr>
+            <a:r>
+              <a:rPr/>
+              <a:t>A documentação também auxilia na manutenção de produtos que são desenvolvidos e precisam continuar a ser monitorados e melhorados com o tempo, se fazendo uma etapa essencial do desenvolvimento e entrega do projeto.</a:t>
+            </a:r>
+          </a:p>
+        </p:txBody>
+      </p:sp>
+      <p:sp>
+        <p:nvSpPr>
+          <p:cNvPr id="4" name="Slide Number Placeholder 3"/>
+          <p:cNvSpPr>
+            <a:spLocks noGrp="1"/>
+          </p:cNvSpPr>
+          <p:nvPr>
+            <p:ph type="sldNum" sz="quarter" idx="10"/>
+          </p:nvPr>
+        </p:nvSpPr>
+        <p:spPr/>
+        <p:txBody>
+          <a:bodyPr/>
+          <a:lstStyle/>
+          <a:p>
+            <a:fld id="{C449B3EA-B995-2945-B5D0-699FC22F24A8}" type="slidenum">
+              <a:rPr lang="en-US"/>
+              <a:t>10</a:t>
+            </a:fld>
+            <a:endParaRPr lang="en-US"/>
+          </a:p>
+        </p:txBody>
+      </p:sp>
+    </p:spTree>
+  </p:cSld>
+</p:notes>
+</file>
+
+<file path=ppt/notesSlides/notesSlide6.xml><?xml version="1.0" encoding="utf-8"?>
+<p:notes xmlns:a="http://schemas.openxmlformats.org/drawingml/2006/main" xmlns:r="http://schemas.openxmlformats.org/officeDocument/2006/relationships" xmlns:p="http://schemas.openxmlformats.org/presentationml/2006/main">
+  <p:cSld>
+    <p:spTree>
+      <p:nvGrpSpPr>
+        <p:cNvPr id="1" name=""/>
+        <p:cNvGrpSpPr/>
+        <p:nvPr/>
+      </p:nvGrpSpPr>
+      <p:grpSpPr>
+        <a:xfrm>
+          <a:off x="0" y="0"/>
+          <a:ext cx="0" cy="0"/>
+          <a:chOff x="0" y="0"/>
+          <a:chExt cx="0" cy="0"/>
+        </a:xfrm>
+      </p:grpSpPr>
+      <p:sp>
+        <p:nvSpPr>
+          <p:cNvPr id="2" name="Slide Image Placeholder 1"/>
+          <p:cNvSpPr>
+            <a:spLocks noGrp="1" noRot="1" noChangeAspect="1"/>
+          </p:cNvSpPr>
+          <p:nvPr>
+            <p:ph type="sldImg"/>
+          </p:nvPr>
+        </p:nvSpPr>
+        <p:spPr/>
+      </p:sp>
+      <p:sp>
+        <p:nvSpPr>
+          <p:cNvPr id="3" name="Notes Placeholder 2"/>
+          <p:cNvSpPr>
+            <a:spLocks noGrp="1"/>
+          </p:cNvSpPr>
+          <p:nvPr>
+            <p:ph type="body" idx="1"/>
+          </p:nvPr>
+        </p:nvSpPr>
+        <p:spPr/>
+        <p:txBody>
+          <a:bodyPr/>
+          <a:lstStyle/>
+          <a:p>
+            <a:pPr lvl="0" indent="0" marL="0">
+              <a:buNone/>
+            </a:pPr>
+            <a:r>
+              <a:rPr/>
+              <a:t>Quem é o nosso público alvo? o que eles já sabem do nosso problema? Como eles vão usar a informação que daremos? Qual nosso relacionamento com eles?</a:t>
+            </a:r>
+          </a:p>
+          <a:p>
+            <a:pPr lvl="0" indent="0" marL="0">
+              <a:buNone/>
+            </a:pPr>
+          </a:p>
+          <a:p>
+            <a:pPr lvl="0" indent="0" marL="0">
+              <a:buNone/>
+            </a:pPr>
+            <a:r>
+              <a:rPr/>
+              <a:t>O que vai ser transmitido, pensar em qual mensagem vamos passar, qual ideia queremos transmitir, um chamado para ação, uma informação nova para um gestor, um entendimento melhor de um problema. Isso define a forma como vamos usar textos e imagens para a apresentação.</a:t>
+            </a:r>
+          </a:p>
+          <a:p>
+            <a:pPr lvl="0" indent="0" marL="0">
+              <a:buNone/>
+            </a:pPr>
+          </a:p>
+          <a:p>
+            <a:pPr lvl="0" indent="0" marL="0">
+              <a:buNone/>
+            </a:pPr>
+            <a:r>
+              <a:rPr/>
+              <a:t>E por fim, como usar os dados que temos para transmitir a mensagem que queremos, lembrar da diferença entre exploração e explanação.</a:t>
+            </a:r>
+          </a:p>
+          <a:p>
+            <a:pPr lvl="0" indent="0" marL="0">
+              <a:buNone/>
+            </a:pPr>
+          </a:p>
+          <a:p>
+            <a:pPr lvl="0" indent="0" marL="0">
+              <a:buNone/>
+            </a:pPr>
+            <a:r>
+              <a:rPr/>
+              <a:t>Devemos pensar também na forma de apresentação, técnicas como história de 3 minutos ou Big Idea são formas de estruturar.</a:t>
+            </a:r>
+          </a:p>
+        </p:txBody>
+      </p:sp>
+      <p:sp>
+        <p:nvSpPr>
+          <p:cNvPr id="4" name="Slide Number Placeholder 3"/>
+          <p:cNvSpPr>
+            <a:spLocks noGrp="1"/>
+          </p:cNvSpPr>
+          <p:nvPr>
+            <p:ph type="sldNum" sz="quarter" idx="10"/>
+          </p:nvPr>
+        </p:nvSpPr>
+        <p:spPr/>
+        <p:txBody>
+          <a:bodyPr/>
+          <a:lstStyle/>
+          <a:p>
+            <a:fld id="{C449B3EA-B995-2945-B5D0-699FC22F24A8}" type="slidenum">
+              <a:rPr lang="en-US"/>
+              <a:t>12</a:t>
+            </a:fld>
+            <a:endParaRPr lang="en-US"/>
+          </a:p>
+        </p:txBody>
+      </p:sp>
+    </p:spTree>
+  </p:cSld>
+</p:notes>
+</file>
+
+<file path=ppt/notesSlides/notesSlide7.xml><?xml version="1.0" encoding="utf-8"?>
+<p:notes xmlns:a="http://schemas.openxmlformats.org/drawingml/2006/main" xmlns:r="http://schemas.openxmlformats.org/officeDocument/2006/relationships" xmlns:p="http://schemas.openxmlformats.org/presentationml/2006/main">
+  <p:cSld>
+    <p:spTree>
+      <p:nvGrpSpPr>
+        <p:cNvPr id="1" name=""/>
+        <p:cNvGrpSpPr/>
+        <p:nvPr/>
+      </p:nvGrpSpPr>
+      <p:grpSpPr>
+        <a:xfrm>
+          <a:off x="0" y="0"/>
+          <a:ext cx="0" cy="0"/>
+          <a:chOff x="0" y="0"/>
+          <a:chExt cx="0" cy="0"/>
+        </a:xfrm>
+      </p:grpSpPr>
+      <p:sp>
+        <p:nvSpPr>
+          <p:cNvPr id="2" name="Slide Image Placeholder 1"/>
+          <p:cNvSpPr>
+            <a:spLocks noGrp="1" noRot="1" noChangeAspect="1"/>
+          </p:cNvSpPr>
+          <p:nvPr>
+            <p:ph type="sldImg"/>
+          </p:nvPr>
+        </p:nvSpPr>
+        <p:spPr/>
+      </p:sp>
+      <p:sp>
+        <p:nvSpPr>
+          <p:cNvPr id="3" name="Notes Placeholder 2"/>
+          <p:cNvSpPr>
+            <a:spLocks noGrp="1"/>
+          </p:cNvSpPr>
+          <p:nvPr>
+            <p:ph type="body" idx="1"/>
+          </p:nvPr>
+        </p:nvSpPr>
+        <p:spPr/>
+        <p:txBody>
+          <a:bodyPr/>
+          <a:lstStyle/>
+          <a:p>
+            <a:pPr lvl="0" indent="0" marL="0">
+              <a:buNone/>
+            </a:pPr>
+            <a:r>
+              <a:rPr/>
+              <a:t>Aqui vamos ver um conceito básico entre a diferença de duas coisas que parecem próximas e podem ser confundidas, a exploração e a explicação.</a:t>
+            </a:r>
+          </a:p>
+          <a:p>
+            <a:pPr lvl="0" indent="0" marL="0">
+              <a:buNone/>
+            </a:pPr>
+          </a:p>
+          <a:p>
+            <a:pPr lvl="0" indent="0" marL="0">
+              <a:buNone/>
+            </a:pPr>
+            <a:r>
+              <a:rPr/>
+              <a:t>Além disso elas tem tudo a ver com entender o contexto que estamos.</a:t>
+            </a:r>
+          </a:p>
+          <a:p>
+            <a:pPr lvl="0" indent="0" marL="0">
+              <a:buNone/>
+            </a:pPr>
+          </a:p>
+          <a:p>
+            <a:pPr lvl="0" indent="0" marL="0">
+              <a:buNone/>
+            </a:pPr>
+            <a:r>
+              <a:rPr/>
+              <a:t>Quando queremos entender um dado, podemos experimentar, testar diferentes tipos de análises e visualizações, usar uma variedade de métricas, etc.</a:t>
+            </a:r>
+          </a:p>
+          <a:p>
+            <a:pPr lvl="0" indent="0" marL="0">
+              <a:buNone/>
+            </a:pPr>
+          </a:p>
+          <a:p>
+            <a:pPr lvl="0" indent="0" marL="0">
+              <a:buNone/>
+            </a:pPr>
+            <a:r>
+              <a:rPr/>
+              <a:t>Primeiras ideias e intuições sobre os dados, buscando entender aquela base de dados para responder uma pergunta.</a:t>
+            </a:r>
+          </a:p>
+          <a:p>
+            <a:pPr lvl="0" indent="0" marL="0">
+              <a:buNone/>
+            </a:pPr>
+          </a:p>
+          <a:p>
+            <a:pPr lvl="0" indent="0" marL="0">
+              <a:buNone/>
+            </a:pPr>
+            <a:r>
+              <a:rPr/>
+              <a:t>E então partimos para a apresentação dos resultados, de forma palatável, fácil entendimento, direta, de forma que cumpra um objetivo, sempre pensando no público alvo que teremos</a:t>
+            </a:r>
+          </a:p>
+        </p:txBody>
+      </p:sp>
+      <p:sp>
+        <p:nvSpPr>
+          <p:cNvPr id="4" name="Slide Number Placeholder 3"/>
+          <p:cNvSpPr>
+            <a:spLocks noGrp="1"/>
+          </p:cNvSpPr>
+          <p:nvPr>
+            <p:ph type="sldNum" sz="quarter" idx="10"/>
+          </p:nvPr>
+        </p:nvSpPr>
+        <p:spPr/>
+        <p:txBody>
+          <a:bodyPr/>
+          <a:lstStyle/>
+          <a:p>
+            <a:fld id="{C449B3EA-B995-2945-B5D0-699FC22F24A8}" type="slidenum">
+              <a:rPr lang="en-US"/>
+              <a:t>13</a:t>
+            </a:fld>
+            <a:endParaRPr lang="en-US"/>
+          </a:p>
+        </p:txBody>
+      </p:sp>
+    </p:spTree>
+  </p:cSld>
+</p:notes>
+</file>
+
+<file path=ppt/notesSlides/notesSlide8.xml><?xml version="1.0" encoding="utf-8"?>
+<p:notes xmlns:a="http://schemas.openxmlformats.org/drawingml/2006/main" xmlns:r="http://schemas.openxmlformats.org/officeDocument/2006/relationships" xmlns:p="http://schemas.openxmlformats.org/presentationml/2006/main">
+  <p:cSld>
+    <p:spTree>
+      <p:nvGrpSpPr>
+        <p:cNvPr id="1" name=""/>
+        <p:cNvGrpSpPr/>
+        <p:nvPr/>
+      </p:nvGrpSpPr>
+      <p:grpSpPr>
+        <a:xfrm>
+          <a:off x="0" y="0"/>
+          <a:ext cx="0" cy="0"/>
+          <a:chOff x="0" y="0"/>
+          <a:chExt cx="0" cy="0"/>
+        </a:xfrm>
+      </p:grpSpPr>
+      <p:sp>
+        <p:nvSpPr>
+          <p:cNvPr id="2" name="Slide Image Placeholder 1"/>
+          <p:cNvSpPr>
+            <a:spLocks noGrp="1" noRot="1" noChangeAspect="1"/>
+          </p:cNvSpPr>
+          <p:nvPr>
+            <p:ph type="sldImg"/>
+          </p:nvPr>
+        </p:nvSpPr>
+        <p:spPr/>
+      </p:sp>
+      <p:sp>
+        <p:nvSpPr>
+          <p:cNvPr id="3" name="Notes Placeholder 2"/>
+          <p:cNvSpPr>
+            <a:spLocks noGrp="1"/>
+          </p:cNvSpPr>
+          <p:nvPr>
+            <p:ph type="body" idx="1"/>
+          </p:nvPr>
+        </p:nvSpPr>
+        <p:spPr/>
+        <p:txBody>
+          <a:bodyPr/>
+          <a:lstStyle/>
+          <a:p>
+            <a:pPr lvl="0" indent="0" marL="0">
+              <a:buNone/>
+            </a:pPr>
+            <a:r>
+              <a:rPr/>
+              <a:t>Texto é uma ótima forma de apresentar apenas um ou dois números e compará-los. Ou quando queremos dar destaque à uma informação.</a:t>
+            </a:r>
+          </a:p>
+          <a:p>
+            <a:pPr lvl="0" indent="0" marL="0">
+              <a:buNone/>
+            </a:pPr>
+          </a:p>
+          <a:p>
+            <a:pPr lvl="0" indent="0" marL="0">
+              <a:buNone/>
+            </a:pPr>
+            <a:r>
+              <a:rPr/>
+              <a:t>Tabelas podem ser usadas com cautela por chamarem muita atenção do público, e se usá-las, usar de forma mais limpa. Mapas de calor podem ser usados em conjunto com as tabelas, ou em algum tipo de gráfico, para dar destaque à alguns dados, a utilização de cor ajuda a agrupar ou separar os dados, mas é preciso tomar cuidado com as tonalidades.</a:t>
+            </a:r>
+          </a:p>
+          <a:p>
+            <a:pPr lvl="0" indent="0" marL="0">
+              <a:buNone/>
+            </a:pPr>
+          </a:p>
+          <a:p>
+            <a:pPr lvl="0" indent="0" marL="0">
+              <a:buNone/>
+            </a:pPr>
+            <a:r>
+              <a:rPr/>
+              <a:t>Gráficos a serem evitados:</a:t>
+            </a:r>
+          </a:p>
+          <a:p>
+            <a:pPr lvl="0" indent="0" marL="0">
+              <a:buNone/>
+            </a:pPr>
+          </a:p>
+          <a:p>
+            <a:pPr lvl="0" indent="0" marL="0">
+              <a:buNone/>
+            </a:pPr>
+            <a:r>
+              <a:rPr/>
+              <a:t>De pizza e donnuts -&gt; Nós temos dificuldade para calcular proporções e ângulos, o que dificulta bastante a comparação entre as categorias. Além do mais, quando temos muitas categorias com pouca proporção, é difícil olhar todas elas no gráfico.</a:t>
+            </a:r>
+          </a:p>
+          <a:p>
+            <a:pPr lvl="0" indent="0" marL="0">
+              <a:buNone/>
+            </a:pPr>
+          </a:p>
+          <a:p>
+            <a:pPr lvl="0" indent="0" marL="0">
+              <a:buNone/>
+            </a:pPr>
+            <a:r>
+              <a:rPr/>
+              <a:t>3D -&gt; Similar aos gráficos de pizza, também temos dificuldade em calcular profundidade, podemos inclusive ter uma falsa impressão de tamanho por causa do efeito de profundidade.</a:t>
+            </a:r>
+          </a:p>
+          <a:p>
+            <a:pPr lvl="0" indent="0" marL="0">
+              <a:buNone/>
+            </a:pPr>
+          </a:p>
+          <a:p>
+            <a:pPr lvl="0" indent="0" marL="0">
+              <a:buNone/>
+            </a:pPr>
+            <a:r>
+              <a:rPr/>
+              <a:t>Segundo eixo -&gt; Dificuldade em ter uma linha base, dificulta a leitura do gráfico como um todo</a:t>
+            </a:r>
+          </a:p>
+        </p:txBody>
+      </p:sp>
+      <p:sp>
+        <p:nvSpPr>
+          <p:cNvPr id="4" name="Slide Number Placeholder 3"/>
+          <p:cNvSpPr>
+            <a:spLocks noGrp="1"/>
+          </p:cNvSpPr>
+          <p:nvPr>
+            <p:ph type="sldNum" sz="quarter" idx="10"/>
+          </p:nvPr>
+        </p:nvSpPr>
+        <p:spPr/>
+        <p:txBody>
+          <a:bodyPr/>
+          <a:lstStyle/>
+          <a:p>
+            <a:fld id="{C449B3EA-B995-2945-B5D0-699FC22F24A8}" type="slidenum">
+              <a:rPr lang="en-US"/>
+              <a:t>14</a:t>
+            </a:fld>
+            <a:endParaRPr lang="en-US"/>
+          </a:p>
+        </p:txBody>
+      </p:sp>
+    </p:spTree>
+  </p:cSld>
+</p:notes>
+</file>
+
+<file path=ppt/notesSlides/notesSlide9.xml><?xml version="1.0" encoding="utf-8"?>
+<p:notes xmlns:a="http://schemas.openxmlformats.org/drawingml/2006/main" xmlns:r="http://schemas.openxmlformats.org/officeDocument/2006/relationships" xmlns:p="http://schemas.openxmlformats.org/presentationml/2006/main">
+  <p:cSld>
+    <p:spTree>
+      <p:nvGrpSpPr>
+        <p:cNvPr id="1" name=""/>
+        <p:cNvGrpSpPr/>
+        <p:nvPr/>
+      </p:nvGrpSpPr>
+      <p:grpSpPr>
+        <a:xfrm>
+          <a:off x="0" y="0"/>
+          <a:ext cx="0" cy="0"/>
+          <a:chOff x="0" y="0"/>
+          <a:chExt cx="0" cy="0"/>
+        </a:xfrm>
+      </p:grpSpPr>
+      <p:sp>
+        <p:nvSpPr>
+          <p:cNvPr id="2" name="Slide Image Placeholder 1"/>
+          <p:cNvSpPr>
+            <a:spLocks noGrp="1" noRot="1" noChangeAspect="1"/>
+          </p:cNvSpPr>
+          <p:nvPr>
+            <p:ph type="sldImg"/>
+          </p:nvPr>
+        </p:nvSpPr>
+        <p:spPr/>
+      </p:sp>
+      <p:sp>
+        <p:nvSpPr>
+          <p:cNvPr id="3" name="Notes Placeholder 2"/>
+          <p:cNvSpPr>
+            <a:spLocks noGrp="1"/>
+          </p:cNvSpPr>
+          <p:nvPr>
+            <p:ph type="body" idx="1"/>
+          </p:nvPr>
+        </p:nvSpPr>
+        <p:spPr/>
+        <p:txBody>
+          <a:bodyPr/>
+          <a:lstStyle/>
+          <a:p>
+            <a:pPr lvl="0" indent="0" marL="0">
+              <a:buNone/>
+            </a:pPr>
+            <a:r>
+              <a:rPr/>
+              <a:t>Carga cognitiva -&gt; Informação que cada elemento da nossa apresentação gera.</a:t>
+            </a:r>
+          </a:p>
+          <a:p>
+            <a:pPr lvl="0" indent="0" marL="0">
+              <a:buNone/>
+            </a:pPr>
+          </a:p>
+          <a:p>
+            <a:pPr lvl="0" indent="0" marL="0">
+              <a:buNone/>
+            </a:pPr>
+            <a:r>
+              <a:rPr/>
+              <a:t>Distrações -&gt; Elementos que não contribuem para a compreensão da mensagem</a:t>
+            </a:r>
+          </a:p>
+          <a:p>
+            <a:pPr lvl="0" indent="0" marL="0">
+              <a:buNone/>
+            </a:pPr>
+          </a:p>
+          <a:p>
+            <a:pPr lvl="0" indent="0" marL="0">
+              <a:buNone/>
+            </a:pPr>
+            <a:r>
+              <a:rPr/>
+              <a:t>Princípios de percepção: - Proximidade - Similaridade - Borda/fundo - Fechamento - Continuidade - Conexão</a:t>
+            </a:r>
+          </a:p>
+          <a:p>
+            <a:pPr lvl="0" indent="0" marL="0">
+              <a:buNone/>
+            </a:pPr>
+          </a:p>
+          <a:p>
+            <a:pPr lvl="0" indent="0" marL="0">
+              <a:buNone/>
+            </a:pPr>
+            <a:r>
+              <a:rPr/>
+              <a:t>Falta de organização -&gt; Alinhamento e espaços em brancos</a:t>
+            </a:r>
+          </a:p>
+        </p:txBody>
+      </p:sp>
+      <p:sp>
+        <p:nvSpPr>
+          <p:cNvPr id="4" name="Slide Number Placeholder 3"/>
+          <p:cNvSpPr>
+            <a:spLocks noGrp="1"/>
+          </p:cNvSpPr>
+          <p:nvPr>
+            <p:ph type="sldNum" sz="quarter" idx="10"/>
+          </p:nvPr>
+        </p:nvSpPr>
+        <p:spPr/>
+        <p:txBody>
+          <a:bodyPr/>
+          <a:lstStyle/>
+          <a:p>
+            <a:fld id="{C449B3EA-B995-2945-B5D0-699FC22F24A8}" type="slidenum">
+              <a:rPr lang="en-US"/>
+              <a:t>18</a:t>
             </a:fld>
             <a:endParaRPr lang="en-US"/>
           </a:p>
@@ -5469,7 +6294,220 @@
             </a:pPr>
             <a:r>
               <a:rPr/>
-              <a:t>Pilares da visualização de dados</a:t>
+              <a:t>Apresentação e Conclusão</a:t>
+            </a:r>
+          </a:p>
+        </p:txBody>
+      </p:sp>
+      <p:sp>
+        <p:nvSpPr>
+          <p:cNvPr id="3" name="Content Placeholder 2"/>
+          <p:cNvSpPr>
+            <a:spLocks noGrp="1"/>
+          </p:cNvSpPr>
+          <p:nvPr>
+            <p:ph idx="1"/>
+          </p:nvPr>
+        </p:nvSpPr>
+        <p:spPr/>
+        <p:txBody>
+          <a:bodyPr/>
+          <a:lstStyle/>
+          <a:p>
+            <a:pPr lvl="0"/>
+            <a:r>
+              <a:rPr/>
+              <a:t>Entrega e apresentação do produto final</a:t>
+            </a:r>
+          </a:p>
+          <a:p>
+            <a:pPr lvl="0"/>
+            <a:r>
+              <a:rPr/>
+              <a:t>Finalização da documentação do projeto</a:t>
+            </a:r>
+          </a:p>
+        </p:txBody>
+      </p:sp>
+    </p:spTree>
+  </p:cSld>
+  <p:timing>
+    <p:tnLst>
+      <p:par>
+        <p:cTn id="1" dur="indefinite" restart="never" nodeType="tmRoot">
+          <p:childTnLst>
+            <p:seq concurrent="1" nextAc="seek">
+              <p:cTn id="2" dur="indefinite" nodeType="mainSeq">
+                <p:childTnLst>
+                  <p:par>
+                    <p:cTn id="3" fill="hold">
+                      <p:stCondLst>
+                        <p:cond delay="indefinite"/>
+                      </p:stCondLst>
+                      <p:childTnLst>
+                        <p:par>
+                          <p:cTn id="4" fill="hold">
+                            <p:stCondLst>
+                              <p:cond delay="0"/>
+                            </p:stCondLst>
+                            <p:childTnLst>
+                              <p:par>
+                                <p:cTn id="5" presetID="1" presetClass="entr" presetSubtype="0" fill="hold" grpId="0" nodeType="clickEffect">
+                                  <p:stCondLst>
+                                    <p:cond delay="0"/>
+                                  </p:stCondLst>
+                                  <p:childTnLst>
+                                    <p:set>
+                                      <p:cBhvr>
+                                        <p:cTn id="6" dur="1" fill="hold">
+                                          <p:stCondLst>
+                                            <p:cond delay="0"/>
+                                          </p:stCondLst>
+                                        </p:cTn>
+                                        <p:tgtEl>
+                                          <p:spTgt spid="3">
+                                            <p:txEl>
+                                              <p:pRg st="0" end="0"/>
+                                            </p:txEl>
+                                          </p:spTgt>
+                                        </p:tgtEl>
+                                        <p:attrNameLst>
+                                          <p:attrName>style.visibility</p:attrName>
+                                        </p:attrNameLst>
+                                      </p:cBhvr>
+                                      <p:to>
+                                        <p:strVal val="visible"/>
+                                      </p:to>
+                                    </p:set>
+                                  </p:childTnLst>
+                                </p:cTn>
+                              </p:par>
+                            </p:childTnLst>
+                          </p:cTn>
+                        </p:par>
+                      </p:childTnLst>
+                    </p:cTn>
+                  </p:par>
+                  <p:par>
+                    <p:cTn id="7" fill="hold">
+                      <p:stCondLst>
+                        <p:cond delay="indefinite"/>
+                      </p:stCondLst>
+                      <p:childTnLst>
+                        <p:par>
+                          <p:cTn id="8" fill="hold">
+                            <p:stCondLst>
+                              <p:cond delay="0"/>
+                            </p:stCondLst>
+                            <p:childTnLst>
+                              <p:par>
+                                <p:cTn id="9" presetID="1" presetClass="entr" presetSubtype="0" fill="hold" grpId="0" nodeType="clickEffect">
+                                  <p:stCondLst>
+                                    <p:cond delay="0"/>
+                                  </p:stCondLst>
+                                  <p:childTnLst>
+                                    <p:set>
+                                      <p:cBhvr>
+                                        <p:cTn id="10" dur="1" fill="hold">
+                                          <p:stCondLst>
+                                            <p:cond delay="0"/>
+                                          </p:stCondLst>
+                                        </p:cTn>
+                                        <p:tgtEl>
+                                          <p:spTgt spid="3">
+                                            <p:txEl>
+                                              <p:pRg st="1" end="1"/>
+                                            </p:txEl>
+                                          </p:spTgt>
+                                        </p:tgtEl>
+                                        <p:attrNameLst>
+                                          <p:attrName>style.visibility</p:attrName>
+                                        </p:attrNameLst>
+                                      </p:cBhvr>
+                                      <p:to>
+                                        <p:strVal val="visible"/>
+                                      </p:to>
+                                    </p:set>
+                                  </p:childTnLst>
+                                </p:cTn>
+                              </p:par>
+                            </p:childTnLst>
+                          </p:cTn>
+                        </p:par>
+                      </p:childTnLst>
+                    </p:cTn>
+                  </p:par>
+                </p:childTnLst>
+              </p:cTn>
+              <p:prevCondLst>
+                <p:cond evt="onPrev" delay="0">
+                  <p:tgtEl>
+                    <p:sldTgt/>
+                  </p:tgtEl>
+                </p:cond>
+              </p:prevCondLst>
+              <p:nextCondLst>
+                <p:cond evt="onNext" delay="0">
+                  <p:tgtEl>
+                    <p:sldTgt/>
+                  </p:tgtEl>
+                </p:cond>
+              </p:nextCondLst>
+            </p:seq>
+          </p:childTnLst>
+        </p:cTn>
+      </p:par>
+    </p:tnLst>
+    <p:bldLst>
+      <p:bldP spid="3" grpId="0" uiExpand="1" build="p"/>
+    </p:bldLst>
+  </p:timing>
+</p:sld>
+</file>
+
+<file path=ppt/slides/slide11.xml><?xml version="1.0" encoding="utf-8"?>
+<p:sld xmlns:a="http://schemas.openxmlformats.org/drawingml/2006/main" xmlns:r="http://schemas.openxmlformats.org/officeDocument/2006/relationships" xmlns:p="http://schemas.openxmlformats.org/presentationml/2006/main">
+  <p:cSld>
+    <p:spTree>
+      <p:nvGrpSpPr>
+        <p:cNvPr id="1" name=""/>
+        <p:cNvGrpSpPr/>
+        <p:nvPr/>
+      </p:nvGrpSpPr>
+      <p:grpSpPr>
+        <a:xfrm>
+          <a:off x="0" y="0"/>
+          <a:ext cx="0" cy="0"/>
+          <a:chOff x="0" y="0"/>
+          <a:chExt cx="0" cy="0"/>
+        </a:xfrm>
+      </p:grpSpPr>
+      <p:sp>
+        <p:nvSpPr>
+          <p:cNvPr id="2" name="Title 1"/>
+          <p:cNvSpPr>
+            <a:spLocks noGrp="1"/>
+          </p:cNvSpPr>
+          <p:nvPr>
+            <p:ph hasCustomPrompt="1" type="title"/>
+          </p:nvPr>
+        </p:nvSpPr>
+        <p:spPr>
+          <a:xfrm>
+            <a:off x="353292" y="238755"/>
+            <a:ext cx="8617526" cy="498666"/>
+          </a:xfrm>
+        </p:spPr>
+        <p:txBody>
+          <a:bodyPr/>
+          <a:lstStyle/>
+          <a:p>
+            <a:pPr lvl="0" indent="0" marL="0">
+              <a:buNone/>
+            </a:pPr>
+            <a:r>
+              <a:rPr/>
+              <a:t>Como elaborar uma visualização</a:t>
             </a:r>
           </a:p>
         </p:txBody>
@@ -5876,1359 +6914,7 @@
 </p:sld>
 </file>
 
-<file path=ppt/slides/slide2.xml><?xml version="1.0" encoding="utf-8"?>
-<p:sld xmlns:a="http://schemas.openxmlformats.org/drawingml/2006/main" xmlns:r="http://schemas.openxmlformats.org/officeDocument/2006/relationships" xmlns:p="http://schemas.openxmlformats.org/presentationml/2006/main">
-  <p:cSld>
-    <p:spTree>
-      <p:nvGrpSpPr>
-        <p:cNvPr id="1" name=""/>
-        <p:cNvGrpSpPr/>
-        <p:nvPr/>
-      </p:nvGrpSpPr>
-      <p:grpSpPr>
-        <a:xfrm>
-          <a:off x="0" y="0"/>
-          <a:ext cx="0" cy="0"/>
-          <a:chOff x="0" y="0"/>
-          <a:chExt cx="0" cy="0"/>
-        </a:xfrm>
-      </p:grpSpPr>
-      <p:sp>
-        <p:nvSpPr>
-          <p:cNvPr id="2" name="Title 1"/>
-          <p:cNvSpPr>
-            <a:spLocks noGrp="1"/>
-          </p:cNvSpPr>
-          <p:nvPr>
-            <p:ph hasCustomPrompt="1" type="title"/>
-          </p:nvPr>
-        </p:nvSpPr>
-        <p:spPr>
-          <a:xfrm>
-            <a:off x="353292" y="238755"/>
-            <a:ext cx="8617526" cy="498666"/>
-          </a:xfrm>
-        </p:spPr>
-        <p:txBody>
-          <a:bodyPr/>
-          <a:lstStyle/>
-          <a:p>
-            <a:pPr lvl="0" indent="0" marL="0">
-              <a:buNone/>
-            </a:pPr>
-            <a:r>
-              <a:rPr/>
-              <a:t>O que vamos trabalhar hoje</a:t>
-            </a:r>
-          </a:p>
-        </p:txBody>
-      </p:sp>
-      <p:sp>
-        <p:nvSpPr>
-          <p:cNvPr id="3" name="Content Placeholder 2"/>
-          <p:cNvSpPr>
-            <a:spLocks noGrp="1"/>
-          </p:cNvSpPr>
-          <p:nvPr>
-            <p:ph idx="1"/>
-          </p:nvPr>
-        </p:nvSpPr>
-        <p:spPr/>
-        <p:txBody>
-          <a:bodyPr/>
-          <a:lstStyle/>
-          <a:p>
-            <a:pPr lvl="0"/>
-            <a:r>
-              <a:rPr/>
-              <a:t>O que é um Projeto de Visualização de Dados epidemiológico</a:t>
-            </a:r>
-          </a:p>
-          <a:p>
-            <a:pPr lvl="0"/>
-            <a:r>
-              <a:rPr/>
-              <a:t>Etapas do Projeto</a:t>
-            </a:r>
-          </a:p>
-          <a:p>
-            <a:pPr lvl="0"/>
-            <a:r>
-              <a:rPr/>
-              <a:t>Etapas de uma Visualização</a:t>
-            </a:r>
-          </a:p>
-          <a:p>
-            <a:pPr lvl="0"/>
-            <a:r>
-              <a:rPr/>
-              <a:t>Documentação</a:t>
-            </a:r>
-          </a:p>
-        </p:txBody>
-      </p:sp>
-    </p:spTree>
-  </p:cSld>
-  <p:timing>
-    <p:tnLst>
-      <p:par>
-        <p:cTn id="1" dur="indefinite" restart="never" nodeType="tmRoot">
-          <p:childTnLst>
-            <p:seq concurrent="1" nextAc="seek">
-              <p:cTn id="2" dur="indefinite" nodeType="mainSeq">
-                <p:childTnLst>
-                  <p:par>
-                    <p:cTn id="3" fill="hold">
-                      <p:stCondLst>
-                        <p:cond delay="indefinite"/>
-                      </p:stCondLst>
-                      <p:childTnLst>
-                        <p:par>
-                          <p:cTn id="4" fill="hold">
-                            <p:stCondLst>
-                              <p:cond delay="0"/>
-                            </p:stCondLst>
-                            <p:childTnLst>
-                              <p:par>
-                                <p:cTn id="5" presetID="1" presetClass="entr" presetSubtype="0" fill="hold" grpId="0" nodeType="clickEffect">
-                                  <p:stCondLst>
-                                    <p:cond delay="0"/>
-                                  </p:stCondLst>
-                                  <p:childTnLst>
-                                    <p:set>
-                                      <p:cBhvr>
-                                        <p:cTn id="6" dur="1" fill="hold">
-                                          <p:stCondLst>
-                                            <p:cond delay="0"/>
-                                          </p:stCondLst>
-                                        </p:cTn>
-                                        <p:tgtEl>
-                                          <p:spTgt spid="3">
-                                            <p:txEl>
-                                              <p:pRg st="0" end="0"/>
-                                            </p:txEl>
-                                          </p:spTgt>
-                                        </p:tgtEl>
-                                        <p:attrNameLst>
-                                          <p:attrName>style.visibility</p:attrName>
-                                        </p:attrNameLst>
-                                      </p:cBhvr>
-                                      <p:to>
-                                        <p:strVal val="visible"/>
-                                      </p:to>
-                                    </p:set>
-                                  </p:childTnLst>
-                                </p:cTn>
-                              </p:par>
-                            </p:childTnLst>
-                          </p:cTn>
-                        </p:par>
-                      </p:childTnLst>
-                    </p:cTn>
-                  </p:par>
-                  <p:par>
-                    <p:cTn id="7" fill="hold">
-                      <p:stCondLst>
-                        <p:cond delay="indefinite"/>
-                      </p:stCondLst>
-                      <p:childTnLst>
-                        <p:par>
-                          <p:cTn id="8" fill="hold">
-                            <p:stCondLst>
-                              <p:cond delay="0"/>
-                            </p:stCondLst>
-                            <p:childTnLst>
-                              <p:par>
-                                <p:cTn id="9" presetID="1" presetClass="entr" presetSubtype="0" fill="hold" grpId="0" nodeType="clickEffect">
-                                  <p:stCondLst>
-                                    <p:cond delay="0"/>
-                                  </p:stCondLst>
-                                  <p:childTnLst>
-                                    <p:set>
-                                      <p:cBhvr>
-                                        <p:cTn id="10" dur="1" fill="hold">
-                                          <p:stCondLst>
-                                            <p:cond delay="0"/>
-                                          </p:stCondLst>
-                                        </p:cTn>
-                                        <p:tgtEl>
-                                          <p:spTgt spid="3">
-                                            <p:txEl>
-                                              <p:pRg st="1" end="1"/>
-                                            </p:txEl>
-                                          </p:spTgt>
-                                        </p:tgtEl>
-                                        <p:attrNameLst>
-                                          <p:attrName>style.visibility</p:attrName>
-                                        </p:attrNameLst>
-                                      </p:cBhvr>
-                                      <p:to>
-                                        <p:strVal val="visible"/>
-                                      </p:to>
-                                    </p:set>
-                                  </p:childTnLst>
-                                </p:cTn>
-                              </p:par>
-                            </p:childTnLst>
-                          </p:cTn>
-                        </p:par>
-                      </p:childTnLst>
-                    </p:cTn>
-                  </p:par>
-                  <p:par>
-                    <p:cTn id="11" fill="hold">
-                      <p:stCondLst>
-                        <p:cond delay="indefinite"/>
-                      </p:stCondLst>
-                      <p:childTnLst>
-                        <p:par>
-                          <p:cTn id="12" fill="hold">
-                            <p:stCondLst>
-                              <p:cond delay="0"/>
-                            </p:stCondLst>
-                            <p:childTnLst>
-                              <p:par>
-                                <p:cTn id="13" presetID="1" presetClass="entr" presetSubtype="0" fill="hold" grpId="0" nodeType="clickEffect">
-                                  <p:stCondLst>
-                                    <p:cond delay="0"/>
-                                  </p:stCondLst>
-                                  <p:childTnLst>
-                                    <p:set>
-                                      <p:cBhvr>
-                                        <p:cTn id="14" dur="1" fill="hold">
-                                          <p:stCondLst>
-                                            <p:cond delay="0"/>
-                                          </p:stCondLst>
-                                        </p:cTn>
-                                        <p:tgtEl>
-                                          <p:spTgt spid="3">
-                                            <p:txEl>
-                                              <p:pRg st="2" end="2"/>
-                                            </p:txEl>
-                                          </p:spTgt>
-                                        </p:tgtEl>
-                                        <p:attrNameLst>
-                                          <p:attrName>style.visibility</p:attrName>
-                                        </p:attrNameLst>
-                                      </p:cBhvr>
-                                      <p:to>
-                                        <p:strVal val="visible"/>
-                                      </p:to>
-                                    </p:set>
-                                  </p:childTnLst>
-                                </p:cTn>
-                              </p:par>
-                            </p:childTnLst>
-                          </p:cTn>
-                        </p:par>
-                      </p:childTnLst>
-                    </p:cTn>
-                  </p:par>
-                  <p:par>
-                    <p:cTn id="15" fill="hold">
-                      <p:stCondLst>
-                        <p:cond delay="indefinite"/>
-                      </p:stCondLst>
-                      <p:childTnLst>
-                        <p:par>
-                          <p:cTn id="16" fill="hold">
-                            <p:stCondLst>
-                              <p:cond delay="0"/>
-                            </p:stCondLst>
-                            <p:childTnLst>
-                              <p:par>
-                                <p:cTn id="17" presetID="1" presetClass="entr" presetSubtype="0" fill="hold" grpId="0" nodeType="clickEffect">
-                                  <p:stCondLst>
-                                    <p:cond delay="0"/>
-                                  </p:stCondLst>
-                                  <p:childTnLst>
-                                    <p:set>
-                                      <p:cBhvr>
-                                        <p:cTn id="18" dur="1" fill="hold">
-                                          <p:stCondLst>
-                                            <p:cond delay="0"/>
-                                          </p:stCondLst>
-                                        </p:cTn>
-                                        <p:tgtEl>
-                                          <p:spTgt spid="3">
-                                            <p:txEl>
-                                              <p:pRg st="3" end="3"/>
-                                            </p:txEl>
-                                          </p:spTgt>
-                                        </p:tgtEl>
-                                        <p:attrNameLst>
-                                          <p:attrName>style.visibility</p:attrName>
-                                        </p:attrNameLst>
-                                      </p:cBhvr>
-                                      <p:to>
-                                        <p:strVal val="visible"/>
-                                      </p:to>
-                                    </p:set>
-                                  </p:childTnLst>
-                                </p:cTn>
-                              </p:par>
-                            </p:childTnLst>
-                          </p:cTn>
-                        </p:par>
-                      </p:childTnLst>
-                    </p:cTn>
-                  </p:par>
-                </p:childTnLst>
-              </p:cTn>
-              <p:prevCondLst>
-                <p:cond evt="onPrev" delay="0">
-                  <p:tgtEl>
-                    <p:sldTgt/>
-                  </p:tgtEl>
-                </p:cond>
-              </p:prevCondLst>
-              <p:nextCondLst>
-                <p:cond evt="onNext" delay="0">
-                  <p:tgtEl>
-                    <p:sldTgt/>
-                  </p:tgtEl>
-                </p:cond>
-              </p:nextCondLst>
-            </p:seq>
-          </p:childTnLst>
-        </p:cTn>
-      </p:par>
-    </p:tnLst>
-    <p:bldLst>
-      <p:bldP spid="3" grpId="0" uiExpand="1" build="p"/>
-    </p:bldLst>
-  </p:timing>
-</p:sld>
-</file>
-
-<file path=ppt/slides/slide3.xml><?xml version="1.0" encoding="utf-8"?>
-<p:sld xmlns:a="http://schemas.openxmlformats.org/drawingml/2006/main" xmlns:r="http://schemas.openxmlformats.org/officeDocument/2006/relationships" xmlns:p="http://schemas.openxmlformats.org/presentationml/2006/main">
-  <p:cSld>
-    <p:spTree>
-      <p:nvGrpSpPr>
-        <p:cNvPr id="1" name=""/>
-        <p:cNvGrpSpPr/>
-        <p:nvPr/>
-      </p:nvGrpSpPr>
-      <p:grpSpPr>
-        <a:xfrm>
-          <a:off x="0" y="0"/>
-          <a:ext cx="0" cy="0"/>
-          <a:chOff x="0" y="0"/>
-          <a:chExt cx="0" cy="0"/>
-        </a:xfrm>
-      </p:grpSpPr>
-      <p:sp>
-        <p:nvSpPr>
-          <p:cNvPr id="2" name="Title 1"/>
-          <p:cNvSpPr>
-            <a:spLocks noGrp="1"/>
-          </p:cNvSpPr>
-          <p:nvPr>
-            <p:ph hasCustomPrompt="1" type="title"/>
-          </p:nvPr>
-        </p:nvSpPr>
-        <p:spPr>
-          <a:xfrm>
-            <a:off x="353292" y="238755"/>
-            <a:ext cx="8617526" cy="498666"/>
-          </a:xfrm>
-        </p:spPr>
-        <p:txBody>
-          <a:bodyPr/>
-          <a:lstStyle/>
-          <a:p>
-            <a:pPr lvl="0" indent="0" marL="0">
-              <a:buNone/>
-            </a:pPr>
-            <a:r>
-              <a:rPr/>
-              <a:t>O que é um Projeto de Visualização de Dados Epidemiológico</a:t>
-            </a:r>
-          </a:p>
-        </p:txBody>
-      </p:sp>
-      <p:sp>
-        <p:nvSpPr>
-          <p:cNvPr id="3" name="Content Placeholder 2"/>
-          <p:cNvSpPr>
-            <a:spLocks noGrp="1"/>
-          </p:cNvSpPr>
-          <p:nvPr>
-            <p:ph idx="1"/>
-          </p:nvPr>
-        </p:nvSpPr>
-        <p:spPr/>
-        <p:txBody>
-          <a:bodyPr/>
-          <a:lstStyle/>
-          <a:p>
-            <a:pPr lvl="0"/>
-            <a:r>
-              <a:rPr/>
-              <a:t>Assim como qualquer outro projeto, tem começo, meio e fim</a:t>
-            </a:r>
-          </a:p>
-          <a:p>
-            <a:pPr lvl="0"/>
-            <a:r>
-              <a:rPr/>
-              <a:t>Identifica um problema</a:t>
-            </a:r>
-          </a:p>
-          <a:p>
-            <a:pPr lvl="0"/>
-            <a:r>
-              <a:rPr/>
-              <a:t>Trabalha na solução</a:t>
-            </a:r>
-          </a:p>
-          <a:p>
-            <a:pPr lvl="0"/>
-            <a:r>
-              <a:rPr/>
-              <a:t>Entrega um produto</a:t>
-            </a:r>
-          </a:p>
-        </p:txBody>
-      </p:sp>
-    </p:spTree>
-  </p:cSld>
-  <p:timing>
-    <p:tnLst>
-      <p:par>
-        <p:cTn id="1" dur="indefinite" restart="never" nodeType="tmRoot">
-          <p:childTnLst>
-            <p:seq concurrent="1" nextAc="seek">
-              <p:cTn id="2" dur="indefinite" nodeType="mainSeq">
-                <p:childTnLst>
-                  <p:par>
-                    <p:cTn id="3" fill="hold">
-                      <p:stCondLst>
-                        <p:cond delay="indefinite"/>
-                      </p:stCondLst>
-                      <p:childTnLst>
-                        <p:par>
-                          <p:cTn id="4" fill="hold">
-                            <p:stCondLst>
-                              <p:cond delay="0"/>
-                            </p:stCondLst>
-                            <p:childTnLst>
-                              <p:par>
-                                <p:cTn id="5" presetID="1" presetClass="entr" presetSubtype="0" fill="hold" grpId="0" nodeType="clickEffect">
-                                  <p:stCondLst>
-                                    <p:cond delay="0"/>
-                                  </p:stCondLst>
-                                  <p:childTnLst>
-                                    <p:set>
-                                      <p:cBhvr>
-                                        <p:cTn id="6" dur="1" fill="hold">
-                                          <p:stCondLst>
-                                            <p:cond delay="0"/>
-                                          </p:stCondLst>
-                                        </p:cTn>
-                                        <p:tgtEl>
-                                          <p:spTgt spid="3">
-                                            <p:txEl>
-                                              <p:pRg st="0" end="0"/>
-                                            </p:txEl>
-                                          </p:spTgt>
-                                        </p:tgtEl>
-                                        <p:attrNameLst>
-                                          <p:attrName>style.visibility</p:attrName>
-                                        </p:attrNameLst>
-                                      </p:cBhvr>
-                                      <p:to>
-                                        <p:strVal val="visible"/>
-                                      </p:to>
-                                    </p:set>
-                                  </p:childTnLst>
-                                </p:cTn>
-                              </p:par>
-                            </p:childTnLst>
-                          </p:cTn>
-                        </p:par>
-                      </p:childTnLst>
-                    </p:cTn>
-                  </p:par>
-                  <p:par>
-                    <p:cTn id="7" fill="hold">
-                      <p:stCondLst>
-                        <p:cond delay="indefinite"/>
-                      </p:stCondLst>
-                      <p:childTnLst>
-                        <p:par>
-                          <p:cTn id="8" fill="hold">
-                            <p:stCondLst>
-                              <p:cond delay="0"/>
-                            </p:stCondLst>
-                            <p:childTnLst>
-                              <p:par>
-                                <p:cTn id="9" presetID="1" presetClass="entr" presetSubtype="0" fill="hold" grpId="0" nodeType="clickEffect">
-                                  <p:stCondLst>
-                                    <p:cond delay="0"/>
-                                  </p:stCondLst>
-                                  <p:childTnLst>
-                                    <p:set>
-                                      <p:cBhvr>
-                                        <p:cTn id="10" dur="1" fill="hold">
-                                          <p:stCondLst>
-                                            <p:cond delay="0"/>
-                                          </p:stCondLst>
-                                        </p:cTn>
-                                        <p:tgtEl>
-                                          <p:spTgt spid="3">
-                                            <p:txEl>
-                                              <p:pRg st="1" end="1"/>
-                                            </p:txEl>
-                                          </p:spTgt>
-                                        </p:tgtEl>
-                                        <p:attrNameLst>
-                                          <p:attrName>style.visibility</p:attrName>
-                                        </p:attrNameLst>
-                                      </p:cBhvr>
-                                      <p:to>
-                                        <p:strVal val="visible"/>
-                                      </p:to>
-                                    </p:set>
-                                  </p:childTnLst>
-                                </p:cTn>
-                              </p:par>
-                            </p:childTnLst>
-                          </p:cTn>
-                        </p:par>
-                      </p:childTnLst>
-                    </p:cTn>
-                  </p:par>
-                  <p:par>
-                    <p:cTn id="11" fill="hold">
-                      <p:stCondLst>
-                        <p:cond delay="indefinite"/>
-                      </p:stCondLst>
-                      <p:childTnLst>
-                        <p:par>
-                          <p:cTn id="12" fill="hold">
-                            <p:stCondLst>
-                              <p:cond delay="0"/>
-                            </p:stCondLst>
-                            <p:childTnLst>
-                              <p:par>
-                                <p:cTn id="13" presetID="1" presetClass="entr" presetSubtype="0" fill="hold" grpId="0" nodeType="clickEffect">
-                                  <p:stCondLst>
-                                    <p:cond delay="0"/>
-                                  </p:stCondLst>
-                                  <p:childTnLst>
-                                    <p:set>
-                                      <p:cBhvr>
-                                        <p:cTn id="14" dur="1" fill="hold">
-                                          <p:stCondLst>
-                                            <p:cond delay="0"/>
-                                          </p:stCondLst>
-                                        </p:cTn>
-                                        <p:tgtEl>
-                                          <p:spTgt spid="3">
-                                            <p:txEl>
-                                              <p:pRg st="2" end="2"/>
-                                            </p:txEl>
-                                          </p:spTgt>
-                                        </p:tgtEl>
-                                        <p:attrNameLst>
-                                          <p:attrName>style.visibility</p:attrName>
-                                        </p:attrNameLst>
-                                      </p:cBhvr>
-                                      <p:to>
-                                        <p:strVal val="visible"/>
-                                      </p:to>
-                                    </p:set>
-                                  </p:childTnLst>
-                                </p:cTn>
-                              </p:par>
-                            </p:childTnLst>
-                          </p:cTn>
-                        </p:par>
-                      </p:childTnLst>
-                    </p:cTn>
-                  </p:par>
-                  <p:par>
-                    <p:cTn id="15" fill="hold">
-                      <p:stCondLst>
-                        <p:cond delay="indefinite"/>
-                      </p:stCondLst>
-                      <p:childTnLst>
-                        <p:par>
-                          <p:cTn id="16" fill="hold">
-                            <p:stCondLst>
-                              <p:cond delay="0"/>
-                            </p:stCondLst>
-                            <p:childTnLst>
-                              <p:par>
-                                <p:cTn id="17" presetID="1" presetClass="entr" presetSubtype="0" fill="hold" grpId="0" nodeType="clickEffect">
-                                  <p:stCondLst>
-                                    <p:cond delay="0"/>
-                                  </p:stCondLst>
-                                  <p:childTnLst>
-                                    <p:set>
-                                      <p:cBhvr>
-                                        <p:cTn id="18" dur="1" fill="hold">
-                                          <p:stCondLst>
-                                            <p:cond delay="0"/>
-                                          </p:stCondLst>
-                                        </p:cTn>
-                                        <p:tgtEl>
-                                          <p:spTgt spid="3">
-                                            <p:txEl>
-                                              <p:pRg st="3" end="3"/>
-                                            </p:txEl>
-                                          </p:spTgt>
-                                        </p:tgtEl>
-                                        <p:attrNameLst>
-                                          <p:attrName>style.visibility</p:attrName>
-                                        </p:attrNameLst>
-                                      </p:cBhvr>
-                                      <p:to>
-                                        <p:strVal val="visible"/>
-                                      </p:to>
-                                    </p:set>
-                                  </p:childTnLst>
-                                </p:cTn>
-                              </p:par>
-                            </p:childTnLst>
-                          </p:cTn>
-                        </p:par>
-                      </p:childTnLst>
-                    </p:cTn>
-                  </p:par>
-                </p:childTnLst>
-              </p:cTn>
-              <p:prevCondLst>
-                <p:cond evt="onPrev" delay="0">
-                  <p:tgtEl>
-                    <p:sldTgt/>
-                  </p:tgtEl>
-                </p:cond>
-              </p:prevCondLst>
-              <p:nextCondLst>
-                <p:cond evt="onNext" delay="0">
-                  <p:tgtEl>
-                    <p:sldTgt/>
-                  </p:tgtEl>
-                </p:cond>
-              </p:nextCondLst>
-            </p:seq>
-          </p:childTnLst>
-        </p:cTn>
-      </p:par>
-    </p:tnLst>
-    <p:bldLst>
-      <p:bldP spid="3" grpId="0" uiExpand="1" build="p"/>
-    </p:bldLst>
-  </p:timing>
-</p:sld>
-</file>
-
-<file path=ppt/slides/slide4.xml><?xml version="1.0" encoding="utf-8"?>
-<p:sld xmlns:a="http://schemas.openxmlformats.org/drawingml/2006/main" xmlns:r="http://schemas.openxmlformats.org/officeDocument/2006/relationships" xmlns:p="http://schemas.openxmlformats.org/presentationml/2006/main">
-  <p:cSld>
-    <p:spTree>
-      <p:nvGrpSpPr>
-        <p:cNvPr id="1" name=""/>
-        <p:cNvGrpSpPr/>
-        <p:nvPr/>
-      </p:nvGrpSpPr>
-      <p:grpSpPr>
-        <a:xfrm>
-          <a:off x="0" y="0"/>
-          <a:ext cx="0" cy="0"/>
-          <a:chOff x="0" y="0"/>
-          <a:chExt cx="0" cy="0"/>
-        </a:xfrm>
-      </p:grpSpPr>
-      <p:sp>
-        <p:nvSpPr>
-          <p:cNvPr id="2" name="Title 1"/>
-          <p:cNvSpPr>
-            <a:spLocks noGrp="1"/>
-          </p:cNvSpPr>
-          <p:nvPr>
-            <p:ph hasCustomPrompt="1" type="title"/>
-          </p:nvPr>
-        </p:nvSpPr>
-        <p:spPr>
-          <a:xfrm>
-            <a:off x="353292" y="238755"/>
-            <a:ext cx="8617526" cy="498666"/>
-          </a:xfrm>
-        </p:spPr>
-        <p:txBody>
-          <a:bodyPr/>
-          <a:lstStyle/>
-          <a:p>
-            <a:pPr lvl="0" indent="0" marL="0">
-              <a:buNone/>
-            </a:pPr>
-            <a:r>
-              <a:rPr/>
-              <a:t>Exemplos: IDS</a:t>
-            </a:r>
-          </a:p>
-        </p:txBody>
-      </p:sp>
-      <p:pic>
-        <p:nvPicPr>
-          <p:cNvPr descr="../imagens/ids-covid.png" id="0" name="Picture 1"/>
-          <p:cNvPicPr>
-            <a:picLocks noGrp="1" noChangeAspect="1"/>
-          </p:cNvPicPr>
-          <p:nvPr/>
-        </p:nvPicPr>
-        <p:blipFill>
-          <a:blip r:embed="rId2"/>
-          <a:stretch>
-            <a:fillRect/>
-          </a:stretch>
-        </p:blipFill>
-        <p:spPr bwMode="auto">
-          <a:xfrm>
-            <a:off x="1346200" y="965200"/>
-            <a:ext cx="6604000" cy="3505200"/>
-          </a:xfrm>
-          <a:prstGeom prst="rect">
-            <a:avLst/>
-          </a:prstGeom>
-          <a:noFill/>
-          <a:ln w="9525">
-            <a:noFill/>
-            <a:headEnd/>
-            <a:tailEnd/>
-          </a:ln>
-        </p:spPr>
-      </p:pic>
-    </p:spTree>
-  </p:cSld>
-</p:sld>
-</file>
-
-<file path=ppt/slides/slide5.xml><?xml version="1.0" encoding="utf-8"?>
-<p:sld xmlns:a="http://schemas.openxmlformats.org/drawingml/2006/main" xmlns:r="http://schemas.openxmlformats.org/officeDocument/2006/relationships" xmlns:p="http://schemas.openxmlformats.org/presentationml/2006/main">
-  <p:cSld>
-    <p:spTree>
-      <p:nvGrpSpPr>
-        <p:cNvPr id="1" name=""/>
-        <p:cNvGrpSpPr/>
-        <p:nvPr/>
-      </p:nvGrpSpPr>
-      <p:grpSpPr>
-        <a:xfrm>
-          <a:off x="0" y="0"/>
-          <a:ext cx="0" cy="0"/>
-          <a:chOff x="0" y="0"/>
-          <a:chExt cx="0" cy="0"/>
-        </a:xfrm>
-      </p:grpSpPr>
-      <p:sp>
-        <p:nvSpPr>
-          <p:cNvPr id="2" name="Title 1"/>
-          <p:cNvSpPr>
-            <a:spLocks noGrp="1"/>
-          </p:cNvSpPr>
-          <p:nvPr>
-            <p:ph hasCustomPrompt="1" type="title"/>
-          </p:nvPr>
-        </p:nvSpPr>
-        <p:spPr>
-          <a:xfrm>
-            <a:off x="353292" y="238755"/>
-            <a:ext cx="8617526" cy="498666"/>
-          </a:xfrm>
-        </p:spPr>
-        <p:txBody>
-          <a:bodyPr/>
-          <a:lstStyle/>
-          <a:p>
-            <a:pPr lvl="0" indent="0" marL="0">
-              <a:buNone/>
-            </a:pPr>
-            <a:r>
-              <a:rPr/>
-              <a:t>Exemplos: AppCoorte100M</a:t>
-            </a:r>
-          </a:p>
-        </p:txBody>
-      </p:sp>
-      <p:pic>
-        <p:nvPicPr>
-          <p:cNvPr descr="../imagens/appcoorte-hd.png" id="0" name="Picture 1"/>
-          <p:cNvPicPr>
-            <a:picLocks noGrp="1" noChangeAspect="1"/>
-          </p:cNvPicPr>
-          <p:nvPr/>
-        </p:nvPicPr>
-        <p:blipFill>
-          <a:blip r:embed="rId2"/>
-          <a:stretch>
-            <a:fillRect/>
-          </a:stretch>
-        </p:blipFill>
-        <p:spPr bwMode="auto">
-          <a:xfrm>
-            <a:off x="1536700" y="965200"/>
-            <a:ext cx="6223000" cy="3505200"/>
-          </a:xfrm>
-          <a:prstGeom prst="rect">
-            <a:avLst/>
-          </a:prstGeom>
-          <a:noFill/>
-          <a:ln w="9525">
-            <a:noFill/>
-            <a:headEnd/>
-            <a:tailEnd/>
-          </a:ln>
-        </p:spPr>
-      </p:pic>
-    </p:spTree>
-  </p:cSld>
-</p:sld>
-</file>
-
-<file path=ppt/slides/slide6.xml><?xml version="1.0" encoding="utf-8"?>
-<p:sld xmlns:a="http://schemas.openxmlformats.org/drawingml/2006/main" xmlns:r="http://schemas.openxmlformats.org/officeDocument/2006/relationships" xmlns:p="http://schemas.openxmlformats.org/presentationml/2006/main">
-  <p:cSld>
-    <p:spTree>
-      <p:nvGrpSpPr>
-        <p:cNvPr id="1" name=""/>
-        <p:cNvGrpSpPr/>
-        <p:nvPr/>
-      </p:nvGrpSpPr>
-      <p:grpSpPr>
-        <a:xfrm>
-          <a:off x="0" y="0"/>
-          <a:ext cx="0" cy="0"/>
-          <a:chOff x="0" y="0"/>
-          <a:chExt cx="0" cy="0"/>
-        </a:xfrm>
-      </p:grpSpPr>
-      <p:sp>
-        <p:nvSpPr>
-          <p:cNvPr id="2" name="Title 1"/>
-          <p:cNvSpPr>
-            <a:spLocks noGrp="1"/>
-          </p:cNvSpPr>
-          <p:nvPr>
-            <p:ph hasCustomPrompt="1" type="title"/>
-          </p:nvPr>
-        </p:nvSpPr>
-        <p:spPr>
-          <a:xfrm>
-            <a:off x="353292" y="238755"/>
-            <a:ext cx="8617526" cy="498666"/>
-          </a:xfrm>
-        </p:spPr>
-        <p:txBody>
-          <a:bodyPr/>
-          <a:lstStyle/>
-          <a:p>
-            <a:pPr lvl="0" indent="0" marL="0">
-              <a:buNone/>
-            </a:pPr>
-            <a:r>
-              <a:rPr/>
-              <a:t>Introdução do Projeto</a:t>
-            </a:r>
-          </a:p>
-        </p:txBody>
-      </p:sp>
-      <p:sp>
-        <p:nvSpPr>
-          <p:cNvPr id="3" name="Content Placeholder 2"/>
-          <p:cNvSpPr>
-            <a:spLocks noGrp="1"/>
-          </p:cNvSpPr>
-          <p:nvPr>
-            <p:ph idx="1"/>
-          </p:nvPr>
-        </p:nvSpPr>
-        <p:spPr/>
-        <p:txBody>
-          <a:bodyPr/>
-          <a:lstStyle/>
-          <a:p>
-            <a:pPr lvl="0"/>
-            <a:r>
-              <a:rPr/>
-              <a:t>Etapa de identificação do problema e revisão bibliográfica</a:t>
-            </a:r>
-          </a:p>
-          <a:p>
-            <a:pPr lvl="0"/>
-            <a:r>
-              <a:rPr/>
-              <a:t>Identificar a relevância do problema</a:t>
-            </a:r>
-          </a:p>
-          <a:p>
-            <a:pPr lvl="0"/>
-            <a:r>
-              <a:rPr/>
-              <a:t>Descrever a situação do problema e delimitar o escopo</a:t>
-            </a:r>
-          </a:p>
-          <a:p>
-            <a:pPr lvl="0"/>
-            <a:r>
-              <a:rPr/>
-              <a:t>Primeiras análises dos dados</a:t>
-            </a:r>
-          </a:p>
-        </p:txBody>
-      </p:sp>
-    </p:spTree>
-  </p:cSld>
-  <p:timing>
-    <p:tnLst>
-      <p:par>
-        <p:cTn id="1" dur="indefinite" restart="never" nodeType="tmRoot">
-          <p:childTnLst>
-            <p:seq concurrent="1" nextAc="seek">
-              <p:cTn id="2" dur="indefinite" nodeType="mainSeq">
-                <p:childTnLst>
-                  <p:par>
-                    <p:cTn id="3" fill="hold">
-                      <p:stCondLst>
-                        <p:cond delay="indefinite"/>
-                      </p:stCondLst>
-                      <p:childTnLst>
-                        <p:par>
-                          <p:cTn id="4" fill="hold">
-                            <p:stCondLst>
-                              <p:cond delay="0"/>
-                            </p:stCondLst>
-                            <p:childTnLst>
-                              <p:par>
-                                <p:cTn id="5" presetID="1" presetClass="entr" presetSubtype="0" fill="hold" grpId="0" nodeType="clickEffect">
-                                  <p:stCondLst>
-                                    <p:cond delay="0"/>
-                                  </p:stCondLst>
-                                  <p:childTnLst>
-                                    <p:set>
-                                      <p:cBhvr>
-                                        <p:cTn id="6" dur="1" fill="hold">
-                                          <p:stCondLst>
-                                            <p:cond delay="0"/>
-                                          </p:stCondLst>
-                                        </p:cTn>
-                                        <p:tgtEl>
-                                          <p:spTgt spid="3">
-                                            <p:txEl>
-                                              <p:pRg st="0" end="0"/>
-                                            </p:txEl>
-                                          </p:spTgt>
-                                        </p:tgtEl>
-                                        <p:attrNameLst>
-                                          <p:attrName>style.visibility</p:attrName>
-                                        </p:attrNameLst>
-                                      </p:cBhvr>
-                                      <p:to>
-                                        <p:strVal val="visible"/>
-                                      </p:to>
-                                    </p:set>
-                                  </p:childTnLst>
-                                </p:cTn>
-                              </p:par>
-                            </p:childTnLst>
-                          </p:cTn>
-                        </p:par>
-                      </p:childTnLst>
-                    </p:cTn>
-                  </p:par>
-                  <p:par>
-                    <p:cTn id="7" fill="hold">
-                      <p:stCondLst>
-                        <p:cond delay="indefinite"/>
-                      </p:stCondLst>
-                      <p:childTnLst>
-                        <p:par>
-                          <p:cTn id="8" fill="hold">
-                            <p:stCondLst>
-                              <p:cond delay="0"/>
-                            </p:stCondLst>
-                            <p:childTnLst>
-                              <p:par>
-                                <p:cTn id="9" presetID="1" presetClass="entr" presetSubtype="0" fill="hold" grpId="0" nodeType="clickEffect">
-                                  <p:stCondLst>
-                                    <p:cond delay="0"/>
-                                  </p:stCondLst>
-                                  <p:childTnLst>
-                                    <p:set>
-                                      <p:cBhvr>
-                                        <p:cTn id="10" dur="1" fill="hold">
-                                          <p:stCondLst>
-                                            <p:cond delay="0"/>
-                                          </p:stCondLst>
-                                        </p:cTn>
-                                        <p:tgtEl>
-                                          <p:spTgt spid="3">
-                                            <p:txEl>
-                                              <p:pRg st="1" end="1"/>
-                                            </p:txEl>
-                                          </p:spTgt>
-                                        </p:tgtEl>
-                                        <p:attrNameLst>
-                                          <p:attrName>style.visibility</p:attrName>
-                                        </p:attrNameLst>
-                                      </p:cBhvr>
-                                      <p:to>
-                                        <p:strVal val="visible"/>
-                                      </p:to>
-                                    </p:set>
-                                  </p:childTnLst>
-                                </p:cTn>
-                              </p:par>
-                            </p:childTnLst>
-                          </p:cTn>
-                        </p:par>
-                      </p:childTnLst>
-                    </p:cTn>
-                  </p:par>
-                  <p:par>
-                    <p:cTn id="11" fill="hold">
-                      <p:stCondLst>
-                        <p:cond delay="indefinite"/>
-                      </p:stCondLst>
-                      <p:childTnLst>
-                        <p:par>
-                          <p:cTn id="12" fill="hold">
-                            <p:stCondLst>
-                              <p:cond delay="0"/>
-                            </p:stCondLst>
-                            <p:childTnLst>
-                              <p:par>
-                                <p:cTn id="13" presetID="1" presetClass="entr" presetSubtype="0" fill="hold" grpId="0" nodeType="clickEffect">
-                                  <p:stCondLst>
-                                    <p:cond delay="0"/>
-                                  </p:stCondLst>
-                                  <p:childTnLst>
-                                    <p:set>
-                                      <p:cBhvr>
-                                        <p:cTn id="14" dur="1" fill="hold">
-                                          <p:stCondLst>
-                                            <p:cond delay="0"/>
-                                          </p:stCondLst>
-                                        </p:cTn>
-                                        <p:tgtEl>
-                                          <p:spTgt spid="3">
-                                            <p:txEl>
-                                              <p:pRg st="2" end="2"/>
-                                            </p:txEl>
-                                          </p:spTgt>
-                                        </p:tgtEl>
-                                        <p:attrNameLst>
-                                          <p:attrName>style.visibility</p:attrName>
-                                        </p:attrNameLst>
-                                      </p:cBhvr>
-                                      <p:to>
-                                        <p:strVal val="visible"/>
-                                      </p:to>
-                                    </p:set>
-                                  </p:childTnLst>
-                                </p:cTn>
-                              </p:par>
-                            </p:childTnLst>
-                          </p:cTn>
-                        </p:par>
-                      </p:childTnLst>
-                    </p:cTn>
-                  </p:par>
-                  <p:par>
-                    <p:cTn id="15" fill="hold">
-                      <p:stCondLst>
-                        <p:cond delay="indefinite"/>
-                      </p:stCondLst>
-                      <p:childTnLst>
-                        <p:par>
-                          <p:cTn id="16" fill="hold">
-                            <p:stCondLst>
-                              <p:cond delay="0"/>
-                            </p:stCondLst>
-                            <p:childTnLst>
-                              <p:par>
-                                <p:cTn id="17" presetID="1" presetClass="entr" presetSubtype="0" fill="hold" grpId="0" nodeType="clickEffect">
-                                  <p:stCondLst>
-                                    <p:cond delay="0"/>
-                                  </p:stCondLst>
-                                  <p:childTnLst>
-                                    <p:set>
-                                      <p:cBhvr>
-                                        <p:cTn id="18" dur="1" fill="hold">
-                                          <p:stCondLst>
-                                            <p:cond delay="0"/>
-                                          </p:stCondLst>
-                                        </p:cTn>
-                                        <p:tgtEl>
-                                          <p:spTgt spid="3">
-                                            <p:txEl>
-                                              <p:pRg st="3" end="3"/>
-                                            </p:txEl>
-                                          </p:spTgt>
-                                        </p:tgtEl>
-                                        <p:attrNameLst>
-                                          <p:attrName>style.visibility</p:attrName>
-                                        </p:attrNameLst>
-                                      </p:cBhvr>
-                                      <p:to>
-                                        <p:strVal val="visible"/>
-                                      </p:to>
-                                    </p:set>
-                                  </p:childTnLst>
-                                </p:cTn>
-                              </p:par>
-                            </p:childTnLst>
-                          </p:cTn>
-                        </p:par>
-                      </p:childTnLst>
-                    </p:cTn>
-                  </p:par>
-                </p:childTnLst>
-              </p:cTn>
-              <p:prevCondLst>
-                <p:cond evt="onPrev" delay="0">
-                  <p:tgtEl>
-                    <p:sldTgt/>
-                  </p:tgtEl>
-                </p:cond>
-              </p:prevCondLst>
-              <p:nextCondLst>
-                <p:cond evt="onNext" delay="0">
-                  <p:tgtEl>
-                    <p:sldTgt/>
-                  </p:tgtEl>
-                </p:cond>
-              </p:nextCondLst>
-            </p:seq>
-          </p:childTnLst>
-        </p:cTn>
-      </p:par>
-    </p:tnLst>
-    <p:bldLst>
-      <p:bldP spid="3" grpId="0" uiExpand="1" build="p"/>
-    </p:bldLst>
-  </p:timing>
-</p:sld>
-</file>
-
-<file path=ppt/slides/slide7.xml><?xml version="1.0" encoding="utf-8"?>
-<p:sld xmlns:a="http://schemas.openxmlformats.org/drawingml/2006/main" xmlns:r="http://schemas.openxmlformats.org/officeDocument/2006/relationships" xmlns:p="http://schemas.openxmlformats.org/presentationml/2006/main">
-  <p:cSld>
-    <p:spTree>
-      <p:nvGrpSpPr>
-        <p:cNvPr id="1" name=""/>
-        <p:cNvGrpSpPr/>
-        <p:nvPr/>
-      </p:nvGrpSpPr>
-      <p:grpSpPr>
-        <a:xfrm>
-          <a:off x="0" y="0"/>
-          <a:ext cx="0" cy="0"/>
-          <a:chOff x="0" y="0"/>
-          <a:chExt cx="0" cy="0"/>
-        </a:xfrm>
-      </p:grpSpPr>
-      <p:sp>
-        <p:nvSpPr>
-          <p:cNvPr id="2" name="Title 1"/>
-          <p:cNvSpPr>
-            <a:spLocks noGrp="1"/>
-          </p:cNvSpPr>
-          <p:nvPr>
-            <p:ph hasCustomPrompt="1" type="title"/>
-          </p:nvPr>
-        </p:nvSpPr>
-        <p:spPr>
-          <a:xfrm>
-            <a:off x="353292" y="238755"/>
-            <a:ext cx="8617526" cy="498666"/>
-          </a:xfrm>
-        </p:spPr>
-        <p:txBody>
-          <a:bodyPr/>
-          <a:lstStyle/>
-          <a:p>
-            <a:pPr lvl="0" indent="0" marL="0">
-              <a:buNone/>
-            </a:pPr>
-            <a:r>
-              <a:rPr/>
-              <a:t>Objetivo do Projeto</a:t>
-            </a:r>
-          </a:p>
-        </p:txBody>
-      </p:sp>
-      <p:sp>
-        <p:nvSpPr>
-          <p:cNvPr id="3" name="Content Placeholder 2"/>
-          <p:cNvSpPr>
-            <a:spLocks noGrp="1"/>
-          </p:cNvSpPr>
-          <p:nvPr>
-            <p:ph idx="1"/>
-          </p:nvPr>
-        </p:nvSpPr>
-        <p:spPr/>
-        <p:txBody>
-          <a:bodyPr/>
-          <a:lstStyle/>
-          <a:p>
-            <a:pPr lvl="0"/>
-            <a:r>
-              <a:rPr/>
-              <a:t>Definição do objetivo</a:t>
-            </a:r>
-          </a:p>
-          <a:p>
-            <a:pPr lvl="0"/>
-            <a:r>
-              <a:rPr/>
-              <a:t>Escolha das ferramentas e dados a serem utilizados</a:t>
-            </a:r>
-          </a:p>
-        </p:txBody>
-      </p:sp>
-    </p:spTree>
-  </p:cSld>
-  <p:timing>
-    <p:tnLst>
-      <p:par>
-        <p:cTn id="1" dur="indefinite" restart="never" nodeType="tmRoot">
-          <p:childTnLst>
-            <p:seq concurrent="1" nextAc="seek">
-              <p:cTn id="2" dur="indefinite" nodeType="mainSeq">
-                <p:childTnLst>
-                  <p:par>
-                    <p:cTn id="3" fill="hold">
-                      <p:stCondLst>
-                        <p:cond delay="indefinite"/>
-                      </p:stCondLst>
-                      <p:childTnLst>
-                        <p:par>
-                          <p:cTn id="4" fill="hold">
-                            <p:stCondLst>
-                              <p:cond delay="0"/>
-                            </p:stCondLst>
-                            <p:childTnLst>
-                              <p:par>
-                                <p:cTn id="5" presetID="1" presetClass="entr" presetSubtype="0" fill="hold" grpId="0" nodeType="clickEffect">
-                                  <p:stCondLst>
-                                    <p:cond delay="0"/>
-                                  </p:stCondLst>
-                                  <p:childTnLst>
-                                    <p:set>
-                                      <p:cBhvr>
-                                        <p:cTn id="6" dur="1" fill="hold">
-                                          <p:stCondLst>
-                                            <p:cond delay="0"/>
-                                          </p:stCondLst>
-                                        </p:cTn>
-                                        <p:tgtEl>
-                                          <p:spTgt spid="3">
-                                            <p:txEl>
-                                              <p:pRg st="0" end="0"/>
-                                            </p:txEl>
-                                          </p:spTgt>
-                                        </p:tgtEl>
-                                        <p:attrNameLst>
-                                          <p:attrName>style.visibility</p:attrName>
-                                        </p:attrNameLst>
-                                      </p:cBhvr>
-                                      <p:to>
-                                        <p:strVal val="visible"/>
-                                      </p:to>
-                                    </p:set>
-                                  </p:childTnLst>
-                                </p:cTn>
-                              </p:par>
-                            </p:childTnLst>
-                          </p:cTn>
-                        </p:par>
-                      </p:childTnLst>
-                    </p:cTn>
-                  </p:par>
-                  <p:par>
-                    <p:cTn id="7" fill="hold">
-                      <p:stCondLst>
-                        <p:cond delay="indefinite"/>
-                      </p:stCondLst>
-                      <p:childTnLst>
-                        <p:par>
-                          <p:cTn id="8" fill="hold">
-                            <p:stCondLst>
-                              <p:cond delay="0"/>
-                            </p:stCondLst>
-                            <p:childTnLst>
-                              <p:par>
-                                <p:cTn id="9" presetID="1" presetClass="entr" presetSubtype="0" fill="hold" grpId="0" nodeType="clickEffect">
-                                  <p:stCondLst>
-                                    <p:cond delay="0"/>
-                                  </p:stCondLst>
-                                  <p:childTnLst>
-                                    <p:set>
-                                      <p:cBhvr>
-                                        <p:cTn id="10" dur="1" fill="hold">
-                                          <p:stCondLst>
-                                            <p:cond delay="0"/>
-                                          </p:stCondLst>
-                                        </p:cTn>
-                                        <p:tgtEl>
-                                          <p:spTgt spid="3">
-                                            <p:txEl>
-                                              <p:pRg st="1" end="1"/>
-                                            </p:txEl>
-                                          </p:spTgt>
-                                        </p:tgtEl>
-                                        <p:attrNameLst>
-                                          <p:attrName>style.visibility</p:attrName>
-                                        </p:attrNameLst>
-                                      </p:cBhvr>
-                                      <p:to>
-                                        <p:strVal val="visible"/>
-                                      </p:to>
-                                    </p:set>
-                                  </p:childTnLst>
-                                </p:cTn>
-                              </p:par>
-                            </p:childTnLst>
-                          </p:cTn>
-                        </p:par>
-                      </p:childTnLst>
-                    </p:cTn>
-                  </p:par>
-                </p:childTnLst>
-              </p:cTn>
-              <p:prevCondLst>
-                <p:cond evt="onPrev" delay="0">
-                  <p:tgtEl>
-                    <p:sldTgt/>
-                  </p:tgtEl>
-                </p:cond>
-              </p:prevCondLst>
-              <p:nextCondLst>
-                <p:cond evt="onNext" delay="0">
-                  <p:tgtEl>
-                    <p:sldTgt/>
-                  </p:tgtEl>
-                </p:cond>
-              </p:nextCondLst>
-            </p:seq>
-          </p:childTnLst>
-        </p:cTn>
-      </p:par>
-    </p:tnLst>
-    <p:bldLst>
-      <p:bldP spid="3" grpId="0" uiExpand="1" build="p"/>
-    </p:bldLst>
-  </p:timing>
-</p:sld>
-</file>
-
-<file path=ppt/slides/slide8.xml><?xml version="1.0" encoding="utf-8"?>
+<file path=ppt/slides/slide12.xml><?xml version="1.0" encoding="utf-8"?>
 <p:sld xmlns:a="http://schemas.openxmlformats.org/drawingml/2006/main" xmlns:r="http://schemas.openxmlformats.org/officeDocument/2006/relationships" xmlns:p="http://schemas.openxmlformats.org/presentationml/2006/main">
   <p:cSld>
     <p:spTree>
@@ -7497,7 +7183,7 @@
 </p:sld>
 </file>
 
-<file path=ppt/slides/slide9.xml><?xml version="1.0" encoding="utf-8"?>
+<file path=ppt/slides/slide13.xml><?xml version="1.0" encoding="utf-8"?>
 <p:sld xmlns:a="http://schemas.openxmlformats.org/drawingml/2006/main" xmlns:r="http://schemas.openxmlformats.org/officeDocument/2006/relationships" xmlns:p="http://schemas.openxmlformats.org/presentationml/2006/main">
   <p:cSld>
     <p:spTree>
@@ -8016,6 +7702,3190 @@
                                           <p:spTgt spid="3">
                                             <p:txEl>
                                               <p:pRg st="9" end="9"/>
+                                            </p:txEl>
+                                          </p:spTgt>
+                                        </p:tgtEl>
+                                        <p:attrNameLst>
+                                          <p:attrName>style.visibility</p:attrName>
+                                        </p:attrNameLst>
+                                      </p:cBhvr>
+                                      <p:to>
+                                        <p:strVal val="visible"/>
+                                      </p:to>
+                                    </p:set>
+                                  </p:childTnLst>
+                                </p:cTn>
+                              </p:par>
+                            </p:childTnLst>
+                          </p:cTn>
+                        </p:par>
+                      </p:childTnLst>
+                    </p:cTn>
+                  </p:par>
+                </p:childTnLst>
+              </p:cTn>
+              <p:prevCondLst>
+                <p:cond evt="onPrev" delay="0">
+                  <p:tgtEl>
+                    <p:sldTgt/>
+                  </p:tgtEl>
+                </p:cond>
+              </p:prevCondLst>
+              <p:nextCondLst>
+                <p:cond evt="onNext" delay="0">
+                  <p:tgtEl>
+                    <p:sldTgt/>
+                  </p:tgtEl>
+                </p:cond>
+              </p:nextCondLst>
+            </p:seq>
+          </p:childTnLst>
+        </p:cTn>
+      </p:par>
+    </p:tnLst>
+    <p:bldLst>
+      <p:bldP spid="3" grpId="0" uiExpand="1" build="p"/>
+    </p:bldLst>
+  </p:timing>
+</p:sld>
+</file>
+
+<file path=ppt/slides/slide14.xml><?xml version="1.0" encoding="utf-8"?>
+<p:sld xmlns:a="http://schemas.openxmlformats.org/drawingml/2006/main" xmlns:r="http://schemas.openxmlformats.org/officeDocument/2006/relationships" xmlns:p="http://schemas.openxmlformats.org/presentationml/2006/main">
+  <p:cSld>
+    <p:spTree>
+      <p:nvGrpSpPr>
+        <p:cNvPr id="1" name=""/>
+        <p:cNvGrpSpPr/>
+        <p:nvPr/>
+      </p:nvGrpSpPr>
+      <p:grpSpPr>
+        <a:xfrm>
+          <a:off x="0" y="0"/>
+          <a:ext cx="0" cy="0"/>
+          <a:chOff x="0" y="0"/>
+          <a:chExt cx="0" cy="0"/>
+        </a:xfrm>
+      </p:grpSpPr>
+      <p:sp>
+        <p:nvSpPr>
+          <p:cNvPr id="2" name="Title 1"/>
+          <p:cNvSpPr>
+            <a:spLocks noGrp="1"/>
+          </p:cNvSpPr>
+          <p:nvPr>
+            <p:ph hasCustomPrompt="1" type="title"/>
+          </p:nvPr>
+        </p:nvSpPr>
+        <p:spPr>
+          <a:xfrm>
+            <a:off x="353292" y="238755"/>
+            <a:ext cx="8617526" cy="498666"/>
+          </a:xfrm>
+        </p:spPr>
+        <p:txBody>
+          <a:bodyPr/>
+          <a:lstStyle/>
+          <a:p>
+            <a:pPr lvl="0" indent="0" marL="0">
+              <a:buNone/>
+            </a:pPr>
+            <a:r>
+              <a:rPr/>
+              <a:t>Escolher a visualização mais efetiva</a:t>
+            </a:r>
+          </a:p>
+        </p:txBody>
+      </p:sp>
+      <p:sp>
+        <p:nvSpPr>
+          <p:cNvPr id="3" name="Content Placeholder 2"/>
+          <p:cNvSpPr>
+            <a:spLocks noGrp="1"/>
+          </p:cNvSpPr>
+          <p:nvPr>
+            <p:ph idx="1"/>
+          </p:nvPr>
+        </p:nvSpPr>
+        <p:spPr/>
+        <p:txBody>
+          <a:bodyPr/>
+          <a:lstStyle/>
+          <a:p>
+            <a:pPr lvl="0"/>
+            <a:r>
+              <a:rPr/>
+              <a:t>Tipos mais comuns:</a:t>
+            </a:r>
+          </a:p>
+          <a:p>
+            <a:pPr lvl="1"/>
+            <a:r>
+              <a:rPr/>
+              <a:t>Texto simples, Tabelas, Mapas de calor</a:t>
+            </a:r>
+          </a:p>
+          <a:p>
+            <a:pPr lvl="1"/>
+            <a:r>
+              <a:rPr/>
+              <a:t>Gráficos: de pontos, de linhas, de barras e de área</a:t>
+            </a:r>
+          </a:p>
+          <a:p>
+            <a:pPr lvl="0"/>
+            <a:r>
+              <a:rPr/>
+              <a:t>Gráficos a serem evitados:</a:t>
+            </a:r>
+          </a:p>
+          <a:p>
+            <a:pPr lvl="1"/>
+            <a:r>
+              <a:rPr/>
+              <a:t>Gráficos de pizza e donnuts</a:t>
+            </a:r>
+          </a:p>
+          <a:p>
+            <a:pPr lvl="1"/>
+            <a:r>
+              <a:rPr/>
+              <a:t>3D</a:t>
+            </a:r>
+          </a:p>
+          <a:p>
+            <a:pPr lvl="1"/>
+            <a:r>
+              <a:rPr/>
+              <a:t>Segundo eixo</a:t>
+            </a:r>
+          </a:p>
+        </p:txBody>
+      </p:sp>
+    </p:spTree>
+  </p:cSld>
+  <p:timing>
+    <p:tnLst>
+      <p:par>
+        <p:cTn id="1" dur="indefinite" restart="never" nodeType="tmRoot">
+          <p:childTnLst>
+            <p:seq concurrent="1" nextAc="seek">
+              <p:cTn id="2" dur="indefinite" nodeType="mainSeq">
+                <p:childTnLst>
+                  <p:par>
+                    <p:cTn id="3" fill="hold">
+                      <p:stCondLst>
+                        <p:cond delay="indefinite"/>
+                      </p:stCondLst>
+                      <p:childTnLst>
+                        <p:par>
+                          <p:cTn id="4" fill="hold">
+                            <p:stCondLst>
+                              <p:cond delay="0"/>
+                            </p:stCondLst>
+                            <p:childTnLst>
+                              <p:par>
+                                <p:cTn id="5" presetID="1" presetClass="entr" presetSubtype="0" fill="hold" grpId="0" nodeType="clickEffect">
+                                  <p:stCondLst>
+                                    <p:cond delay="0"/>
+                                  </p:stCondLst>
+                                  <p:childTnLst>
+                                    <p:set>
+                                      <p:cBhvr>
+                                        <p:cTn id="6" dur="1" fill="hold">
+                                          <p:stCondLst>
+                                            <p:cond delay="0"/>
+                                          </p:stCondLst>
+                                        </p:cTn>
+                                        <p:tgtEl>
+                                          <p:spTgt spid="3">
+                                            <p:txEl>
+                                              <p:pRg st="0" end="0"/>
+                                            </p:txEl>
+                                          </p:spTgt>
+                                        </p:tgtEl>
+                                        <p:attrNameLst>
+                                          <p:attrName>style.visibility</p:attrName>
+                                        </p:attrNameLst>
+                                      </p:cBhvr>
+                                      <p:to>
+                                        <p:strVal val="visible"/>
+                                      </p:to>
+                                    </p:set>
+                                  </p:childTnLst>
+                                </p:cTn>
+                              </p:par>
+                            </p:childTnLst>
+                          </p:cTn>
+                        </p:par>
+                      </p:childTnLst>
+                    </p:cTn>
+                  </p:par>
+                  <p:par>
+                    <p:cTn id="7" fill="hold">
+                      <p:stCondLst>
+                        <p:cond delay="indefinite"/>
+                      </p:stCondLst>
+                      <p:childTnLst>
+                        <p:par>
+                          <p:cTn id="8" fill="hold">
+                            <p:stCondLst>
+                              <p:cond delay="0"/>
+                            </p:stCondLst>
+                            <p:childTnLst>
+                              <p:par>
+                                <p:cTn id="9" presetID="1" presetClass="entr" presetSubtype="0" fill="hold" grpId="0" nodeType="clickEffect">
+                                  <p:stCondLst>
+                                    <p:cond delay="0"/>
+                                  </p:stCondLst>
+                                  <p:childTnLst>
+                                    <p:set>
+                                      <p:cBhvr>
+                                        <p:cTn id="10" dur="1" fill="hold">
+                                          <p:stCondLst>
+                                            <p:cond delay="0"/>
+                                          </p:stCondLst>
+                                        </p:cTn>
+                                        <p:tgtEl>
+                                          <p:spTgt spid="3">
+                                            <p:txEl>
+                                              <p:pRg st="1" end="1"/>
+                                            </p:txEl>
+                                          </p:spTgt>
+                                        </p:tgtEl>
+                                        <p:attrNameLst>
+                                          <p:attrName>style.visibility</p:attrName>
+                                        </p:attrNameLst>
+                                      </p:cBhvr>
+                                      <p:to>
+                                        <p:strVal val="visible"/>
+                                      </p:to>
+                                    </p:set>
+                                  </p:childTnLst>
+                                </p:cTn>
+                              </p:par>
+                            </p:childTnLst>
+                          </p:cTn>
+                        </p:par>
+                      </p:childTnLst>
+                    </p:cTn>
+                  </p:par>
+                  <p:par>
+                    <p:cTn id="11" fill="hold">
+                      <p:stCondLst>
+                        <p:cond delay="indefinite"/>
+                      </p:stCondLst>
+                      <p:childTnLst>
+                        <p:par>
+                          <p:cTn id="12" fill="hold">
+                            <p:stCondLst>
+                              <p:cond delay="0"/>
+                            </p:stCondLst>
+                            <p:childTnLst>
+                              <p:par>
+                                <p:cTn id="13" presetID="1" presetClass="entr" presetSubtype="0" fill="hold" grpId="0" nodeType="clickEffect">
+                                  <p:stCondLst>
+                                    <p:cond delay="0"/>
+                                  </p:stCondLst>
+                                  <p:childTnLst>
+                                    <p:set>
+                                      <p:cBhvr>
+                                        <p:cTn id="14" dur="1" fill="hold">
+                                          <p:stCondLst>
+                                            <p:cond delay="0"/>
+                                          </p:stCondLst>
+                                        </p:cTn>
+                                        <p:tgtEl>
+                                          <p:spTgt spid="3">
+                                            <p:txEl>
+                                              <p:pRg st="2" end="2"/>
+                                            </p:txEl>
+                                          </p:spTgt>
+                                        </p:tgtEl>
+                                        <p:attrNameLst>
+                                          <p:attrName>style.visibility</p:attrName>
+                                        </p:attrNameLst>
+                                      </p:cBhvr>
+                                      <p:to>
+                                        <p:strVal val="visible"/>
+                                      </p:to>
+                                    </p:set>
+                                  </p:childTnLst>
+                                </p:cTn>
+                              </p:par>
+                            </p:childTnLst>
+                          </p:cTn>
+                        </p:par>
+                      </p:childTnLst>
+                    </p:cTn>
+                  </p:par>
+                  <p:par>
+                    <p:cTn id="15" fill="hold">
+                      <p:stCondLst>
+                        <p:cond delay="indefinite"/>
+                      </p:stCondLst>
+                      <p:childTnLst>
+                        <p:par>
+                          <p:cTn id="16" fill="hold">
+                            <p:stCondLst>
+                              <p:cond delay="0"/>
+                            </p:stCondLst>
+                            <p:childTnLst>
+                              <p:par>
+                                <p:cTn id="17" presetID="1" presetClass="entr" presetSubtype="0" fill="hold" grpId="0" nodeType="clickEffect">
+                                  <p:stCondLst>
+                                    <p:cond delay="0"/>
+                                  </p:stCondLst>
+                                  <p:childTnLst>
+                                    <p:set>
+                                      <p:cBhvr>
+                                        <p:cTn id="18" dur="1" fill="hold">
+                                          <p:stCondLst>
+                                            <p:cond delay="0"/>
+                                          </p:stCondLst>
+                                        </p:cTn>
+                                        <p:tgtEl>
+                                          <p:spTgt spid="3">
+                                            <p:txEl>
+                                              <p:pRg st="3" end="3"/>
+                                            </p:txEl>
+                                          </p:spTgt>
+                                        </p:tgtEl>
+                                        <p:attrNameLst>
+                                          <p:attrName>style.visibility</p:attrName>
+                                        </p:attrNameLst>
+                                      </p:cBhvr>
+                                      <p:to>
+                                        <p:strVal val="visible"/>
+                                      </p:to>
+                                    </p:set>
+                                  </p:childTnLst>
+                                </p:cTn>
+                              </p:par>
+                            </p:childTnLst>
+                          </p:cTn>
+                        </p:par>
+                      </p:childTnLst>
+                    </p:cTn>
+                  </p:par>
+                  <p:par>
+                    <p:cTn id="19" fill="hold">
+                      <p:stCondLst>
+                        <p:cond delay="indefinite"/>
+                      </p:stCondLst>
+                      <p:childTnLst>
+                        <p:par>
+                          <p:cTn id="20" fill="hold">
+                            <p:stCondLst>
+                              <p:cond delay="0"/>
+                            </p:stCondLst>
+                            <p:childTnLst>
+                              <p:par>
+                                <p:cTn id="21" presetID="1" presetClass="entr" presetSubtype="0" fill="hold" grpId="0" nodeType="clickEffect">
+                                  <p:stCondLst>
+                                    <p:cond delay="0"/>
+                                  </p:stCondLst>
+                                  <p:childTnLst>
+                                    <p:set>
+                                      <p:cBhvr>
+                                        <p:cTn id="22" dur="1" fill="hold">
+                                          <p:stCondLst>
+                                            <p:cond delay="0"/>
+                                          </p:stCondLst>
+                                        </p:cTn>
+                                        <p:tgtEl>
+                                          <p:spTgt spid="3">
+                                            <p:txEl>
+                                              <p:pRg st="4" end="4"/>
+                                            </p:txEl>
+                                          </p:spTgt>
+                                        </p:tgtEl>
+                                        <p:attrNameLst>
+                                          <p:attrName>style.visibility</p:attrName>
+                                        </p:attrNameLst>
+                                      </p:cBhvr>
+                                      <p:to>
+                                        <p:strVal val="visible"/>
+                                      </p:to>
+                                    </p:set>
+                                  </p:childTnLst>
+                                </p:cTn>
+                              </p:par>
+                            </p:childTnLst>
+                          </p:cTn>
+                        </p:par>
+                      </p:childTnLst>
+                    </p:cTn>
+                  </p:par>
+                  <p:par>
+                    <p:cTn id="23" fill="hold">
+                      <p:stCondLst>
+                        <p:cond delay="indefinite"/>
+                      </p:stCondLst>
+                      <p:childTnLst>
+                        <p:par>
+                          <p:cTn id="24" fill="hold">
+                            <p:stCondLst>
+                              <p:cond delay="0"/>
+                            </p:stCondLst>
+                            <p:childTnLst>
+                              <p:par>
+                                <p:cTn id="25" presetID="1" presetClass="entr" presetSubtype="0" fill="hold" grpId="0" nodeType="clickEffect">
+                                  <p:stCondLst>
+                                    <p:cond delay="0"/>
+                                  </p:stCondLst>
+                                  <p:childTnLst>
+                                    <p:set>
+                                      <p:cBhvr>
+                                        <p:cTn id="26" dur="1" fill="hold">
+                                          <p:stCondLst>
+                                            <p:cond delay="0"/>
+                                          </p:stCondLst>
+                                        </p:cTn>
+                                        <p:tgtEl>
+                                          <p:spTgt spid="3">
+                                            <p:txEl>
+                                              <p:pRg st="5" end="5"/>
+                                            </p:txEl>
+                                          </p:spTgt>
+                                        </p:tgtEl>
+                                        <p:attrNameLst>
+                                          <p:attrName>style.visibility</p:attrName>
+                                        </p:attrNameLst>
+                                      </p:cBhvr>
+                                      <p:to>
+                                        <p:strVal val="visible"/>
+                                      </p:to>
+                                    </p:set>
+                                  </p:childTnLst>
+                                </p:cTn>
+                              </p:par>
+                            </p:childTnLst>
+                          </p:cTn>
+                        </p:par>
+                      </p:childTnLst>
+                    </p:cTn>
+                  </p:par>
+                  <p:par>
+                    <p:cTn id="27" fill="hold">
+                      <p:stCondLst>
+                        <p:cond delay="indefinite"/>
+                      </p:stCondLst>
+                      <p:childTnLst>
+                        <p:par>
+                          <p:cTn id="28" fill="hold">
+                            <p:stCondLst>
+                              <p:cond delay="0"/>
+                            </p:stCondLst>
+                            <p:childTnLst>
+                              <p:par>
+                                <p:cTn id="29" presetID="1" presetClass="entr" presetSubtype="0" fill="hold" grpId="0" nodeType="clickEffect">
+                                  <p:stCondLst>
+                                    <p:cond delay="0"/>
+                                  </p:stCondLst>
+                                  <p:childTnLst>
+                                    <p:set>
+                                      <p:cBhvr>
+                                        <p:cTn id="30" dur="1" fill="hold">
+                                          <p:stCondLst>
+                                            <p:cond delay="0"/>
+                                          </p:stCondLst>
+                                        </p:cTn>
+                                        <p:tgtEl>
+                                          <p:spTgt spid="3">
+                                            <p:txEl>
+                                              <p:pRg st="6" end="6"/>
+                                            </p:txEl>
+                                          </p:spTgt>
+                                        </p:tgtEl>
+                                        <p:attrNameLst>
+                                          <p:attrName>style.visibility</p:attrName>
+                                        </p:attrNameLst>
+                                      </p:cBhvr>
+                                      <p:to>
+                                        <p:strVal val="visible"/>
+                                      </p:to>
+                                    </p:set>
+                                  </p:childTnLst>
+                                </p:cTn>
+                              </p:par>
+                            </p:childTnLst>
+                          </p:cTn>
+                        </p:par>
+                      </p:childTnLst>
+                    </p:cTn>
+                  </p:par>
+                </p:childTnLst>
+              </p:cTn>
+              <p:prevCondLst>
+                <p:cond evt="onPrev" delay="0">
+                  <p:tgtEl>
+                    <p:sldTgt/>
+                  </p:tgtEl>
+                </p:cond>
+              </p:prevCondLst>
+              <p:nextCondLst>
+                <p:cond evt="onNext" delay="0">
+                  <p:tgtEl>
+                    <p:sldTgt/>
+                  </p:tgtEl>
+                </p:cond>
+              </p:nextCondLst>
+            </p:seq>
+          </p:childTnLst>
+        </p:cTn>
+      </p:par>
+    </p:tnLst>
+    <p:bldLst>
+      <p:bldP spid="3" grpId="0" uiExpand="1" build="p"/>
+    </p:bldLst>
+  </p:timing>
+</p:sld>
+</file>
+
+<file path=ppt/slides/slide15.xml><?xml version="1.0" encoding="utf-8"?>
+<p:sld xmlns:a="http://schemas.openxmlformats.org/drawingml/2006/main" xmlns:r="http://schemas.openxmlformats.org/officeDocument/2006/relationships" xmlns:p="http://schemas.openxmlformats.org/presentationml/2006/main">
+  <p:cSld>
+    <p:spTree>
+      <p:nvGrpSpPr>
+        <p:cNvPr id="1" name=""/>
+        <p:cNvGrpSpPr/>
+        <p:nvPr/>
+      </p:nvGrpSpPr>
+      <p:grpSpPr>
+        <a:xfrm>
+          <a:off x="0" y="0"/>
+          <a:ext cx="0" cy="0"/>
+          <a:chOff x="0" y="0"/>
+          <a:chExt cx="0" cy="0"/>
+        </a:xfrm>
+      </p:grpSpPr>
+      <p:sp>
+        <p:nvSpPr>
+          <p:cNvPr id="2" name="Title 1"/>
+          <p:cNvSpPr>
+            <a:spLocks noGrp="1"/>
+          </p:cNvSpPr>
+          <p:nvPr>
+            <p:ph hasCustomPrompt="1" type="title"/>
+          </p:nvPr>
+        </p:nvSpPr>
+        <p:spPr>
+          <a:xfrm>
+            <a:off x="353292" y="238755"/>
+            <a:ext cx="8617526" cy="498666"/>
+          </a:xfrm>
+        </p:spPr>
+        <p:txBody>
+          <a:bodyPr/>
+          <a:lstStyle/>
+          <a:p>
+            <a:pPr lvl="0" indent="0" marL="0">
+              <a:buNone/>
+            </a:pPr>
+            <a:r>
+              <a:rPr/>
+              <a:t>Gráfico de pontos</a:t>
+            </a:r>
+          </a:p>
+        </p:txBody>
+      </p:sp>
+      <p:pic>
+        <p:nvPicPr>
+          <p:cNvPr descr="../imagens/graph-points.png" id="0" name="Picture 1"/>
+          <p:cNvPicPr>
+            <a:picLocks noGrp="1" noChangeAspect="1"/>
+          </p:cNvPicPr>
+          <p:nvPr/>
+        </p:nvPicPr>
+        <p:blipFill>
+          <a:blip r:embed="rId2"/>
+          <a:stretch>
+            <a:fillRect/>
+          </a:stretch>
+        </p:blipFill>
+        <p:spPr bwMode="auto">
+          <a:xfrm>
+            <a:off x="3263900" y="965200"/>
+            <a:ext cx="2768600" cy="3505200"/>
+          </a:xfrm>
+          <a:prstGeom prst="rect">
+            <a:avLst/>
+          </a:prstGeom>
+          <a:noFill/>
+          <a:ln w="9525">
+            <a:noFill/>
+            <a:headEnd/>
+            <a:tailEnd/>
+          </a:ln>
+        </p:spPr>
+      </p:pic>
+    </p:spTree>
+  </p:cSld>
+</p:sld>
+</file>
+
+<file path=ppt/slides/slide16.xml><?xml version="1.0" encoding="utf-8"?>
+<p:sld xmlns:a="http://schemas.openxmlformats.org/drawingml/2006/main" xmlns:r="http://schemas.openxmlformats.org/officeDocument/2006/relationships" xmlns:p="http://schemas.openxmlformats.org/presentationml/2006/main">
+  <p:cSld>
+    <p:spTree>
+      <p:nvGrpSpPr>
+        <p:cNvPr id="1" name=""/>
+        <p:cNvGrpSpPr/>
+        <p:nvPr/>
+      </p:nvGrpSpPr>
+      <p:grpSpPr>
+        <a:xfrm>
+          <a:off x="0" y="0"/>
+          <a:ext cx="0" cy="0"/>
+          <a:chOff x="0" y="0"/>
+          <a:chExt cx="0" cy="0"/>
+        </a:xfrm>
+      </p:grpSpPr>
+      <p:sp>
+        <p:nvSpPr>
+          <p:cNvPr id="2" name="Title 1"/>
+          <p:cNvSpPr>
+            <a:spLocks noGrp="1"/>
+          </p:cNvSpPr>
+          <p:nvPr>
+            <p:ph hasCustomPrompt="1" type="title"/>
+          </p:nvPr>
+        </p:nvSpPr>
+        <p:spPr>
+          <a:xfrm>
+            <a:off x="353292" y="238755"/>
+            <a:ext cx="8617526" cy="498666"/>
+          </a:xfrm>
+        </p:spPr>
+        <p:txBody>
+          <a:bodyPr/>
+          <a:lstStyle/>
+          <a:p>
+            <a:pPr lvl="0" indent="0" marL="0">
+              <a:buNone/>
+            </a:pPr>
+            <a:r>
+              <a:rPr/>
+              <a:t>Gráfico de linhas</a:t>
+            </a:r>
+          </a:p>
+        </p:txBody>
+      </p:sp>
+      <p:pic>
+        <p:nvPicPr>
+          <p:cNvPr descr="../imagens/graph-line-compare.png" id="0" name="Picture 1"/>
+          <p:cNvPicPr>
+            <a:picLocks noGrp="1" noChangeAspect="1"/>
+          </p:cNvPicPr>
+          <p:nvPr/>
+        </p:nvPicPr>
+        <p:blipFill>
+          <a:blip r:embed="rId2"/>
+          <a:stretch>
+            <a:fillRect/>
+          </a:stretch>
+        </p:blipFill>
+        <p:spPr bwMode="auto">
+          <a:xfrm>
+            <a:off x="1739900" y="965200"/>
+            <a:ext cx="5816600" cy="3505200"/>
+          </a:xfrm>
+          <a:prstGeom prst="rect">
+            <a:avLst/>
+          </a:prstGeom>
+          <a:noFill/>
+          <a:ln w="9525">
+            <a:noFill/>
+            <a:headEnd/>
+            <a:tailEnd/>
+          </a:ln>
+        </p:spPr>
+      </p:pic>
+    </p:spTree>
+  </p:cSld>
+</p:sld>
+</file>
+
+<file path=ppt/slides/slide17.xml><?xml version="1.0" encoding="utf-8"?>
+<p:sld xmlns:a="http://schemas.openxmlformats.org/drawingml/2006/main" xmlns:r="http://schemas.openxmlformats.org/officeDocument/2006/relationships" xmlns:p="http://schemas.openxmlformats.org/presentationml/2006/main">
+  <p:cSld>
+    <p:spTree>
+      <p:nvGrpSpPr>
+        <p:cNvPr id="1" name=""/>
+        <p:cNvGrpSpPr/>
+        <p:nvPr/>
+      </p:nvGrpSpPr>
+      <p:grpSpPr>
+        <a:xfrm>
+          <a:off x="0" y="0"/>
+          <a:ext cx="0" cy="0"/>
+          <a:chOff x="0" y="0"/>
+          <a:chExt cx="0" cy="0"/>
+        </a:xfrm>
+      </p:grpSpPr>
+      <p:sp>
+        <p:nvSpPr>
+          <p:cNvPr id="2" name="Title 1"/>
+          <p:cNvSpPr>
+            <a:spLocks noGrp="1"/>
+          </p:cNvSpPr>
+          <p:nvPr>
+            <p:ph hasCustomPrompt="1" type="title"/>
+          </p:nvPr>
+        </p:nvSpPr>
+        <p:spPr>
+          <a:xfrm>
+            <a:off x="353292" y="238755"/>
+            <a:ext cx="8617526" cy="498666"/>
+          </a:xfrm>
+        </p:spPr>
+        <p:txBody>
+          <a:bodyPr/>
+          <a:lstStyle/>
+          <a:p>
+            <a:pPr lvl="0" indent="0" marL="0">
+              <a:buNone/>
+            </a:pPr>
+            <a:r>
+              <a:rPr/>
+              <a:t>Gráfico de área</a:t>
+            </a:r>
+          </a:p>
+        </p:txBody>
+      </p:sp>
+      <p:pic>
+        <p:nvPicPr>
+          <p:cNvPr descr="../imagens/graph-area-compare.png" id="0" name="Picture 1"/>
+          <p:cNvPicPr>
+            <a:picLocks noGrp="1" noChangeAspect="1"/>
+          </p:cNvPicPr>
+          <p:nvPr/>
+        </p:nvPicPr>
+        <p:blipFill>
+          <a:blip r:embed="rId2"/>
+          <a:stretch>
+            <a:fillRect/>
+          </a:stretch>
+        </p:blipFill>
+        <p:spPr bwMode="auto">
+          <a:xfrm>
+            <a:off x="1739900" y="965200"/>
+            <a:ext cx="5816600" cy="3505200"/>
+          </a:xfrm>
+          <a:prstGeom prst="rect">
+            <a:avLst/>
+          </a:prstGeom>
+          <a:noFill/>
+          <a:ln w="9525">
+            <a:noFill/>
+            <a:headEnd/>
+            <a:tailEnd/>
+          </a:ln>
+        </p:spPr>
+      </p:pic>
+    </p:spTree>
+  </p:cSld>
+</p:sld>
+</file>
+
+<file path=ppt/slides/slide18.xml><?xml version="1.0" encoding="utf-8"?>
+<p:sld xmlns:a="http://schemas.openxmlformats.org/drawingml/2006/main" xmlns:r="http://schemas.openxmlformats.org/officeDocument/2006/relationships" xmlns:p="http://schemas.openxmlformats.org/presentationml/2006/main">
+  <p:cSld>
+    <p:spTree>
+      <p:nvGrpSpPr>
+        <p:cNvPr id="1" name=""/>
+        <p:cNvGrpSpPr/>
+        <p:nvPr/>
+      </p:nvGrpSpPr>
+      <p:grpSpPr>
+        <a:xfrm>
+          <a:off x="0" y="0"/>
+          <a:ext cx="0" cy="0"/>
+          <a:chOff x="0" y="0"/>
+          <a:chExt cx="0" cy="0"/>
+        </a:xfrm>
+      </p:grpSpPr>
+      <p:sp>
+        <p:nvSpPr>
+          <p:cNvPr id="2" name="Title 1"/>
+          <p:cNvSpPr>
+            <a:spLocks noGrp="1"/>
+          </p:cNvSpPr>
+          <p:nvPr>
+            <p:ph hasCustomPrompt="1" type="title"/>
+          </p:nvPr>
+        </p:nvSpPr>
+        <p:spPr>
+          <a:xfrm>
+            <a:off x="353292" y="238755"/>
+            <a:ext cx="8617526" cy="498666"/>
+          </a:xfrm>
+        </p:spPr>
+        <p:txBody>
+          <a:bodyPr/>
+          <a:lstStyle/>
+          <a:p>
+            <a:pPr lvl="0" indent="0" marL="0">
+              <a:buNone/>
+            </a:pPr>
+            <a:r>
+              <a:rPr/>
+              <a:t>Elimininando distrações</a:t>
+            </a:r>
+          </a:p>
+        </p:txBody>
+      </p:sp>
+      <p:sp>
+        <p:nvSpPr>
+          <p:cNvPr id="3" name="Content Placeholder 2"/>
+          <p:cNvSpPr>
+            <a:spLocks noGrp="1"/>
+          </p:cNvSpPr>
+          <p:nvPr>
+            <p:ph idx="1"/>
+          </p:nvPr>
+        </p:nvSpPr>
+        <p:spPr/>
+        <p:txBody>
+          <a:bodyPr/>
+          <a:lstStyle/>
+          <a:p>
+            <a:pPr lvl="0"/>
+            <a:r>
+              <a:rPr/>
+              <a:t>Carga cognitiva</a:t>
+            </a:r>
+          </a:p>
+          <a:p>
+            <a:pPr lvl="0"/>
+            <a:r>
+              <a:rPr/>
+              <a:t>Distrações</a:t>
+            </a:r>
+          </a:p>
+          <a:p>
+            <a:pPr lvl="0"/>
+            <a:r>
+              <a:rPr/>
+              <a:t>Princípios de percepção visual</a:t>
+            </a:r>
+          </a:p>
+          <a:p>
+            <a:pPr lvl="0"/>
+            <a:r>
+              <a:rPr/>
+              <a:t>Falta de organização</a:t>
+            </a:r>
+          </a:p>
+        </p:txBody>
+      </p:sp>
+    </p:spTree>
+  </p:cSld>
+  <p:timing>
+    <p:tnLst>
+      <p:par>
+        <p:cTn id="1" dur="indefinite" restart="never" nodeType="tmRoot">
+          <p:childTnLst>
+            <p:seq concurrent="1" nextAc="seek">
+              <p:cTn id="2" dur="indefinite" nodeType="mainSeq">
+                <p:childTnLst>
+                  <p:par>
+                    <p:cTn id="3" fill="hold">
+                      <p:stCondLst>
+                        <p:cond delay="indefinite"/>
+                      </p:stCondLst>
+                      <p:childTnLst>
+                        <p:par>
+                          <p:cTn id="4" fill="hold">
+                            <p:stCondLst>
+                              <p:cond delay="0"/>
+                            </p:stCondLst>
+                            <p:childTnLst>
+                              <p:par>
+                                <p:cTn id="5" presetID="1" presetClass="entr" presetSubtype="0" fill="hold" grpId="0" nodeType="clickEffect">
+                                  <p:stCondLst>
+                                    <p:cond delay="0"/>
+                                  </p:stCondLst>
+                                  <p:childTnLst>
+                                    <p:set>
+                                      <p:cBhvr>
+                                        <p:cTn id="6" dur="1" fill="hold">
+                                          <p:stCondLst>
+                                            <p:cond delay="0"/>
+                                          </p:stCondLst>
+                                        </p:cTn>
+                                        <p:tgtEl>
+                                          <p:spTgt spid="3">
+                                            <p:txEl>
+                                              <p:pRg st="0" end="0"/>
+                                            </p:txEl>
+                                          </p:spTgt>
+                                        </p:tgtEl>
+                                        <p:attrNameLst>
+                                          <p:attrName>style.visibility</p:attrName>
+                                        </p:attrNameLst>
+                                      </p:cBhvr>
+                                      <p:to>
+                                        <p:strVal val="visible"/>
+                                      </p:to>
+                                    </p:set>
+                                  </p:childTnLst>
+                                </p:cTn>
+                              </p:par>
+                            </p:childTnLst>
+                          </p:cTn>
+                        </p:par>
+                      </p:childTnLst>
+                    </p:cTn>
+                  </p:par>
+                  <p:par>
+                    <p:cTn id="7" fill="hold">
+                      <p:stCondLst>
+                        <p:cond delay="indefinite"/>
+                      </p:stCondLst>
+                      <p:childTnLst>
+                        <p:par>
+                          <p:cTn id="8" fill="hold">
+                            <p:stCondLst>
+                              <p:cond delay="0"/>
+                            </p:stCondLst>
+                            <p:childTnLst>
+                              <p:par>
+                                <p:cTn id="9" presetID="1" presetClass="entr" presetSubtype="0" fill="hold" grpId="0" nodeType="clickEffect">
+                                  <p:stCondLst>
+                                    <p:cond delay="0"/>
+                                  </p:stCondLst>
+                                  <p:childTnLst>
+                                    <p:set>
+                                      <p:cBhvr>
+                                        <p:cTn id="10" dur="1" fill="hold">
+                                          <p:stCondLst>
+                                            <p:cond delay="0"/>
+                                          </p:stCondLst>
+                                        </p:cTn>
+                                        <p:tgtEl>
+                                          <p:spTgt spid="3">
+                                            <p:txEl>
+                                              <p:pRg st="1" end="1"/>
+                                            </p:txEl>
+                                          </p:spTgt>
+                                        </p:tgtEl>
+                                        <p:attrNameLst>
+                                          <p:attrName>style.visibility</p:attrName>
+                                        </p:attrNameLst>
+                                      </p:cBhvr>
+                                      <p:to>
+                                        <p:strVal val="visible"/>
+                                      </p:to>
+                                    </p:set>
+                                  </p:childTnLst>
+                                </p:cTn>
+                              </p:par>
+                            </p:childTnLst>
+                          </p:cTn>
+                        </p:par>
+                      </p:childTnLst>
+                    </p:cTn>
+                  </p:par>
+                  <p:par>
+                    <p:cTn id="11" fill="hold">
+                      <p:stCondLst>
+                        <p:cond delay="indefinite"/>
+                      </p:stCondLst>
+                      <p:childTnLst>
+                        <p:par>
+                          <p:cTn id="12" fill="hold">
+                            <p:stCondLst>
+                              <p:cond delay="0"/>
+                            </p:stCondLst>
+                            <p:childTnLst>
+                              <p:par>
+                                <p:cTn id="13" presetID="1" presetClass="entr" presetSubtype="0" fill="hold" grpId="0" nodeType="clickEffect">
+                                  <p:stCondLst>
+                                    <p:cond delay="0"/>
+                                  </p:stCondLst>
+                                  <p:childTnLst>
+                                    <p:set>
+                                      <p:cBhvr>
+                                        <p:cTn id="14" dur="1" fill="hold">
+                                          <p:stCondLst>
+                                            <p:cond delay="0"/>
+                                          </p:stCondLst>
+                                        </p:cTn>
+                                        <p:tgtEl>
+                                          <p:spTgt spid="3">
+                                            <p:txEl>
+                                              <p:pRg st="2" end="2"/>
+                                            </p:txEl>
+                                          </p:spTgt>
+                                        </p:tgtEl>
+                                        <p:attrNameLst>
+                                          <p:attrName>style.visibility</p:attrName>
+                                        </p:attrNameLst>
+                                      </p:cBhvr>
+                                      <p:to>
+                                        <p:strVal val="visible"/>
+                                      </p:to>
+                                    </p:set>
+                                  </p:childTnLst>
+                                </p:cTn>
+                              </p:par>
+                            </p:childTnLst>
+                          </p:cTn>
+                        </p:par>
+                      </p:childTnLst>
+                    </p:cTn>
+                  </p:par>
+                  <p:par>
+                    <p:cTn id="15" fill="hold">
+                      <p:stCondLst>
+                        <p:cond delay="indefinite"/>
+                      </p:stCondLst>
+                      <p:childTnLst>
+                        <p:par>
+                          <p:cTn id="16" fill="hold">
+                            <p:stCondLst>
+                              <p:cond delay="0"/>
+                            </p:stCondLst>
+                            <p:childTnLst>
+                              <p:par>
+                                <p:cTn id="17" presetID="1" presetClass="entr" presetSubtype="0" fill="hold" grpId="0" nodeType="clickEffect">
+                                  <p:stCondLst>
+                                    <p:cond delay="0"/>
+                                  </p:stCondLst>
+                                  <p:childTnLst>
+                                    <p:set>
+                                      <p:cBhvr>
+                                        <p:cTn id="18" dur="1" fill="hold">
+                                          <p:stCondLst>
+                                            <p:cond delay="0"/>
+                                          </p:stCondLst>
+                                        </p:cTn>
+                                        <p:tgtEl>
+                                          <p:spTgt spid="3">
+                                            <p:txEl>
+                                              <p:pRg st="3" end="3"/>
+                                            </p:txEl>
+                                          </p:spTgt>
+                                        </p:tgtEl>
+                                        <p:attrNameLst>
+                                          <p:attrName>style.visibility</p:attrName>
+                                        </p:attrNameLst>
+                                      </p:cBhvr>
+                                      <p:to>
+                                        <p:strVal val="visible"/>
+                                      </p:to>
+                                    </p:set>
+                                  </p:childTnLst>
+                                </p:cTn>
+                              </p:par>
+                            </p:childTnLst>
+                          </p:cTn>
+                        </p:par>
+                      </p:childTnLst>
+                    </p:cTn>
+                  </p:par>
+                </p:childTnLst>
+              </p:cTn>
+              <p:prevCondLst>
+                <p:cond evt="onPrev" delay="0">
+                  <p:tgtEl>
+                    <p:sldTgt/>
+                  </p:tgtEl>
+                </p:cond>
+              </p:prevCondLst>
+              <p:nextCondLst>
+                <p:cond evt="onNext" delay="0">
+                  <p:tgtEl>
+                    <p:sldTgt/>
+                  </p:tgtEl>
+                </p:cond>
+              </p:nextCondLst>
+            </p:seq>
+          </p:childTnLst>
+        </p:cTn>
+      </p:par>
+    </p:tnLst>
+    <p:bldLst>
+      <p:bldP spid="3" grpId="0" uiExpand="1" build="p"/>
+    </p:bldLst>
+  </p:timing>
+</p:sld>
+</file>
+
+<file path=ppt/slides/slide19.xml><?xml version="1.0" encoding="utf-8"?>
+<p:sld xmlns:a="http://schemas.openxmlformats.org/drawingml/2006/main" xmlns:r="http://schemas.openxmlformats.org/officeDocument/2006/relationships" xmlns:p="http://schemas.openxmlformats.org/presentationml/2006/main">
+  <p:cSld>
+    <p:spTree>
+      <p:nvGrpSpPr>
+        <p:cNvPr id="1" name=""/>
+        <p:cNvGrpSpPr/>
+        <p:nvPr/>
+      </p:nvGrpSpPr>
+      <p:grpSpPr>
+        <a:xfrm>
+          <a:off x="0" y="0"/>
+          <a:ext cx="0" cy="0"/>
+          <a:chOff x="0" y="0"/>
+          <a:chExt cx="0" cy="0"/>
+        </a:xfrm>
+      </p:grpSpPr>
+      <p:sp>
+        <p:nvSpPr>
+          <p:cNvPr id="2" name="Title 1"/>
+          <p:cNvSpPr>
+            <a:spLocks noGrp="1"/>
+          </p:cNvSpPr>
+          <p:nvPr>
+            <p:ph hasCustomPrompt="1" type="title"/>
+          </p:nvPr>
+        </p:nvSpPr>
+        <p:spPr>
+          <a:xfrm>
+            <a:off x="353292" y="238755"/>
+            <a:ext cx="8617526" cy="498666"/>
+          </a:xfrm>
+        </p:spPr>
+        <p:txBody>
+          <a:bodyPr/>
+          <a:lstStyle/>
+          <a:p>
+            <a:pPr lvl="0" indent="0" marL="0">
+              <a:buNone/>
+            </a:pPr>
+            <a:r>
+              <a:rPr/>
+              <a:t>Eliminando distrações e refazendo um gráfico</a:t>
+            </a:r>
+          </a:p>
+        </p:txBody>
+      </p:sp>
+      <p:pic>
+        <p:nvPicPr>
+          <p:cNvPr descr="../imagens/graph-remake-bef.jpg" id="0" name="Picture 1"/>
+          <p:cNvPicPr>
+            <a:picLocks noGrp="1" noChangeAspect="1"/>
+          </p:cNvPicPr>
+          <p:nvPr/>
+        </p:nvPicPr>
+        <p:blipFill>
+          <a:blip r:embed="rId2"/>
+          <a:stretch>
+            <a:fillRect/>
+          </a:stretch>
+        </p:blipFill>
+        <p:spPr bwMode="auto">
+          <a:xfrm>
+            <a:off x="1574800" y="965200"/>
+            <a:ext cx="6146800" cy="3505200"/>
+          </a:xfrm>
+          <a:prstGeom prst="rect">
+            <a:avLst/>
+          </a:prstGeom>
+          <a:noFill/>
+          <a:ln w="9525">
+            <a:noFill/>
+            <a:headEnd/>
+            <a:tailEnd/>
+          </a:ln>
+        </p:spPr>
+      </p:pic>
+    </p:spTree>
+  </p:cSld>
+</p:sld>
+</file>
+
+<file path=ppt/slides/slide2.xml><?xml version="1.0" encoding="utf-8"?>
+<p:sld xmlns:a="http://schemas.openxmlformats.org/drawingml/2006/main" xmlns:r="http://schemas.openxmlformats.org/officeDocument/2006/relationships" xmlns:p="http://schemas.openxmlformats.org/presentationml/2006/main">
+  <p:cSld>
+    <p:spTree>
+      <p:nvGrpSpPr>
+        <p:cNvPr id="1" name=""/>
+        <p:cNvGrpSpPr/>
+        <p:nvPr/>
+      </p:nvGrpSpPr>
+      <p:grpSpPr>
+        <a:xfrm>
+          <a:off x="0" y="0"/>
+          <a:ext cx="0" cy="0"/>
+          <a:chOff x="0" y="0"/>
+          <a:chExt cx="0" cy="0"/>
+        </a:xfrm>
+      </p:grpSpPr>
+      <p:sp>
+        <p:nvSpPr>
+          <p:cNvPr id="2" name="Title 1"/>
+          <p:cNvSpPr>
+            <a:spLocks noGrp="1"/>
+          </p:cNvSpPr>
+          <p:nvPr>
+            <p:ph hasCustomPrompt="1" type="title"/>
+          </p:nvPr>
+        </p:nvSpPr>
+        <p:spPr>
+          <a:xfrm>
+            <a:off x="353292" y="238755"/>
+            <a:ext cx="8617526" cy="498666"/>
+          </a:xfrm>
+        </p:spPr>
+        <p:txBody>
+          <a:bodyPr/>
+          <a:lstStyle/>
+          <a:p>
+            <a:pPr lvl="0" indent="0" marL="0">
+              <a:buNone/>
+            </a:pPr>
+            <a:r>
+              <a:rPr/>
+              <a:t>O que vamos trabalhar hoje</a:t>
+            </a:r>
+          </a:p>
+        </p:txBody>
+      </p:sp>
+      <p:sp>
+        <p:nvSpPr>
+          <p:cNvPr id="3" name="Content Placeholder 2"/>
+          <p:cNvSpPr>
+            <a:spLocks noGrp="1"/>
+          </p:cNvSpPr>
+          <p:nvPr>
+            <p:ph idx="1"/>
+          </p:nvPr>
+        </p:nvSpPr>
+        <p:spPr/>
+        <p:txBody>
+          <a:bodyPr/>
+          <a:lstStyle/>
+          <a:p>
+            <a:pPr lvl="0"/>
+            <a:r>
+              <a:rPr/>
+              <a:t>O que é um Projeto de Visualização de Dados epidemiológico</a:t>
+            </a:r>
+          </a:p>
+          <a:p>
+            <a:pPr lvl="0"/>
+            <a:r>
+              <a:rPr/>
+              <a:t>Etapas do Projeto</a:t>
+            </a:r>
+          </a:p>
+          <a:p>
+            <a:pPr lvl="0"/>
+            <a:r>
+              <a:rPr/>
+              <a:t>Etapas de uma Visualização</a:t>
+            </a:r>
+          </a:p>
+          <a:p>
+            <a:pPr lvl="0"/>
+            <a:r>
+              <a:rPr/>
+              <a:t>Documentação</a:t>
+            </a:r>
+          </a:p>
+        </p:txBody>
+      </p:sp>
+    </p:spTree>
+  </p:cSld>
+  <p:timing>
+    <p:tnLst>
+      <p:par>
+        <p:cTn id="1" dur="indefinite" restart="never" nodeType="tmRoot">
+          <p:childTnLst>
+            <p:seq concurrent="1" nextAc="seek">
+              <p:cTn id="2" dur="indefinite" nodeType="mainSeq">
+                <p:childTnLst>
+                  <p:par>
+                    <p:cTn id="3" fill="hold">
+                      <p:stCondLst>
+                        <p:cond delay="indefinite"/>
+                      </p:stCondLst>
+                      <p:childTnLst>
+                        <p:par>
+                          <p:cTn id="4" fill="hold">
+                            <p:stCondLst>
+                              <p:cond delay="0"/>
+                            </p:stCondLst>
+                            <p:childTnLst>
+                              <p:par>
+                                <p:cTn id="5" presetID="1" presetClass="entr" presetSubtype="0" fill="hold" grpId="0" nodeType="clickEffect">
+                                  <p:stCondLst>
+                                    <p:cond delay="0"/>
+                                  </p:stCondLst>
+                                  <p:childTnLst>
+                                    <p:set>
+                                      <p:cBhvr>
+                                        <p:cTn id="6" dur="1" fill="hold">
+                                          <p:stCondLst>
+                                            <p:cond delay="0"/>
+                                          </p:stCondLst>
+                                        </p:cTn>
+                                        <p:tgtEl>
+                                          <p:spTgt spid="3">
+                                            <p:txEl>
+                                              <p:pRg st="0" end="0"/>
+                                            </p:txEl>
+                                          </p:spTgt>
+                                        </p:tgtEl>
+                                        <p:attrNameLst>
+                                          <p:attrName>style.visibility</p:attrName>
+                                        </p:attrNameLst>
+                                      </p:cBhvr>
+                                      <p:to>
+                                        <p:strVal val="visible"/>
+                                      </p:to>
+                                    </p:set>
+                                  </p:childTnLst>
+                                </p:cTn>
+                              </p:par>
+                            </p:childTnLst>
+                          </p:cTn>
+                        </p:par>
+                      </p:childTnLst>
+                    </p:cTn>
+                  </p:par>
+                  <p:par>
+                    <p:cTn id="7" fill="hold">
+                      <p:stCondLst>
+                        <p:cond delay="indefinite"/>
+                      </p:stCondLst>
+                      <p:childTnLst>
+                        <p:par>
+                          <p:cTn id="8" fill="hold">
+                            <p:stCondLst>
+                              <p:cond delay="0"/>
+                            </p:stCondLst>
+                            <p:childTnLst>
+                              <p:par>
+                                <p:cTn id="9" presetID="1" presetClass="entr" presetSubtype="0" fill="hold" grpId="0" nodeType="clickEffect">
+                                  <p:stCondLst>
+                                    <p:cond delay="0"/>
+                                  </p:stCondLst>
+                                  <p:childTnLst>
+                                    <p:set>
+                                      <p:cBhvr>
+                                        <p:cTn id="10" dur="1" fill="hold">
+                                          <p:stCondLst>
+                                            <p:cond delay="0"/>
+                                          </p:stCondLst>
+                                        </p:cTn>
+                                        <p:tgtEl>
+                                          <p:spTgt spid="3">
+                                            <p:txEl>
+                                              <p:pRg st="1" end="1"/>
+                                            </p:txEl>
+                                          </p:spTgt>
+                                        </p:tgtEl>
+                                        <p:attrNameLst>
+                                          <p:attrName>style.visibility</p:attrName>
+                                        </p:attrNameLst>
+                                      </p:cBhvr>
+                                      <p:to>
+                                        <p:strVal val="visible"/>
+                                      </p:to>
+                                    </p:set>
+                                  </p:childTnLst>
+                                </p:cTn>
+                              </p:par>
+                            </p:childTnLst>
+                          </p:cTn>
+                        </p:par>
+                      </p:childTnLst>
+                    </p:cTn>
+                  </p:par>
+                  <p:par>
+                    <p:cTn id="11" fill="hold">
+                      <p:stCondLst>
+                        <p:cond delay="indefinite"/>
+                      </p:stCondLst>
+                      <p:childTnLst>
+                        <p:par>
+                          <p:cTn id="12" fill="hold">
+                            <p:stCondLst>
+                              <p:cond delay="0"/>
+                            </p:stCondLst>
+                            <p:childTnLst>
+                              <p:par>
+                                <p:cTn id="13" presetID="1" presetClass="entr" presetSubtype="0" fill="hold" grpId="0" nodeType="clickEffect">
+                                  <p:stCondLst>
+                                    <p:cond delay="0"/>
+                                  </p:stCondLst>
+                                  <p:childTnLst>
+                                    <p:set>
+                                      <p:cBhvr>
+                                        <p:cTn id="14" dur="1" fill="hold">
+                                          <p:stCondLst>
+                                            <p:cond delay="0"/>
+                                          </p:stCondLst>
+                                        </p:cTn>
+                                        <p:tgtEl>
+                                          <p:spTgt spid="3">
+                                            <p:txEl>
+                                              <p:pRg st="2" end="2"/>
+                                            </p:txEl>
+                                          </p:spTgt>
+                                        </p:tgtEl>
+                                        <p:attrNameLst>
+                                          <p:attrName>style.visibility</p:attrName>
+                                        </p:attrNameLst>
+                                      </p:cBhvr>
+                                      <p:to>
+                                        <p:strVal val="visible"/>
+                                      </p:to>
+                                    </p:set>
+                                  </p:childTnLst>
+                                </p:cTn>
+                              </p:par>
+                            </p:childTnLst>
+                          </p:cTn>
+                        </p:par>
+                      </p:childTnLst>
+                    </p:cTn>
+                  </p:par>
+                  <p:par>
+                    <p:cTn id="15" fill="hold">
+                      <p:stCondLst>
+                        <p:cond delay="indefinite"/>
+                      </p:stCondLst>
+                      <p:childTnLst>
+                        <p:par>
+                          <p:cTn id="16" fill="hold">
+                            <p:stCondLst>
+                              <p:cond delay="0"/>
+                            </p:stCondLst>
+                            <p:childTnLst>
+                              <p:par>
+                                <p:cTn id="17" presetID="1" presetClass="entr" presetSubtype="0" fill="hold" grpId="0" nodeType="clickEffect">
+                                  <p:stCondLst>
+                                    <p:cond delay="0"/>
+                                  </p:stCondLst>
+                                  <p:childTnLst>
+                                    <p:set>
+                                      <p:cBhvr>
+                                        <p:cTn id="18" dur="1" fill="hold">
+                                          <p:stCondLst>
+                                            <p:cond delay="0"/>
+                                          </p:stCondLst>
+                                        </p:cTn>
+                                        <p:tgtEl>
+                                          <p:spTgt spid="3">
+                                            <p:txEl>
+                                              <p:pRg st="3" end="3"/>
+                                            </p:txEl>
+                                          </p:spTgt>
+                                        </p:tgtEl>
+                                        <p:attrNameLst>
+                                          <p:attrName>style.visibility</p:attrName>
+                                        </p:attrNameLst>
+                                      </p:cBhvr>
+                                      <p:to>
+                                        <p:strVal val="visible"/>
+                                      </p:to>
+                                    </p:set>
+                                  </p:childTnLst>
+                                </p:cTn>
+                              </p:par>
+                            </p:childTnLst>
+                          </p:cTn>
+                        </p:par>
+                      </p:childTnLst>
+                    </p:cTn>
+                  </p:par>
+                </p:childTnLst>
+              </p:cTn>
+              <p:prevCondLst>
+                <p:cond evt="onPrev" delay="0">
+                  <p:tgtEl>
+                    <p:sldTgt/>
+                  </p:tgtEl>
+                </p:cond>
+              </p:prevCondLst>
+              <p:nextCondLst>
+                <p:cond evt="onNext" delay="0">
+                  <p:tgtEl>
+                    <p:sldTgt/>
+                  </p:tgtEl>
+                </p:cond>
+              </p:nextCondLst>
+            </p:seq>
+          </p:childTnLst>
+        </p:cTn>
+      </p:par>
+    </p:tnLst>
+    <p:bldLst>
+      <p:bldP spid="3" grpId="0" uiExpand="1" build="p"/>
+    </p:bldLst>
+  </p:timing>
+</p:sld>
+</file>
+
+<file path=ppt/slides/slide20.xml><?xml version="1.0" encoding="utf-8"?>
+<p:sld xmlns:a="http://schemas.openxmlformats.org/drawingml/2006/main" xmlns:r="http://schemas.openxmlformats.org/officeDocument/2006/relationships" xmlns:p="http://schemas.openxmlformats.org/presentationml/2006/main">
+  <p:cSld>
+    <p:spTree>
+      <p:nvGrpSpPr>
+        <p:cNvPr id="1" name=""/>
+        <p:cNvGrpSpPr/>
+        <p:nvPr/>
+      </p:nvGrpSpPr>
+      <p:grpSpPr>
+        <a:xfrm>
+          <a:off x="0" y="0"/>
+          <a:ext cx="0" cy="0"/>
+          <a:chOff x="0" y="0"/>
+          <a:chExt cx="0" cy="0"/>
+        </a:xfrm>
+      </p:grpSpPr>
+      <p:sp>
+        <p:nvSpPr>
+          <p:cNvPr id="2" name="Title 1"/>
+          <p:cNvSpPr>
+            <a:spLocks noGrp="1"/>
+          </p:cNvSpPr>
+          <p:nvPr>
+            <p:ph hasCustomPrompt="1" type="title"/>
+          </p:nvPr>
+        </p:nvSpPr>
+        <p:spPr>
+          <a:xfrm>
+            <a:off x="353292" y="238755"/>
+            <a:ext cx="8617526" cy="498666"/>
+          </a:xfrm>
+        </p:spPr>
+        <p:txBody>
+          <a:bodyPr/>
+          <a:lstStyle/>
+          <a:p>
+            <a:pPr lvl="0" indent="0" marL="0">
+              <a:buNone/>
+            </a:pPr>
+            <a:r>
+              <a:rPr/>
+              <a:t>Eliminando distrações e refazendo um gráfico</a:t>
+            </a:r>
+          </a:p>
+        </p:txBody>
+      </p:sp>
+      <p:pic>
+        <p:nvPicPr>
+          <p:cNvPr descr="../imagens/graph-remake-aft.jpeg" id="0" name="Picture 1"/>
+          <p:cNvPicPr>
+            <a:picLocks noGrp="1" noChangeAspect="1"/>
+          </p:cNvPicPr>
+          <p:nvPr/>
+        </p:nvPicPr>
+        <p:blipFill>
+          <a:blip r:embed="rId2"/>
+          <a:stretch>
+            <a:fillRect/>
+          </a:stretch>
+        </p:blipFill>
+        <p:spPr bwMode="auto">
+          <a:xfrm>
+            <a:off x="1117600" y="965200"/>
+            <a:ext cx="7061200" cy="3505200"/>
+          </a:xfrm>
+          <a:prstGeom prst="rect">
+            <a:avLst/>
+          </a:prstGeom>
+          <a:noFill/>
+          <a:ln w="9525">
+            <a:noFill/>
+            <a:headEnd/>
+            <a:tailEnd/>
+          </a:ln>
+        </p:spPr>
+      </p:pic>
+    </p:spTree>
+  </p:cSld>
+</p:sld>
+</file>
+
+<file path=ppt/slides/slide21.xml><?xml version="1.0" encoding="utf-8"?>
+<p:sld xmlns:a="http://schemas.openxmlformats.org/drawingml/2006/main" xmlns:r="http://schemas.openxmlformats.org/officeDocument/2006/relationships" xmlns:p="http://schemas.openxmlformats.org/presentationml/2006/main">
+  <p:cSld>
+    <p:spTree>
+      <p:nvGrpSpPr>
+        <p:cNvPr id="1" name=""/>
+        <p:cNvGrpSpPr/>
+        <p:nvPr/>
+      </p:nvGrpSpPr>
+      <p:grpSpPr>
+        <a:xfrm>
+          <a:off x="0" y="0"/>
+          <a:ext cx="0" cy="0"/>
+          <a:chOff x="0" y="0"/>
+          <a:chExt cx="0" cy="0"/>
+        </a:xfrm>
+      </p:grpSpPr>
+    </p:spTree>
+  </p:cSld>
+</p:sld>
+</file>
+
+<file path=ppt/slides/slide22.xml><?xml version="1.0" encoding="utf-8"?>
+<p:sld xmlns:a="http://schemas.openxmlformats.org/drawingml/2006/main" xmlns:r="http://schemas.openxmlformats.org/officeDocument/2006/relationships" xmlns:p="http://schemas.openxmlformats.org/presentationml/2006/main">
+  <p:cSld>
+    <p:spTree>
+      <p:nvGrpSpPr>
+        <p:cNvPr id="1" name=""/>
+        <p:cNvGrpSpPr/>
+        <p:nvPr/>
+      </p:nvGrpSpPr>
+      <p:grpSpPr>
+        <a:xfrm>
+          <a:off x="0" y="0"/>
+          <a:ext cx="0" cy="0"/>
+          <a:chOff x="0" y="0"/>
+          <a:chExt cx="0" cy="0"/>
+        </a:xfrm>
+      </p:grpSpPr>
+    </p:spTree>
+  </p:cSld>
+</p:sld>
+</file>
+
+<file path=ppt/slides/slide23.xml><?xml version="1.0" encoding="utf-8"?>
+<p:sld xmlns:a="http://schemas.openxmlformats.org/drawingml/2006/main" xmlns:r="http://schemas.openxmlformats.org/officeDocument/2006/relationships" xmlns:p="http://schemas.openxmlformats.org/presentationml/2006/main">
+  <p:cSld>
+    <p:spTree>
+      <p:nvGrpSpPr>
+        <p:cNvPr id="1" name=""/>
+        <p:cNvGrpSpPr/>
+        <p:nvPr/>
+      </p:nvGrpSpPr>
+      <p:grpSpPr>
+        <a:xfrm>
+          <a:off x="0" y="0"/>
+          <a:ext cx="0" cy="0"/>
+          <a:chOff x="0" y="0"/>
+          <a:chExt cx="0" cy="0"/>
+        </a:xfrm>
+      </p:grpSpPr>
+    </p:spTree>
+  </p:cSld>
+</p:sld>
+</file>
+
+<file path=ppt/slides/slide3.xml><?xml version="1.0" encoding="utf-8"?>
+<p:sld xmlns:a="http://schemas.openxmlformats.org/drawingml/2006/main" xmlns:r="http://schemas.openxmlformats.org/officeDocument/2006/relationships" xmlns:p="http://schemas.openxmlformats.org/presentationml/2006/main">
+  <p:cSld>
+    <p:spTree>
+      <p:nvGrpSpPr>
+        <p:cNvPr id="1" name=""/>
+        <p:cNvGrpSpPr/>
+        <p:nvPr/>
+      </p:nvGrpSpPr>
+      <p:grpSpPr>
+        <a:xfrm>
+          <a:off x="0" y="0"/>
+          <a:ext cx="0" cy="0"/>
+          <a:chOff x="0" y="0"/>
+          <a:chExt cx="0" cy="0"/>
+        </a:xfrm>
+      </p:grpSpPr>
+      <p:sp>
+        <p:nvSpPr>
+          <p:cNvPr id="2" name="Title 1"/>
+          <p:cNvSpPr>
+            <a:spLocks noGrp="1"/>
+          </p:cNvSpPr>
+          <p:nvPr>
+            <p:ph hasCustomPrompt="1" type="title"/>
+          </p:nvPr>
+        </p:nvSpPr>
+        <p:spPr>
+          <a:xfrm>
+            <a:off x="353292" y="238755"/>
+            <a:ext cx="8617526" cy="498666"/>
+          </a:xfrm>
+        </p:spPr>
+        <p:txBody>
+          <a:bodyPr/>
+          <a:lstStyle/>
+          <a:p>
+            <a:pPr lvl="0" indent="0" marL="0">
+              <a:buNone/>
+            </a:pPr>
+            <a:r>
+              <a:rPr/>
+              <a:t>O que é um Projeto de Visualização de Dados Epidemiológico</a:t>
+            </a:r>
+          </a:p>
+        </p:txBody>
+      </p:sp>
+      <p:sp>
+        <p:nvSpPr>
+          <p:cNvPr id="3" name="Content Placeholder 2"/>
+          <p:cNvSpPr>
+            <a:spLocks noGrp="1"/>
+          </p:cNvSpPr>
+          <p:nvPr>
+            <p:ph idx="1"/>
+          </p:nvPr>
+        </p:nvSpPr>
+        <p:spPr/>
+        <p:txBody>
+          <a:bodyPr/>
+          <a:lstStyle/>
+          <a:p>
+            <a:pPr lvl="0"/>
+            <a:r>
+              <a:rPr/>
+              <a:t>Assim como qualquer outro projeto, tem começo, meio e fim</a:t>
+            </a:r>
+          </a:p>
+          <a:p>
+            <a:pPr lvl="0"/>
+            <a:r>
+              <a:rPr/>
+              <a:t>Identifica um problema</a:t>
+            </a:r>
+          </a:p>
+          <a:p>
+            <a:pPr lvl="0"/>
+            <a:r>
+              <a:rPr/>
+              <a:t>Trabalha na solução</a:t>
+            </a:r>
+          </a:p>
+          <a:p>
+            <a:pPr lvl="0"/>
+            <a:r>
+              <a:rPr/>
+              <a:t>Entrega um produto</a:t>
+            </a:r>
+          </a:p>
+        </p:txBody>
+      </p:sp>
+    </p:spTree>
+  </p:cSld>
+  <p:timing>
+    <p:tnLst>
+      <p:par>
+        <p:cTn id="1" dur="indefinite" restart="never" nodeType="tmRoot">
+          <p:childTnLst>
+            <p:seq concurrent="1" nextAc="seek">
+              <p:cTn id="2" dur="indefinite" nodeType="mainSeq">
+                <p:childTnLst>
+                  <p:par>
+                    <p:cTn id="3" fill="hold">
+                      <p:stCondLst>
+                        <p:cond delay="indefinite"/>
+                      </p:stCondLst>
+                      <p:childTnLst>
+                        <p:par>
+                          <p:cTn id="4" fill="hold">
+                            <p:stCondLst>
+                              <p:cond delay="0"/>
+                            </p:stCondLst>
+                            <p:childTnLst>
+                              <p:par>
+                                <p:cTn id="5" presetID="1" presetClass="entr" presetSubtype="0" fill="hold" grpId="0" nodeType="clickEffect">
+                                  <p:stCondLst>
+                                    <p:cond delay="0"/>
+                                  </p:stCondLst>
+                                  <p:childTnLst>
+                                    <p:set>
+                                      <p:cBhvr>
+                                        <p:cTn id="6" dur="1" fill="hold">
+                                          <p:stCondLst>
+                                            <p:cond delay="0"/>
+                                          </p:stCondLst>
+                                        </p:cTn>
+                                        <p:tgtEl>
+                                          <p:spTgt spid="3">
+                                            <p:txEl>
+                                              <p:pRg st="0" end="0"/>
+                                            </p:txEl>
+                                          </p:spTgt>
+                                        </p:tgtEl>
+                                        <p:attrNameLst>
+                                          <p:attrName>style.visibility</p:attrName>
+                                        </p:attrNameLst>
+                                      </p:cBhvr>
+                                      <p:to>
+                                        <p:strVal val="visible"/>
+                                      </p:to>
+                                    </p:set>
+                                  </p:childTnLst>
+                                </p:cTn>
+                              </p:par>
+                            </p:childTnLst>
+                          </p:cTn>
+                        </p:par>
+                      </p:childTnLst>
+                    </p:cTn>
+                  </p:par>
+                  <p:par>
+                    <p:cTn id="7" fill="hold">
+                      <p:stCondLst>
+                        <p:cond delay="indefinite"/>
+                      </p:stCondLst>
+                      <p:childTnLst>
+                        <p:par>
+                          <p:cTn id="8" fill="hold">
+                            <p:stCondLst>
+                              <p:cond delay="0"/>
+                            </p:stCondLst>
+                            <p:childTnLst>
+                              <p:par>
+                                <p:cTn id="9" presetID="1" presetClass="entr" presetSubtype="0" fill="hold" grpId="0" nodeType="clickEffect">
+                                  <p:stCondLst>
+                                    <p:cond delay="0"/>
+                                  </p:stCondLst>
+                                  <p:childTnLst>
+                                    <p:set>
+                                      <p:cBhvr>
+                                        <p:cTn id="10" dur="1" fill="hold">
+                                          <p:stCondLst>
+                                            <p:cond delay="0"/>
+                                          </p:stCondLst>
+                                        </p:cTn>
+                                        <p:tgtEl>
+                                          <p:spTgt spid="3">
+                                            <p:txEl>
+                                              <p:pRg st="1" end="1"/>
+                                            </p:txEl>
+                                          </p:spTgt>
+                                        </p:tgtEl>
+                                        <p:attrNameLst>
+                                          <p:attrName>style.visibility</p:attrName>
+                                        </p:attrNameLst>
+                                      </p:cBhvr>
+                                      <p:to>
+                                        <p:strVal val="visible"/>
+                                      </p:to>
+                                    </p:set>
+                                  </p:childTnLst>
+                                </p:cTn>
+                              </p:par>
+                            </p:childTnLst>
+                          </p:cTn>
+                        </p:par>
+                      </p:childTnLst>
+                    </p:cTn>
+                  </p:par>
+                  <p:par>
+                    <p:cTn id="11" fill="hold">
+                      <p:stCondLst>
+                        <p:cond delay="indefinite"/>
+                      </p:stCondLst>
+                      <p:childTnLst>
+                        <p:par>
+                          <p:cTn id="12" fill="hold">
+                            <p:stCondLst>
+                              <p:cond delay="0"/>
+                            </p:stCondLst>
+                            <p:childTnLst>
+                              <p:par>
+                                <p:cTn id="13" presetID="1" presetClass="entr" presetSubtype="0" fill="hold" grpId="0" nodeType="clickEffect">
+                                  <p:stCondLst>
+                                    <p:cond delay="0"/>
+                                  </p:stCondLst>
+                                  <p:childTnLst>
+                                    <p:set>
+                                      <p:cBhvr>
+                                        <p:cTn id="14" dur="1" fill="hold">
+                                          <p:stCondLst>
+                                            <p:cond delay="0"/>
+                                          </p:stCondLst>
+                                        </p:cTn>
+                                        <p:tgtEl>
+                                          <p:spTgt spid="3">
+                                            <p:txEl>
+                                              <p:pRg st="2" end="2"/>
+                                            </p:txEl>
+                                          </p:spTgt>
+                                        </p:tgtEl>
+                                        <p:attrNameLst>
+                                          <p:attrName>style.visibility</p:attrName>
+                                        </p:attrNameLst>
+                                      </p:cBhvr>
+                                      <p:to>
+                                        <p:strVal val="visible"/>
+                                      </p:to>
+                                    </p:set>
+                                  </p:childTnLst>
+                                </p:cTn>
+                              </p:par>
+                            </p:childTnLst>
+                          </p:cTn>
+                        </p:par>
+                      </p:childTnLst>
+                    </p:cTn>
+                  </p:par>
+                  <p:par>
+                    <p:cTn id="15" fill="hold">
+                      <p:stCondLst>
+                        <p:cond delay="indefinite"/>
+                      </p:stCondLst>
+                      <p:childTnLst>
+                        <p:par>
+                          <p:cTn id="16" fill="hold">
+                            <p:stCondLst>
+                              <p:cond delay="0"/>
+                            </p:stCondLst>
+                            <p:childTnLst>
+                              <p:par>
+                                <p:cTn id="17" presetID="1" presetClass="entr" presetSubtype="0" fill="hold" grpId="0" nodeType="clickEffect">
+                                  <p:stCondLst>
+                                    <p:cond delay="0"/>
+                                  </p:stCondLst>
+                                  <p:childTnLst>
+                                    <p:set>
+                                      <p:cBhvr>
+                                        <p:cTn id="18" dur="1" fill="hold">
+                                          <p:stCondLst>
+                                            <p:cond delay="0"/>
+                                          </p:stCondLst>
+                                        </p:cTn>
+                                        <p:tgtEl>
+                                          <p:spTgt spid="3">
+                                            <p:txEl>
+                                              <p:pRg st="3" end="3"/>
+                                            </p:txEl>
+                                          </p:spTgt>
+                                        </p:tgtEl>
+                                        <p:attrNameLst>
+                                          <p:attrName>style.visibility</p:attrName>
+                                        </p:attrNameLst>
+                                      </p:cBhvr>
+                                      <p:to>
+                                        <p:strVal val="visible"/>
+                                      </p:to>
+                                    </p:set>
+                                  </p:childTnLst>
+                                </p:cTn>
+                              </p:par>
+                            </p:childTnLst>
+                          </p:cTn>
+                        </p:par>
+                      </p:childTnLst>
+                    </p:cTn>
+                  </p:par>
+                </p:childTnLst>
+              </p:cTn>
+              <p:prevCondLst>
+                <p:cond evt="onPrev" delay="0">
+                  <p:tgtEl>
+                    <p:sldTgt/>
+                  </p:tgtEl>
+                </p:cond>
+              </p:prevCondLst>
+              <p:nextCondLst>
+                <p:cond evt="onNext" delay="0">
+                  <p:tgtEl>
+                    <p:sldTgt/>
+                  </p:tgtEl>
+                </p:cond>
+              </p:nextCondLst>
+            </p:seq>
+          </p:childTnLst>
+        </p:cTn>
+      </p:par>
+    </p:tnLst>
+    <p:bldLst>
+      <p:bldP spid="3" grpId="0" uiExpand="1" build="p"/>
+    </p:bldLst>
+  </p:timing>
+</p:sld>
+</file>
+
+<file path=ppt/slides/slide4.xml><?xml version="1.0" encoding="utf-8"?>
+<p:sld xmlns:a="http://schemas.openxmlformats.org/drawingml/2006/main" xmlns:r="http://schemas.openxmlformats.org/officeDocument/2006/relationships" xmlns:p="http://schemas.openxmlformats.org/presentationml/2006/main">
+  <p:cSld>
+    <p:spTree>
+      <p:nvGrpSpPr>
+        <p:cNvPr id="1" name=""/>
+        <p:cNvGrpSpPr/>
+        <p:nvPr/>
+      </p:nvGrpSpPr>
+      <p:grpSpPr>
+        <a:xfrm>
+          <a:off x="0" y="0"/>
+          <a:ext cx="0" cy="0"/>
+          <a:chOff x="0" y="0"/>
+          <a:chExt cx="0" cy="0"/>
+        </a:xfrm>
+      </p:grpSpPr>
+      <p:sp>
+        <p:nvSpPr>
+          <p:cNvPr id="2" name="Title 1"/>
+          <p:cNvSpPr>
+            <a:spLocks noGrp="1"/>
+          </p:cNvSpPr>
+          <p:nvPr>
+            <p:ph hasCustomPrompt="1" type="title"/>
+          </p:nvPr>
+        </p:nvSpPr>
+        <p:spPr>
+          <a:xfrm>
+            <a:off x="353292" y="238755"/>
+            <a:ext cx="8617526" cy="498666"/>
+          </a:xfrm>
+        </p:spPr>
+        <p:txBody>
+          <a:bodyPr/>
+          <a:lstStyle/>
+          <a:p>
+            <a:pPr lvl="0" indent="0" marL="0">
+              <a:buNone/>
+            </a:pPr>
+            <a:r>
+              <a:rPr/>
+              <a:t>Exemplos: IDS</a:t>
+            </a:r>
+          </a:p>
+        </p:txBody>
+      </p:sp>
+      <p:pic>
+        <p:nvPicPr>
+          <p:cNvPr descr="../imagens/ids-covid.png" id="0" name="Picture 1"/>
+          <p:cNvPicPr>
+            <a:picLocks noGrp="1" noChangeAspect="1"/>
+          </p:cNvPicPr>
+          <p:nvPr/>
+        </p:nvPicPr>
+        <p:blipFill>
+          <a:blip r:embed="rId2"/>
+          <a:stretch>
+            <a:fillRect/>
+          </a:stretch>
+        </p:blipFill>
+        <p:spPr bwMode="auto">
+          <a:xfrm>
+            <a:off x="1346200" y="965200"/>
+            <a:ext cx="6604000" cy="3505200"/>
+          </a:xfrm>
+          <a:prstGeom prst="rect">
+            <a:avLst/>
+          </a:prstGeom>
+          <a:noFill/>
+          <a:ln w="9525">
+            <a:noFill/>
+            <a:headEnd/>
+            <a:tailEnd/>
+          </a:ln>
+        </p:spPr>
+      </p:pic>
+    </p:spTree>
+  </p:cSld>
+</p:sld>
+</file>
+
+<file path=ppt/slides/slide5.xml><?xml version="1.0" encoding="utf-8"?>
+<p:sld xmlns:a="http://schemas.openxmlformats.org/drawingml/2006/main" xmlns:r="http://schemas.openxmlformats.org/officeDocument/2006/relationships" xmlns:p="http://schemas.openxmlformats.org/presentationml/2006/main">
+  <p:cSld>
+    <p:spTree>
+      <p:nvGrpSpPr>
+        <p:cNvPr id="1" name=""/>
+        <p:cNvGrpSpPr/>
+        <p:nvPr/>
+      </p:nvGrpSpPr>
+      <p:grpSpPr>
+        <a:xfrm>
+          <a:off x="0" y="0"/>
+          <a:ext cx="0" cy="0"/>
+          <a:chOff x="0" y="0"/>
+          <a:chExt cx="0" cy="0"/>
+        </a:xfrm>
+      </p:grpSpPr>
+      <p:sp>
+        <p:nvSpPr>
+          <p:cNvPr id="2" name="Title 1"/>
+          <p:cNvSpPr>
+            <a:spLocks noGrp="1"/>
+          </p:cNvSpPr>
+          <p:nvPr>
+            <p:ph hasCustomPrompt="1" type="title"/>
+          </p:nvPr>
+        </p:nvSpPr>
+        <p:spPr>
+          <a:xfrm>
+            <a:off x="353292" y="238755"/>
+            <a:ext cx="8617526" cy="498666"/>
+          </a:xfrm>
+        </p:spPr>
+        <p:txBody>
+          <a:bodyPr/>
+          <a:lstStyle/>
+          <a:p>
+            <a:pPr lvl="0" indent="0" marL="0">
+              <a:buNone/>
+            </a:pPr>
+            <a:r>
+              <a:rPr/>
+              <a:t>Exemplos: AppCoorte100M</a:t>
+            </a:r>
+          </a:p>
+        </p:txBody>
+      </p:sp>
+      <p:pic>
+        <p:nvPicPr>
+          <p:cNvPr descr="../imagens/appcoorte-hd.png" id="0" name="Picture 1"/>
+          <p:cNvPicPr>
+            <a:picLocks noGrp="1" noChangeAspect="1"/>
+          </p:cNvPicPr>
+          <p:nvPr/>
+        </p:nvPicPr>
+        <p:blipFill>
+          <a:blip r:embed="rId2"/>
+          <a:stretch>
+            <a:fillRect/>
+          </a:stretch>
+        </p:blipFill>
+        <p:spPr bwMode="auto">
+          <a:xfrm>
+            <a:off x="1536700" y="965200"/>
+            <a:ext cx="6223000" cy="3505200"/>
+          </a:xfrm>
+          <a:prstGeom prst="rect">
+            <a:avLst/>
+          </a:prstGeom>
+          <a:noFill/>
+          <a:ln w="9525">
+            <a:noFill/>
+            <a:headEnd/>
+            <a:tailEnd/>
+          </a:ln>
+        </p:spPr>
+      </p:pic>
+    </p:spTree>
+  </p:cSld>
+</p:sld>
+</file>
+
+<file path=ppt/slides/slide6.xml><?xml version="1.0" encoding="utf-8"?>
+<p:sld xmlns:a="http://schemas.openxmlformats.org/drawingml/2006/main" xmlns:r="http://schemas.openxmlformats.org/officeDocument/2006/relationships" xmlns:p="http://schemas.openxmlformats.org/presentationml/2006/main">
+  <p:cSld>
+    <p:spTree>
+      <p:nvGrpSpPr>
+        <p:cNvPr id="1" name=""/>
+        <p:cNvGrpSpPr/>
+        <p:nvPr/>
+      </p:nvGrpSpPr>
+      <p:grpSpPr>
+        <a:xfrm>
+          <a:off x="0" y="0"/>
+          <a:ext cx="0" cy="0"/>
+          <a:chOff x="0" y="0"/>
+          <a:chExt cx="0" cy="0"/>
+        </a:xfrm>
+      </p:grpSpPr>
+      <p:sp>
+        <p:nvSpPr>
+          <p:cNvPr id="2" name="Title 1"/>
+          <p:cNvSpPr>
+            <a:spLocks noGrp="1"/>
+          </p:cNvSpPr>
+          <p:nvPr>
+            <p:ph hasCustomPrompt="1" type="title"/>
+          </p:nvPr>
+        </p:nvSpPr>
+        <p:spPr>
+          <a:xfrm>
+            <a:off x="353292" y="238755"/>
+            <a:ext cx="8617526" cy="498666"/>
+          </a:xfrm>
+        </p:spPr>
+        <p:txBody>
+          <a:bodyPr/>
+          <a:lstStyle/>
+          <a:p>
+            <a:pPr lvl="0" indent="0" marL="0">
+              <a:buNone/>
+            </a:pPr>
+            <a:r>
+              <a:rPr/>
+              <a:t>Introdução do Projeto</a:t>
+            </a:r>
+          </a:p>
+        </p:txBody>
+      </p:sp>
+      <p:sp>
+        <p:nvSpPr>
+          <p:cNvPr id="3" name="Content Placeholder 2"/>
+          <p:cNvSpPr>
+            <a:spLocks noGrp="1"/>
+          </p:cNvSpPr>
+          <p:nvPr>
+            <p:ph idx="1"/>
+          </p:nvPr>
+        </p:nvSpPr>
+        <p:spPr/>
+        <p:txBody>
+          <a:bodyPr/>
+          <a:lstStyle/>
+          <a:p>
+            <a:pPr lvl="0"/>
+            <a:r>
+              <a:rPr/>
+              <a:t>Etapa de identificação do problema e revisão bibliográfica</a:t>
+            </a:r>
+          </a:p>
+          <a:p>
+            <a:pPr lvl="0"/>
+            <a:r>
+              <a:rPr/>
+              <a:t>Identificar a relevância do problema</a:t>
+            </a:r>
+          </a:p>
+          <a:p>
+            <a:pPr lvl="0"/>
+            <a:r>
+              <a:rPr/>
+              <a:t>Descrever a situação do problema e delimitar o escopo</a:t>
+            </a:r>
+          </a:p>
+          <a:p>
+            <a:pPr lvl="0"/>
+            <a:r>
+              <a:rPr/>
+              <a:t>Primeiras análises dos dados</a:t>
+            </a:r>
+          </a:p>
+        </p:txBody>
+      </p:sp>
+    </p:spTree>
+  </p:cSld>
+  <p:timing>
+    <p:tnLst>
+      <p:par>
+        <p:cTn id="1" dur="indefinite" restart="never" nodeType="tmRoot">
+          <p:childTnLst>
+            <p:seq concurrent="1" nextAc="seek">
+              <p:cTn id="2" dur="indefinite" nodeType="mainSeq">
+                <p:childTnLst>
+                  <p:par>
+                    <p:cTn id="3" fill="hold">
+                      <p:stCondLst>
+                        <p:cond delay="indefinite"/>
+                      </p:stCondLst>
+                      <p:childTnLst>
+                        <p:par>
+                          <p:cTn id="4" fill="hold">
+                            <p:stCondLst>
+                              <p:cond delay="0"/>
+                            </p:stCondLst>
+                            <p:childTnLst>
+                              <p:par>
+                                <p:cTn id="5" presetID="1" presetClass="entr" presetSubtype="0" fill="hold" grpId="0" nodeType="clickEffect">
+                                  <p:stCondLst>
+                                    <p:cond delay="0"/>
+                                  </p:stCondLst>
+                                  <p:childTnLst>
+                                    <p:set>
+                                      <p:cBhvr>
+                                        <p:cTn id="6" dur="1" fill="hold">
+                                          <p:stCondLst>
+                                            <p:cond delay="0"/>
+                                          </p:stCondLst>
+                                        </p:cTn>
+                                        <p:tgtEl>
+                                          <p:spTgt spid="3">
+                                            <p:txEl>
+                                              <p:pRg st="0" end="0"/>
+                                            </p:txEl>
+                                          </p:spTgt>
+                                        </p:tgtEl>
+                                        <p:attrNameLst>
+                                          <p:attrName>style.visibility</p:attrName>
+                                        </p:attrNameLst>
+                                      </p:cBhvr>
+                                      <p:to>
+                                        <p:strVal val="visible"/>
+                                      </p:to>
+                                    </p:set>
+                                  </p:childTnLst>
+                                </p:cTn>
+                              </p:par>
+                            </p:childTnLst>
+                          </p:cTn>
+                        </p:par>
+                      </p:childTnLst>
+                    </p:cTn>
+                  </p:par>
+                  <p:par>
+                    <p:cTn id="7" fill="hold">
+                      <p:stCondLst>
+                        <p:cond delay="indefinite"/>
+                      </p:stCondLst>
+                      <p:childTnLst>
+                        <p:par>
+                          <p:cTn id="8" fill="hold">
+                            <p:stCondLst>
+                              <p:cond delay="0"/>
+                            </p:stCondLst>
+                            <p:childTnLst>
+                              <p:par>
+                                <p:cTn id="9" presetID="1" presetClass="entr" presetSubtype="0" fill="hold" grpId="0" nodeType="clickEffect">
+                                  <p:stCondLst>
+                                    <p:cond delay="0"/>
+                                  </p:stCondLst>
+                                  <p:childTnLst>
+                                    <p:set>
+                                      <p:cBhvr>
+                                        <p:cTn id="10" dur="1" fill="hold">
+                                          <p:stCondLst>
+                                            <p:cond delay="0"/>
+                                          </p:stCondLst>
+                                        </p:cTn>
+                                        <p:tgtEl>
+                                          <p:spTgt spid="3">
+                                            <p:txEl>
+                                              <p:pRg st="1" end="1"/>
+                                            </p:txEl>
+                                          </p:spTgt>
+                                        </p:tgtEl>
+                                        <p:attrNameLst>
+                                          <p:attrName>style.visibility</p:attrName>
+                                        </p:attrNameLst>
+                                      </p:cBhvr>
+                                      <p:to>
+                                        <p:strVal val="visible"/>
+                                      </p:to>
+                                    </p:set>
+                                  </p:childTnLst>
+                                </p:cTn>
+                              </p:par>
+                            </p:childTnLst>
+                          </p:cTn>
+                        </p:par>
+                      </p:childTnLst>
+                    </p:cTn>
+                  </p:par>
+                  <p:par>
+                    <p:cTn id="11" fill="hold">
+                      <p:stCondLst>
+                        <p:cond delay="indefinite"/>
+                      </p:stCondLst>
+                      <p:childTnLst>
+                        <p:par>
+                          <p:cTn id="12" fill="hold">
+                            <p:stCondLst>
+                              <p:cond delay="0"/>
+                            </p:stCondLst>
+                            <p:childTnLst>
+                              <p:par>
+                                <p:cTn id="13" presetID="1" presetClass="entr" presetSubtype="0" fill="hold" grpId="0" nodeType="clickEffect">
+                                  <p:stCondLst>
+                                    <p:cond delay="0"/>
+                                  </p:stCondLst>
+                                  <p:childTnLst>
+                                    <p:set>
+                                      <p:cBhvr>
+                                        <p:cTn id="14" dur="1" fill="hold">
+                                          <p:stCondLst>
+                                            <p:cond delay="0"/>
+                                          </p:stCondLst>
+                                        </p:cTn>
+                                        <p:tgtEl>
+                                          <p:spTgt spid="3">
+                                            <p:txEl>
+                                              <p:pRg st="2" end="2"/>
+                                            </p:txEl>
+                                          </p:spTgt>
+                                        </p:tgtEl>
+                                        <p:attrNameLst>
+                                          <p:attrName>style.visibility</p:attrName>
+                                        </p:attrNameLst>
+                                      </p:cBhvr>
+                                      <p:to>
+                                        <p:strVal val="visible"/>
+                                      </p:to>
+                                    </p:set>
+                                  </p:childTnLst>
+                                </p:cTn>
+                              </p:par>
+                            </p:childTnLst>
+                          </p:cTn>
+                        </p:par>
+                      </p:childTnLst>
+                    </p:cTn>
+                  </p:par>
+                  <p:par>
+                    <p:cTn id="15" fill="hold">
+                      <p:stCondLst>
+                        <p:cond delay="indefinite"/>
+                      </p:stCondLst>
+                      <p:childTnLst>
+                        <p:par>
+                          <p:cTn id="16" fill="hold">
+                            <p:stCondLst>
+                              <p:cond delay="0"/>
+                            </p:stCondLst>
+                            <p:childTnLst>
+                              <p:par>
+                                <p:cTn id="17" presetID="1" presetClass="entr" presetSubtype="0" fill="hold" grpId="0" nodeType="clickEffect">
+                                  <p:stCondLst>
+                                    <p:cond delay="0"/>
+                                  </p:stCondLst>
+                                  <p:childTnLst>
+                                    <p:set>
+                                      <p:cBhvr>
+                                        <p:cTn id="18" dur="1" fill="hold">
+                                          <p:stCondLst>
+                                            <p:cond delay="0"/>
+                                          </p:stCondLst>
+                                        </p:cTn>
+                                        <p:tgtEl>
+                                          <p:spTgt spid="3">
+                                            <p:txEl>
+                                              <p:pRg st="3" end="3"/>
+                                            </p:txEl>
+                                          </p:spTgt>
+                                        </p:tgtEl>
+                                        <p:attrNameLst>
+                                          <p:attrName>style.visibility</p:attrName>
+                                        </p:attrNameLst>
+                                      </p:cBhvr>
+                                      <p:to>
+                                        <p:strVal val="visible"/>
+                                      </p:to>
+                                    </p:set>
+                                  </p:childTnLst>
+                                </p:cTn>
+                              </p:par>
+                            </p:childTnLst>
+                          </p:cTn>
+                        </p:par>
+                      </p:childTnLst>
+                    </p:cTn>
+                  </p:par>
+                </p:childTnLst>
+              </p:cTn>
+              <p:prevCondLst>
+                <p:cond evt="onPrev" delay="0">
+                  <p:tgtEl>
+                    <p:sldTgt/>
+                  </p:tgtEl>
+                </p:cond>
+              </p:prevCondLst>
+              <p:nextCondLst>
+                <p:cond evt="onNext" delay="0">
+                  <p:tgtEl>
+                    <p:sldTgt/>
+                  </p:tgtEl>
+                </p:cond>
+              </p:nextCondLst>
+            </p:seq>
+          </p:childTnLst>
+        </p:cTn>
+      </p:par>
+    </p:tnLst>
+    <p:bldLst>
+      <p:bldP spid="3" grpId="0" uiExpand="1" build="p"/>
+    </p:bldLst>
+  </p:timing>
+</p:sld>
+</file>
+
+<file path=ppt/slides/slide7.xml><?xml version="1.0" encoding="utf-8"?>
+<p:sld xmlns:a="http://schemas.openxmlformats.org/drawingml/2006/main" xmlns:r="http://schemas.openxmlformats.org/officeDocument/2006/relationships" xmlns:p="http://schemas.openxmlformats.org/presentationml/2006/main">
+  <p:cSld>
+    <p:spTree>
+      <p:nvGrpSpPr>
+        <p:cNvPr id="1" name=""/>
+        <p:cNvGrpSpPr/>
+        <p:nvPr/>
+      </p:nvGrpSpPr>
+      <p:grpSpPr>
+        <a:xfrm>
+          <a:off x="0" y="0"/>
+          <a:ext cx="0" cy="0"/>
+          <a:chOff x="0" y="0"/>
+          <a:chExt cx="0" cy="0"/>
+        </a:xfrm>
+      </p:grpSpPr>
+      <p:sp>
+        <p:nvSpPr>
+          <p:cNvPr id="2" name="Title 1"/>
+          <p:cNvSpPr>
+            <a:spLocks noGrp="1"/>
+          </p:cNvSpPr>
+          <p:nvPr>
+            <p:ph hasCustomPrompt="1" type="title"/>
+          </p:nvPr>
+        </p:nvSpPr>
+        <p:spPr>
+          <a:xfrm>
+            <a:off x="353292" y="238755"/>
+            <a:ext cx="8617526" cy="498666"/>
+          </a:xfrm>
+        </p:spPr>
+        <p:txBody>
+          <a:bodyPr/>
+          <a:lstStyle/>
+          <a:p>
+            <a:pPr lvl="0" indent="0" marL="0">
+              <a:buNone/>
+            </a:pPr>
+            <a:r>
+              <a:rPr/>
+              <a:t>Objetivo do Projeto</a:t>
+            </a:r>
+          </a:p>
+        </p:txBody>
+      </p:sp>
+      <p:sp>
+        <p:nvSpPr>
+          <p:cNvPr id="3" name="Content Placeholder 2"/>
+          <p:cNvSpPr>
+            <a:spLocks noGrp="1"/>
+          </p:cNvSpPr>
+          <p:nvPr>
+            <p:ph idx="1"/>
+          </p:nvPr>
+        </p:nvSpPr>
+        <p:spPr/>
+        <p:txBody>
+          <a:bodyPr/>
+          <a:lstStyle/>
+          <a:p>
+            <a:pPr lvl="0"/>
+            <a:r>
+              <a:rPr/>
+              <a:t>Definição do objetivo</a:t>
+            </a:r>
+          </a:p>
+        </p:txBody>
+      </p:sp>
+    </p:spTree>
+  </p:cSld>
+  <p:timing>
+    <p:tnLst>
+      <p:par>
+        <p:cTn id="1" dur="indefinite" restart="never" nodeType="tmRoot">
+          <p:childTnLst>
+            <p:seq concurrent="1" nextAc="seek">
+              <p:cTn id="2" dur="indefinite" nodeType="mainSeq">
+                <p:childTnLst>
+                  <p:par>
+                    <p:cTn id="3" fill="hold">
+                      <p:stCondLst>
+                        <p:cond delay="indefinite"/>
+                      </p:stCondLst>
+                      <p:childTnLst>
+                        <p:par>
+                          <p:cTn id="4" fill="hold">
+                            <p:stCondLst>
+                              <p:cond delay="0"/>
+                            </p:stCondLst>
+                            <p:childTnLst>
+                              <p:par>
+                                <p:cTn id="5" presetID="1" presetClass="entr" presetSubtype="0" fill="hold" grpId="0" nodeType="clickEffect">
+                                  <p:stCondLst>
+                                    <p:cond delay="0"/>
+                                  </p:stCondLst>
+                                  <p:childTnLst>
+                                    <p:set>
+                                      <p:cBhvr>
+                                        <p:cTn id="6" dur="1" fill="hold">
+                                          <p:stCondLst>
+                                            <p:cond delay="0"/>
+                                          </p:stCondLst>
+                                        </p:cTn>
+                                        <p:tgtEl>
+                                          <p:spTgt spid="3">
+                                            <p:txEl>
+                                              <p:pRg st="0" end="0"/>
+                                            </p:txEl>
+                                          </p:spTgt>
+                                        </p:tgtEl>
+                                        <p:attrNameLst>
+                                          <p:attrName>style.visibility</p:attrName>
+                                        </p:attrNameLst>
+                                      </p:cBhvr>
+                                      <p:to>
+                                        <p:strVal val="visible"/>
+                                      </p:to>
+                                    </p:set>
+                                  </p:childTnLst>
+                                </p:cTn>
+                              </p:par>
+                            </p:childTnLst>
+                          </p:cTn>
+                        </p:par>
+                      </p:childTnLst>
+                    </p:cTn>
+                  </p:par>
+                </p:childTnLst>
+              </p:cTn>
+              <p:prevCondLst>
+                <p:cond evt="onPrev" delay="0">
+                  <p:tgtEl>
+                    <p:sldTgt/>
+                  </p:tgtEl>
+                </p:cond>
+              </p:prevCondLst>
+              <p:nextCondLst>
+                <p:cond evt="onNext" delay="0">
+                  <p:tgtEl>
+                    <p:sldTgt/>
+                  </p:tgtEl>
+                </p:cond>
+              </p:nextCondLst>
+            </p:seq>
+          </p:childTnLst>
+        </p:cTn>
+      </p:par>
+    </p:tnLst>
+    <p:bldLst>
+      <p:bldP spid="3" grpId="0" uiExpand="1" build="p"/>
+    </p:bldLst>
+  </p:timing>
+</p:sld>
+</file>
+
+<file path=ppt/slides/slide8.xml><?xml version="1.0" encoding="utf-8"?>
+<p:sld xmlns:a="http://schemas.openxmlformats.org/drawingml/2006/main" xmlns:r="http://schemas.openxmlformats.org/officeDocument/2006/relationships" xmlns:p="http://schemas.openxmlformats.org/presentationml/2006/main">
+  <p:cSld>
+    <p:spTree>
+      <p:nvGrpSpPr>
+        <p:cNvPr id="1" name=""/>
+        <p:cNvGrpSpPr/>
+        <p:nvPr/>
+      </p:nvGrpSpPr>
+      <p:grpSpPr>
+        <a:xfrm>
+          <a:off x="0" y="0"/>
+          <a:ext cx="0" cy="0"/>
+          <a:chOff x="0" y="0"/>
+          <a:chExt cx="0" cy="0"/>
+        </a:xfrm>
+      </p:grpSpPr>
+      <p:sp>
+        <p:nvSpPr>
+          <p:cNvPr id="2" name="Title 1"/>
+          <p:cNvSpPr>
+            <a:spLocks noGrp="1"/>
+          </p:cNvSpPr>
+          <p:nvPr>
+            <p:ph hasCustomPrompt="1" type="title"/>
+          </p:nvPr>
+        </p:nvSpPr>
+        <p:spPr>
+          <a:xfrm>
+            <a:off x="353292" y="238755"/>
+            <a:ext cx="8617526" cy="498666"/>
+          </a:xfrm>
+        </p:spPr>
+        <p:txBody>
+          <a:bodyPr/>
+          <a:lstStyle/>
+          <a:p>
+            <a:pPr lvl="0" indent="0" marL="0">
+              <a:buNone/>
+            </a:pPr>
+            <a:r>
+              <a:rPr/>
+              <a:t>Metodologia</a:t>
+            </a:r>
+          </a:p>
+        </p:txBody>
+      </p:sp>
+      <p:sp>
+        <p:nvSpPr>
+          <p:cNvPr id="3" name="Content Placeholder 2"/>
+          <p:cNvSpPr>
+            <a:spLocks noGrp="1"/>
+          </p:cNvSpPr>
+          <p:nvPr>
+            <p:ph idx="1"/>
+          </p:nvPr>
+        </p:nvSpPr>
+        <p:spPr/>
+        <p:txBody>
+          <a:bodyPr/>
+          <a:lstStyle/>
+          <a:p>
+            <a:pPr lvl="0"/>
+            <a:r>
+              <a:rPr/>
+              <a:t>Análise de dados e variáveis</a:t>
+            </a:r>
+          </a:p>
+          <a:p>
+            <a:pPr lvl="0"/>
+            <a:r>
+              <a:rPr/>
+              <a:t>Manipulação e preparação da base de dados</a:t>
+            </a:r>
+          </a:p>
+          <a:p>
+            <a:pPr lvl="0"/>
+            <a:r>
+              <a:rPr/>
+              <a:t>Estudo e seleção das ferramentas e dados a serem utilizados</a:t>
+            </a:r>
+          </a:p>
+        </p:txBody>
+      </p:sp>
+    </p:spTree>
+  </p:cSld>
+  <p:timing>
+    <p:tnLst>
+      <p:par>
+        <p:cTn id="1" dur="indefinite" restart="never" nodeType="tmRoot">
+          <p:childTnLst>
+            <p:seq concurrent="1" nextAc="seek">
+              <p:cTn id="2" dur="indefinite" nodeType="mainSeq">
+                <p:childTnLst>
+                  <p:par>
+                    <p:cTn id="3" fill="hold">
+                      <p:stCondLst>
+                        <p:cond delay="indefinite"/>
+                      </p:stCondLst>
+                      <p:childTnLst>
+                        <p:par>
+                          <p:cTn id="4" fill="hold">
+                            <p:stCondLst>
+                              <p:cond delay="0"/>
+                            </p:stCondLst>
+                            <p:childTnLst>
+                              <p:par>
+                                <p:cTn id="5" presetID="1" presetClass="entr" presetSubtype="0" fill="hold" grpId="0" nodeType="clickEffect">
+                                  <p:stCondLst>
+                                    <p:cond delay="0"/>
+                                  </p:stCondLst>
+                                  <p:childTnLst>
+                                    <p:set>
+                                      <p:cBhvr>
+                                        <p:cTn id="6" dur="1" fill="hold">
+                                          <p:stCondLst>
+                                            <p:cond delay="0"/>
+                                          </p:stCondLst>
+                                        </p:cTn>
+                                        <p:tgtEl>
+                                          <p:spTgt spid="3">
+                                            <p:txEl>
+                                              <p:pRg st="0" end="0"/>
+                                            </p:txEl>
+                                          </p:spTgt>
+                                        </p:tgtEl>
+                                        <p:attrNameLst>
+                                          <p:attrName>style.visibility</p:attrName>
+                                        </p:attrNameLst>
+                                      </p:cBhvr>
+                                      <p:to>
+                                        <p:strVal val="visible"/>
+                                      </p:to>
+                                    </p:set>
+                                  </p:childTnLst>
+                                </p:cTn>
+                              </p:par>
+                            </p:childTnLst>
+                          </p:cTn>
+                        </p:par>
+                      </p:childTnLst>
+                    </p:cTn>
+                  </p:par>
+                  <p:par>
+                    <p:cTn id="7" fill="hold">
+                      <p:stCondLst>
+                        <p:cond delay="indefinite"/>
+                      </p:stCondLst>
+                      <p:childTnLst>
+                        <p:par>
+                          <p:cTn id="8" fill="hold">
+                            <p:stCondLst>
+                              <p:cond delay="0"/>
+                            </p:stCondLst>
+                            <p:childTnLst>
+                              <p:par>
+                                <p:cTn id="9" presetID="1" presetClass="entr" presetSubtype="0" fill="hold" grpId="0" nodeType="clickEffect">
+                                  <p:stCondLst>
+                                    <p:cond delay="0"/>
+                                  </p:stCondLst>
+                                  <p:childTnLst>
+                                    <p:set>
+                                      <p:cBhvr>
+                                        <p:cTn id="10" dur="1" fill="hold">
+                                          <p:stCondLst>
+                                            <p:cond delay="0"/>
+                                          </p:stCondLst>
+                                        </p:cTn>
+                                        <p:tgtEl>
+                                          <p:spTgt spid="3">
+                                            <p:txEl>
+                                              <p:pRg st="1" end="1"/>
+                                            </p:txEl>
+                                          </p:spTgt>
+                                        </p:tgtEl>
+                                        <p:attrNameLst>
+                                          <p:attrName>style.visibility</p:attrName>
+                                        </p:attrNameLst>
+                                      </p:cBhvr>
+                                      <p:to>
+                                        <p:strVal val="visible"/>
+                                      </p:to>
+                                    </p:set>
+                                  </p:childTnLst>
+                                </p:cTn>
+                              </p:par>
+                            </p:childTnLst>
+                          </p:cTn>
+                        </p:par>
+                      </p:childTnLst>
+                    </p:cTn>
+                  </p:par>
+                  <p:par>
+                    <p:cTn id="11" fill="hold">
+                      <p:stCondLst>
+                        <p:cond delay="indefinite"/>
+                      </p:stCondLst>
+                      <p:childTnLst>
+                        <p:par>
+                          <p:cTn id="12" fill="hold">
+                            <p:stCondLst>
+                              <p:cond delay="0"/>
+                            </p:stCondLst>
+                            <p:childTnLst>
+                              <p:par>
+                                <p:cTn id="13" presetID="1" presetClass="entr" presetSubtype="0" fill="hold" grpId="0" nodeType="clickEffect">
+                                  <p:stCondLst>
+                                    <p:cond delay="0"/>
+                                  </p:stCondLst>
+                                  <p:childTnLst>
+                                    <p:set>
+                                      <p:cBhvr>
+                                        <p:cTn id="14" dur="1" fill="hold">
+                                          <p:stCondLst>
+                                            <p:cond delay="0"/>
+                                          </p:stCondLst>
+                                        </p:cTn>
+                                        <p:tgtEl>
+                                          <p:spTgt spid="3">
+                                            <p:txEl>
+                                              <p:pRg st="2" end="2"/>
+                                            </p:txEl>
+                                          </p:spTgt>
+                                        </p:tgtEl>
+                                        <p:attrNameLst>
+                                          <p:attrName>style.visibility</p:attrName>
+                                        </p:attrNameLst>
+                                      </p:cBhvr>
+                                      <p:to>
+                                        <p:strVal val="visible"/>
+                                      </p:to>
+                                    </p:set>
+                                  </p:childTnLst>
+                                </p:cTn>
+                              </p:par>
+                            </p:childTnLst>
+                          </p:cTn>
+                        </p:par>
+                      </p:childTnLst>
+                    </p:cTn>
+                  </p:par>
+                </p:childTnLst>
+              </p:cTn>
+              <p:prevCondLst>
+                <p:cond evt="onPrev" delay="0">
+                  <p:tgtEl>
+                    <p:sldTgt/>
+                  </p:tgtEl>
+                </p:cond>
+              </p:prevCondLst>
+              <p:nextCondLst>
+                <p:cond evt="onNext" delay="0">
+                  <p:tgtEl>
+                    <p:sldTgt/>
+                  </p:tgtEl>
+                </p:cond>
+              </p:nextCondLst>
+            </p:seq>
+          </p:childTnLst>
+        </p:cTn>
+      </p:par>
+    </p:tnLst>
+    <p:bldLst>
+      <p:bldP spid="3" grpId="0" uiExpand="1" build="p"/>
+    </p:bldLst>
+  </p:timing>
+</p:sld>
+</file>
+
+<file path=ppt/slides/slide9.xml><?xml version="1.0" encoding="utf-8"?>
+<p:sld xmlns:a="http://schemas.openxmlformats.org/drawingml/2006/main" xmlns:r="http://schemas.openxmlformats.org/officeDocument/2006/relationships" xmlns:p="http://schemas.openxmlformats.org/presentationml/2006/main">
+  <p:cSld>
+    <p:spTree>
+      <p:nvGrpSpPr>
+        <p:cNvPr id="1" name=""/>
+        <p:cNvGrpSpPr/>
+        <p:nvPr/>
+      </p:nvGrpSpPr>
+      <p:grpSpPr>
+        <a:xfrm>
+          <a:off x="0" y="0"/>
+          <a:ext cx="0" cy="0"/>
+          <a:chOff x="0" y="0"/>
+          <a:chExt cx="0" cy="0"/>
+        </a:xfrm>
+      </p:grpSpPr>
+      <p:sp>
+        <p:nvSpPr>
+          <p:cNvPr id="2" name="Title 1"/>
+          <p:cNvSpPr>
+            <a:spLocks noGrp="1"/>
+          </p:cNvSpPr>
+          <p:nvPr>
+            <p:ph hasCustomPrompt="1" type="title"/>
+          </p:nvPr>
+        </p:nvSpPr>
+        <p:spPr>
+          <a:xfrm>
+            <a:off x="353292" y="238755"/>
+            <a:ext cx="8617526" cy="498666"/>
+          </a:xfrm>
+        </p:spPr>
+        <p:txBody>
+          <a:bodyPr/>
+          <a:lstStyle/>
+          <a:p>
+            <a:pPr lvl="0" indent="0" marL="0">
+              <a:buNone/>
+            </a:pPr>
+            <a:r>
+              <a:rPr/>
+              <a:t>Desenvolvimento</a:t>
+            </a:r>
+          </a:p>
+        </p:txBody>
+      </p:sp>
+      <p:sp>
+        <p:nvSpPr>
+          <p:cNvPr id="3" name="Content Placeholder 2"/>
+          <p:cNvSpPr>
+            <a:spLocks noGrp="1"/>
+          </p:cNvSpPr>
+          <p:nvPr>
+            <p:ph idx="1"/>
+          </p:nvPr>
+        </p:nvSpPr>
+        <p:spPr/>
+        <p:txBody>
+          <a:bodyPr/>
+          <a:lstStyle/>
+          <a:p>
+            <a:pPr lvl="0"/>
+            <a:r>
+              <a:rPr/>
+              <a:t>Análise profunda dos dados</a:t>
+            </a:r>
+          </a:p>
+          <a:p>
+            <a:pPr lvl="0"/>
+            <a:r>
+              <a:rPr/>
+              <a:t>Prototipação de soluções</a:t>
+            </a:r>
+          </a:p>
+          <a:p>
+            <a:pPr lvl="0"/>
+            <a:r>
+              <a:rPr/>
+              <a:t>Discussão de resultados</a:t>
+            </a:r>
+          </a:p>
+          <a:p>
+            <a:pPr lvl="0"/>
+            <a:r>
+              <a:rPr/>
+              <a:t>Ajustes e aprimoramento das soluções</a:t>
+            </a:r>
+          </a:p>
+        </p:txBody>
+      </p:sp>
+    </p:spTree>
+  </p:cSld>
+  <p:timing>
+    <p:tnLst>
+      <p:par>
+        <p:cTn id="1" dur="indefinite" restart="never" nodeType="tmRoot">
+          <p:childTnLst>
+            <p:seq concurrent="1" nextAc="seek">
+              <p:cTn id="2" dur="indefinite" nodeType="mainSeq">
+                <p:childTnLst>
+                  <p:par>
+                    <p:cTn id="3" fill="hold">
+                      <p:stCondLst>
+                        <p:cond delay="indefinite"/>
+                      </p:stCondLst>
+                      <p:childTnLst>
+                        <p:par>
+                          <p:cTn id="4" fill="hold">
+                            <p:stCondLst>
+                              <p:cond delay="0"/>
+                            </p:stCondLst>
+                            <p:childTnLst>
+                              <p:par>
+                                <p:cTn id="5" presetID="1" presetClass="entr" presetSubtype="0" fill="hold" grpId="0" nodeType="clickEffect">
+                                  <p:stCondLst>
+                                    <p:cond delay="0"/>
+                                  </p:stCondLst>
+                                  <p:childTnLst>
+                                    <p:set>
+                                      <p:cBhvr>
+                                        <p:cTn id="6" dur="1" fill="hold">
+                                          <p:stCondLst>
+                                            <p:cond delay="0"/>
+                                          </p:stCondLst>
+                                        </p:cTn>
+                                        <p:tgtEl>
+                                          <p:spTgt spid="3">
+                                            <p:txEl>
+                                              <p:pRg st="0" end="0"/>
+                                            </p:txEl>
+                                          </p:spTgt>
+                                        </p:tgtEl>
+                                        <p:attrNameLst>
+                                          <p:attrName>style.visibility</p:attrName>
+                                        </p:attrNameLst>
+                                      </p:cBhvr>
+                                      <p:to>
+                                        <p:strVal val="visible"/>
+                                      </p:to>
+                                    </p:set>
+                                  </p:childTnLst>
+                                </p:cTn>
+                              </p:par>
+                            </p:childTnLst>
+                          </p:cTn>
+                        </p:par>
+                      </p:childTnLst>
+                    </p:cTn>
+                  </p:par>
+                  <p:par>
+                    <p:cTn id="7" fill="hold">
+                      <p:stCondLst>
+                        <p:cond delay="indefinite"/>
+                      </p:stCondLst>
+                      <p:childTnLst>
+                        <p:par>
+                          <p:cTn id="8" fill="hold">
+                            <p:stCondLst>
+                              <p:cond delay="0"/>
+                            </p:stCondLst>
+                            <p:childTnLst>
+                              <p:par>
+                                <p:cTn id="9" presetID="1" presetClass="entr" presetSubtype="0" fill="hold" grpId="0" nodeType="clickEffect">
+                                  <p:stCondLst>
+                                    <p:cond delay="0"/>
+                                  </p:stCondLst>
+                                  <p:childTnLst>
+                                    <p:set>
+                                      <p:cBhvr>
+                                        <p:cTn id="10" dur="1" fill="hold">
+                                          <p:stCondLst>
+                                            <p:cond delay="0"/>
+                                          </p:stCondLst>
+                                        </p:cTn>
+                                        <p:tgtEl>
+                                          <p:spTgt spid="3">
+                                            <p:txEl>
+                                              <p:pRg st="1" end="1"/>
+                                            </p:txEl>
+                                          </p:spTgt>
+                                        </p:tgtEl>
+                                        <p:attrNameLst>
+                                          <p:attrName>style.visibility</p:attrName>
+                                        </p:attrNameLst>
+                                      </p:cBhvr>
+                                      <p:to>
+                                        <p:strVal val="visible"/>
+                                      </p:to>
+                                    </p:set>
+                                  </p:childTnLst>
+                                </p:cTn>
+                              </p:par>
+                            </p:childTnLst>
+                          </p:cTn>
+                        </p:par>
+                      </p:childTnLst>
+                    </p:cTn>
+                  </p:par>
+                  <p:par>
+                    <p:cTn id="11" fill="hold">
+                      <p:stCondLst>
+                        <p:cond delay="indefinite"/>
+                      </p:stCondLst>
+                      <p:childTnLst>
+                        <p:par>
+                          <p:cTn id="12" fill="hold">
+                            <p:stCondLst>
+                              <p:cond delay="0"/>
+                            </p:stCondLst>
+                            <p:childTnLst>
+                              <p:par>
+                                <p:cTn id="13" presetID="1" presetClass="entr" presetSubtype="0" fill="hold" grpId="0" nodeType="clickEffect">
+                                  <p:stCondLst>
+                                    <p:cond delay="0"/>
+                                  </p:stCondLst>
+                                  <p:childTnLst>
+                                    <p:set>
+                                      <p:cBhvr>
+                                        <p:cTn id="14" dur="1" fill="hold">
+                                          <p:stCondLst>
+                                            <p:cond delay="0"/>
+                                          </p:stCondLst>
+                                        </p:cTn>
+                                        <p:tgtEl>
+                                          <p:spTgt spid="3">
+                                            <p:txEl>
+                                              <p:pRg st="2" end="2"/>
+                                            </p:txEl>
+                                          </p:spTgt>
+                                        </p:tgtEl>
+                                        <p:attrNameLst>
+                                          <p:attrName>style.visibility</p:attrName>
+                                        </p:attrNameLst>
+                                      </p:cBhvr>
+                                      <p:to>
+                                        <p:strVal val="visible"/>
+                                      </p:to>
+                                    </p:set>
+                                  </p:childTnLst>
+                                </p:cTn>
+                              </p:par>
+                            </p:childTnLst>
+                          </p:cTn>
+                        </p:par>
+                      </p:childTnLst>
+                    </p:cTn>
+                  </p:par>
+                  <p:par>
+                    <p:cTn id="15" fill="hold">
+                      <p:stCondLst>
+                        <p:cond delay="indefinite"/>
+                      </p:stCondLst>
+                      <p:childTnLst>
+                        <p:par>
+                          <p:cTn id="16" fill="hold">
+                            <p:stCondLst>
+                              <p:cond delay="0"/>
+                            </p:stCondLst>
+                            <p:childTnLst>
+                              <p:par>
+                                <p:cTn id="17" presetID="1" presetClass="entr" presetSubtype="0" fill="hold" grpId="0" nodeType="clickEffect">
+                                  <p:stCondLst>
+                                    <p:cond delay="0"/>
+                                  </p:stCondLst>
+                                  <p:childTnLst>
+                                    <p:set>
+                                      <p:cBhvr>
+                                        <p:cTn id="18" dur="1" fill="hold">
+                                          <p:stCondLst>
+                                            <p:cond delay="0"/>
+                                          </p:stCondLst>
+                                        </p:cTn>
+                                        <p:tgtEl>
+                                          <p:spTgt spid="3">
+                                            <p:txEl>
+                                              <p:pRg st="3" end="3"/>
                                             </p:txEl>
                                           </p:spTgt>
                                         </p:tgtEl>

--- a/Aulas/Aula-02-Proj-Vis-Dados.pptx
+++ b/Aulas/Aula-02-Proj-Vis-Dados.pptx
@@ -5,7 +5,7 @@
     <p:sldMasterId id="2147483648" r:id="rId1"/>
   </p:sldMasterIdLst>
   <p:notesMasterIdLst>
-    <p:notesMasterId r:id="rId25"/>
+    <p:notesMasterId r:id="rId28"/>
   </p:notesMasterIdLst>
   <p:sldIdLst>
     <p:sldId id="256" r:id="rId2"/>
@@ -31,6 +31,9 @@
     <p:sldId id="276" r:id="rId22"/>
     <p:sldId id="277" r:id="rId23"/>
     <p:sldId id="278" r:id="rId24"/>
+    <p:sldId id="279" r:id="rId25"/>
+    <p:sldId id="280" r:id="rId26"/>
+    <p:sldId id="281" r:id="rId27"/>
   </p:sldIdLst>
   <p:sldSz cx="9144000" cy="5143500" type="screen16x9"/>
   <p:notesSz cx="9144000" cy="6858000"/>
@@ -643,6 +646,308 @@
             <a:fld id="{C449B3EA-B995-2945-B5D0-699FC22F24A8}" type="slidenum">
               <a:rPr lang="en-US"/>
               <a:t>6</a:t>
+            </a:fld>
+            <a:endParaRPr lang="en-US"/>
+          </a:p>
+        </p:txBody>
+      </p:sp>
+    </p:spTree>
+  </p:cSld>
+</p:notes>
+</file>
+
+<file path=ppt/notesSlides/notesSlide10.xml><?xml version="1.0" encoding="utf-8"?>
+<p:notes xmlns:a="http://schemas.openxmlformats.org/drawingml/2006/main" xmlns:r="http://schemas.openxmlformats.org/officeDocument/2006/relationships" xmlns:p="http://schemas.openxmlformats.org/presentationml/2006/main">
+  <p:cSld>
+    <p:spTree>
+      <p:nvGrpSpPr>
+        <p:cNvPr id="1" name=""/>
+        <p:cNvGrpSpPr/>
+        <p:nvPr/>
+      </p:nvGrpSpPr>
+      <p:grpSpPr>
+        <a:xfrm>
+          <a:off x="0" y="0"/>
+          <a:ext cx="0" cy="0"/>
+          <a:chOff x="0" y="0"/>
+          <a:chExt cx="0" cy="0"/>
+        </a:xfrm>
+      </p:grpSpPr>
+      <p:sp>
+        <p:nvSpPr>
+          <p:cNvPr id="2" name="Slide Image Placeholder 1"/>
+          <p:cNvSpPr>
+            <a:spLocks noGrp="1" noRot="1" noChangeAspect="1"/>
+          </p:cNvSpPr>
+          <p:nvPr>
+            <p:ph type="sldImg"/>
+          </p:nvPr>
+        </p:nvSpPr>
+        <p:spPr/>
+      </p:sp>
+      <p:sp>
+        <p:nvSpPr>
+          <p:cNvPr id="3" name="Notes Placeholder 2"/>
+          <p:cNvSpPr>
+            <a:spLocks noGrp="1"/>
+          </p:cNvSpPr>
+          <p:nvPr>
+            <p:ph type="body" idx="1"/>
+          </p:nvPr>
+        </p:nvSpPr>
+        <p:spPr/>
+        <p:txBody>
+          <a:bodyPr/>
+          <a:lstStyle/>
+          <a:p>
+            <a:pPr lvl="0" indent="0" marL="0">
+              <a:buNone/>
+            </a:pPr>
+            <a:r>
+              <a:rPr/>
+              <a:t>Atributos pré-atencionais (imagem) Elementos em texto -&gt; negrito, cor, itálico, tamanho, espaço, encapsulamento e sublinhado.</a:t>
+            </a:r>
+          </a:p>
+        </p:txBody>
+      </p:sp>
+      <p:sp>
+        <p:nvSpPr>
+          <p:cNvPr id="4" name="Slide Number Placeholder 3"/>
+          <p:cNvSpPr>
+            <a:spLocks noGrp="1"/>
+          </p:cNvSpPr>
+          <p:nvPr>
+            <p:ph type="sldNum" sz="quarter" idx="10"/>
+          </p:nvPr>
+        </p:nvSpPr>
+        <p:spPr/>
+        <p:txBody>
+          <a:bodyPr/>
+          <a:lstStyle/>
+          <a:p>
+            <a:fld id="{C449B3EA-B995-2945-B5D0-699FC22F24A8}" type="slidenum">
+              <a:rPr lang="en-US"/>
+              <a:t>21</a:t>
+            </a:fld>
+            <a:endParaRPr lang="en-US"/>
+          </a:p>
+        </p:txBody>
+      </p:sp>
+    </p:spTree>
+  </p:cSld>
+</p:notes>
+</file>
+
+<file path=ppt/notesSlides/notesSlide11.xml><?xml version="1.0" encoding="utf-8"?>
+<p:notes xmlns:a="http://schemas.openxmlformats.org/drawingml/2006/main" xmlns:r="http://schemas.openxmlformats.org/officeDocument/2006/relationships" xmlns:p="http://schemas.openxmlformats.org/presentationml/2006/main">
+  <p:cSld>
+    <p:spTree>
+      <p:nvGrpSpPr>
+        <p:cNvPr id="1" name=""/>
+        <p:cNvGrpSpPr/>
+        <p:nvPr/>
+      </p:nvGrpSpPr>
+      <p:grpSpPr>
+        <a:xfrm>
+          <a:off x="0" y="0"/>
+          <a:ext cx="0" cy="0"/>
+          <a:chOff x="0" y="0"/>
+          <a:chExt cx="0" cy="0"/>
+        </a:xfrm>
+      </p:grpSpPr>
+      <p:sp>
+        <p:nvSpPr>
+          <p:cNvPr id="2" name="Slide Image Placeholder 1"/>
+          <p:cNvSpPr>
+            <a:spLocks noGrp="1" noRot="1" noChangeAspect="1"/>
+          </p:cNvSpPr>
+          <p:nvPr>
+            <p:ph type="sldImg"/>
+          </p:nvPr>
+        </p:nvSpPr>
+        <p:spPr/>
+      </p:sp>
+      <p:sp>
+        <p:nvSpPr>
+          <p:cNvPr id="3" name="Notes Placeholder 2"/>
+          <p:cNvSpPr>
+            <a:spLocks noGrp="1"/>
+          </p:cNvSpPr>
+          <p:nvPr>
+            <p:ph type="body" idx="1"/>
+          </p:nvPr>
+        </p:nvSpPr>
+        <p:spPr/>
+        <p:txBody>
+          <a:bodyPr/>
+          <a:lstStyle/>
+          <a:p>
+            <a:pPr lvl="0" indent="0" marL="0">
+              <a:buNone/>
+            </a:pPr>
+            <a:r>
+              <a:rPr/>
+              <a:t>Forma e propósito -&gt; Eliminar distração, evidênciar o que é importante. Também é interessante criar uma hierarquia da informação.</a:t>
+            </a:r>
+          </a:p>
+          <a:p>
+            <a:pPr lvl="0" indent="0" marL="0">
+              <a:buNone/>
+            </a:pPr>
+          </a:p>
+          <a:p>
+            <a:pPr lvl="0" indent="0" marL="0">
+              <a:buNone/>
+            </a:pPr>
+            <a:r>
+              <a:rPr/>
+              <a:t>Acessibilidade -&gt; Facilitar compreensão, usar textos, pensar em diferentes tipos de público</a:t>
+            </a:r>
+          </a:p>
+          <a:p>
+            <a:pPr lvl="0" indent="0" marL="0">
+              <a:buNone/>
+            </a:pPr>
+          </a:p>
+          <a:p>
+            <a:pPr lvl="0" indent="0" marL="0">
+              <a:buNone/>
+            </a:pPr>
+            <a:r>
+              <a:rPr/>
+              <a:t>Estética -&gt; Uso de cores com sabedoria, alinhamentos, aproveitar espaço em branco.</a:t>
+            </a:r>
+          </a:p>
+        </p:txBody>
+      </p:sp>
+      <p:sp>
+        <p:nvSpPr>
+          <p:cNvPr id="4" name="Slide Number Placeholder 3"/>
+          <p:cNvSpPr>
+            <a:spLocks noGrp="1"/>
+          </p:cNvSpPr>
+          <p:nvPr>
+            <p:ph type="sldNum" sz="quarter" idx="10"/>
+          </p:nvPr>
+        </p:nvSpPr>
+        <p:spPr/>
+        <p:txBody>
+          <a:bodyPr/>
+          <a:lstStyle/>
+          <a:p>
+            <a:fld id="{C449B3EA-B995-2945-B5D0-699FC22F24A8}" type="slidenum">
+              <a:rPr lang="en-US"/>
+              <a:t>23</a:t>
+            </a:fld>
+            <a:endParaRPr lang="en-US"/>
+          </a:p>
+        </p:txBody>
+      </p:sp>
+    </p:spTree>
+  </p:cSld>
+</p:notes>
+</file>
+
+<file path=ppt/notesSlides/notesSlide12.xml><?xml version="1.0" encoding="utf-8"?>
+<p:notes xmlns:a="http://schemas.openxmlformats.org/drawingml/2006/main" xmlns:r="http://schemas.openxmlformats.org/officeDocument/2006/relationships" xmlns:p="http://schemas.openxmlformats.org/presentationml/2006/main">
+  <p:cSld>
+    <p:spTree>
+      <p:nvGrpSpPr>
+        <p:cNvPr id="1" name=""/>
+        <p:cNvGrpSpPr/>
+        <p:nvPr/>
+      </p:nvGrpSpPr>
+      <p:grpSpPr>
+        <a:xfrm>
+          <a:off x="0" y="0"/>
+          <a:ext cx="0" cy="0"/>
+          <a:chOff x="0" y="0"/>
+          <a:chExt cx="0" cy="0"/>
+        </a:xfrm>
+      </p:grpSpPr>
+      <p:sp>
+        <p:nvSpPr>
+          <p:cNvPr id="2" name="Slide Image Placeholder 1"/>
+          <p:cNvSpPr>
+            <a:spLocks noGrp="1" noRot="1" noChangeAspect="1"/>
+          </p:cNvSpPr>
+          <p:nvPr>
+            <p:ph type="sldImg"/>
+          </p:nvPr>
+        </p:nvSpPr>
+        <p:spPr/>
+      </p:sp>
+      <p:sp>
+        <p:nvSpPr>
+          <p:cNvPr id="3" name="Notes Placeholder 2"/>
+          <p:cNvSpPr>
+            <a:spLocks noGrp="1"/>
+          </p:cNvSpPr>
+          <p:nvPr>
+            <p:ph type="body" idx="1"/>
+          </p:nvPr>
+        </p:nvSpPr>
+        <p:spPr/>
+        <p:txBody>
+          <a:bodyPr/>
+          <a:lstStyle/>
+          <a:p>
+            <a:pPr lvl="0" indent="0" marL="0">
+              <a:buNone/>
+            </a:pPr>
+            <a:r>
+              <a:rPr/>
+              <a:t>Início, meio e fim</a:t>
+            </a:r>
+          </a:p>
+          <a:p>
+            <a:pPr lvl="0" indent="0" marL="0">
+              <a:buNone/>
+            </a:pPr>
+          </a:p>
+          <a:p>
+            <a:pPr lvl="0" indent="0" marL="0">
+              <a:buNone/>
+            </a:pPr>
+            <a:r>
+              <a:rPr/>
+              <a:t>Utilizar repetição</a:t>
+            </a:r>
+          </a:p>
+          <a:p>
+            <a:pPr lvl="0" indent="0" marL="0">
+              <a:buNone/>
+            </a:pPr>
+          </a:p>
+          <a:p>
+            <a:pPr lvl="0" indent="0" marL="0">
+              <a:buNone/>
+            </a:pPr>
+            <a:r>
+              <a:rPr/>
+              <a:t>Táticas para contar história (lógica horizontal, vertical, storyboard reverso)</a:t>
+            </a:r>
+          </a:p>
+        </p:txBody>
+      </p:sp>
+      <p:sp>
+        <p:nvSpPr>
+          <p:cNvPr id="4" name="Slide Number Placeholder 3"/>
+          <p:cNvSpPr>
+            <a:spLocks noGrp="1"/>
+          </p:cNvSpPr>
+          <p:nvPr>
+            <p:ph type="sldNum" sz="quarter" idx="10"/>
+          </p:nvPr>
+        </p:nvSpPr>
+        <p:spPr/>
+        <p:txBody>
+          <a:bodyPr/>
+          <a:lstStyle/>
+          <a:p>
+            <a:fld id="{C449B3EA-B995-2945-B5D0-699FC22F24A8}" type="slidenum">
+              <a:rPr lang="en-US"/>
+              <a:t>24</a:t>
             </a:fld>
             <a:endParaRPr lang="en-US"/>
           </a:p>
@@ -9320,8 +9625,199 @@
           <a:chExt cx="0" cy="0"/>
         </a:xfrm>
       </p:grpSpPr>
+      <p:sp>
+        <p:nvSpPr>
+          <p:cNvPr id="2" name="Title 1"/>
+          <p:cNvSpPr>
+            <a:spLocks noGrp="1"/>
+          </p:cNvSpPr>
+          <p:nvPr>
+            <p:ph hasCustomPrompt="1" type="title"/>
+          </p:nvPr>
+        </p:nvSpPr>
+        <p:spPr>
+          <a:xfrm>
+            <a:off x="353292" y="238755"/>
+            <a:ext cx="8617526" cy="498666"/>
+          </a:xfrm>
+        </p:spPr>
+        <p:txBody>
+          <a:bodyPr/>
+          <a:lstStyle/>
+          <a:p>
+            <a:pPr lvl="0" indent="0" marL="0">
+              <a:buNone/>
+            </a:pPr>
+            <a:r>
+              <a:rPr/>
+              <a:t>Atenção e foco</a:t>
+            </a:r>
+          </a:p>
+        </p:txBody>
+      </p:sp>
+      <p:sp>
+        <p:nvSpPr>
+          <p:cNvPr id="3" name="Content Placeholder 2"/>
+          <p:cNvSpPr>
+            <a:spLocks noGrp="1"/>
+          </p:cNvSpPr>
+          <p:nvPr>
+            <p:ph idx="1"/>
+          </p:nvPr>
+        </p:nvSpPr>
+        <p:spPr/>
+        <p:txBody>
+          <a:bodyPr/>
+          <a:lstStyle/>
+          <a:p>
+            <a:pPr lvl="0"/>
+            <a:r>
+              <a:rPr/>
+              <a:t>Uso de atributos pré-atencionais</a:t>
+            </a:r>
+          </a:p>
+          <a:p>
+            <a:pPr lvl="0"/>
+            <a:r>
+              <a:rPr/>
+              <a:t>Uso de elementos em texto</a:t>
+            </a:r>
+          </a:p>
+        </p:txBody>
+      </p:sp>
     </p:spTree>
   </p:cSld>
+  <p:timing>
+    <p:tnLst>
+      <p:par>
+        <p:cTn id="1" dur="indefinite" restart="never" nodeType="tmRoot">
+          <p:childTnLst>
+            <p:seq concurrent="1" nextAc="seek">
+              <p:cTn id="2" dur="indefinite" nodeType="mainSeq">
+                <p:childTnLst>
+                  <p:par>
+                    <p:cTn id="3" fill="hold">
+                      <p:stCondLst>
+                        <p:cond delay="indefinite"/>
+                      </p:stCondLst>
+                      <p:childTnLst>
+                        <p:par>
+                          <p:cTn id="4" fill="hold">
+                            <p:stCondLst>
+                              <p:cond delay="0"/>
+                            </p:stCondLst>
+                            <p:childTnLst>
+                              <p:par>
+                                <p:cTn id="5" presetID="1" presetClass="entr" presetSubtype="0" fill="hold" grpId="0" nodeType="clickEffect">
+                                  <p:stCondLst>
+                                    <p:cond delay="0"/>
+                                  </p:stCondLst>
+                                  <p:childTnLst>
+                                    <p:set>
+                                      <p:cBhvr>
+                                        <p:cTn id="6" dur="1" fill="hold">
+                                          <p:stCondLst>
+                                            <p:cond delay="0"/>
+                                          </p:stCondLst>
+                                        </p:cTn>
+                                        <p:tgtEl>
+                                          <p:spTgt spid="3">
+                                            <p:txEl>
+                                              <p:pRg st="0" end="0"/>
+                                            </p:txEl>
+                                          </p:spTgt>
+                                        </p:tgtEl>
+                                        <p:attrNameLst>
+                                          <p:attrName>style.visibility</p:attrName>
+                                        </p:attrNameLst>
+                                      </p:cBhvr>
+                                      <p:to>
+                                        <p:strVal val="visible"/>
+                                      </p:to>
+                                    </p:set>
+                                  </p:childTnLst>
+                                </p:cTn>
+                              </p:par>
+                            </p:childTnLst>
+                          </p:cTn>
+                        </p:par>
+                      </p:childTnLst>
+                    </p:cTn>
+                  </p:par>
+                  <p:par>
+                    <p:cTn id="7" fill="hold">
+                      <p:stCondLst>
+                        <p:cond delay="indefinite"/>
+                      </p:stCondLst>
+                      <p:childTnLst>
+                        <p:par>
+                          <p:cTn id="8" fill="hold">
+                            <p:stCondLst>
+                              <p:cond delay="0"/>
+                            </p:stCondLst>
+                            <p:childTnLst>
+                              <p:par>
+                                <p:cTn id="9" presetID="1" presetClass="entr" presetSubtype="0" fill="hold" grpId="0" nodeType="clickEffect">
+                                  <p:stCondLst>
+                                    <p:cond delay="0"/>
+                                  </p:stCondLst>
+                                  <p:childTnLst>
+                                    <p:set>
+                                      <p:cBhvr>
+                                        <p:cTn id="10" dur="1" fill="hold">
+                                          <p:stCondLst>
+                                            <p:cond delay="0"/>
+                                          </p:stCondLst>
+                                        </p:cTn>
+                                        <p:tgtEl>
+                                          <p:spTgt spid="3">
+                                            <p:txEl>
+                                              <p:pRg st="1" end="1"/>
+                                            </p:txEl>
+                                          </p:spTgt>
+                                        </p:tgtEl>
+                                        <p:attrNameLst>
+                                          <p:attrName>style.visibility</p:attrName>
+                                        </p:attrNameLst>
+                                      </p:cBhvr>
+                                      <p:to>
+                                        <p:strVal val="visible"/>
+                                      </p:to>
+                                    </p:set>
+                                  </p:childTnLst>
+                                </p:cTn>
+                              </p:par>
+                            </p:childTnLst>
+                          </p:cTn>
+                        </p:par>
+                      </p:childTnLst>
+                    </p:cTn>
+                  </p:par>
+                </p:childTnLst>
+              </p:cTn>
+              <p:prevCondLst>
+                <p:cond evt="onPrev" delay="0">
+                  <p:tgtEl>
+                    <p:sldTgt/>
+                  </p:tgtEl>
+                </p:cond>
+              </p:prevCondLst>
+              <p:nextCondLst>
+                <p:cond evt="onNext" delay="0">
+                  <p:tgtEl>
+                    <p:sldTgt/>
+                  </p:tgtEl>
+                </p:cond>
+              </p:nextCondLst>
+            </p:seq>
+          </p:childTnLst>
+        </p:cTn>
+      </p:par>
+    </p:tnLst>
+    <p:bldLst>
+      <p:bldP spid="3" grpId="0" uiExpand="1" build="p"/>
+    </p:bldLst>
+  </p:timing>
 </p:sld>
 </file>
 
@@ -9342,6 +9838,66 @@
           <a:chExt cx="0" cy="0"/>
         </a:xfrm>
       </p:grpSpPr>
+      <p:sp>
+        <p:nvSpPr>
+          <p:cNvPr id="2" name="Title 1"/>
+          <p:cNvSpPr>
+            <a:spLocks noGrp="1"/>
+          </p:cNvSpPr>
+          <p:nvPr>
+            <p:ph hasCustomPrompt="1" type="title"/>
+          </p:nvPr>
+        </p:nvSpPr>
+        <p:spPr>
+          <a:xfrm>
+            <a:off x="353292" y="238755"/>
+            <a:ext cx="8617526" cy="498666"/>
+          </a:xfrm>
+        </p:spPr>
+        <p:txBody>
+          <a:bodyPr/>
+          <a:lstStyle/>
+          <a:p>
+            <a:pPr lvl="0" indent="0" marL="0">
+              <a:buNone/>
+            </a:pPr>
+            <a:r>
+              <a:rPr/>
+              <a:t>Atributos pré-atencionais</a:t>
+            </a:r>
+          </a:p>
+        </p:txBody>
+      </p:sp>
+      <p:pic>
+        <p:nvPicPr>
+          <p:cNvPr descr="../imagens/preemptive-atributes.png" id="0" name="Picture 1"/>
+          <p:cNvPicPr>
+            <a:picLocks noGrp="1" noChangeAspect="1"/>
+          </p:cNvPicPr>
+          <p:nvPr/>
+        </p:nvPicPr>
+        <p:blipFill>
+          <a:blip r:embed="rId2"/>
+          <a:stretch>
+            <a:fillRect/>
+          </a:stretch>
+        </p:blipFill>
+        <p:spPr bwMode="auto">
+          <a:xfrm>
+            <a:off x="1714500" y="965200"/>
+            <a:ext cx="5854700" cy="3505200"/>
+          </a:xfrm>
+          <a:prstGeom prst="rect">
+            <a:avLst/>
+          </a:prstGeom>
+          <a:noFill/>
+          <a:ln w="9525">
+            <a:noFill/>
+            <a:headEnd/>
+            <a:tailEnd/>
+          </a:ln>
+        </p:spPr>
+      </p:pic>
     </p:spTree>
   </p:cSld>
 </p:sld>
@@ -9364,6 +9920,787 @@
           <a:chExt cx="0" cy="0"/>
         </a:xfrm>
       </p:grpSpPr>
+      <p:sp>
+        <p:nvSpPr>
+          <p:cNvPr id="2" name="Title 1"/>
+          <p:cNvSpPr>
+            <a:spLocks noGrp="1"/>
+          </p:cNvSpPr>
+          <p:nvPr>
+            <p:ph hasCustomPrompt="1" type="title"/>
+          </p:nvPr>
+        </p:nvSpPr>
+        <p:spPr>
+          <a:xfrm>
+            <a:off x="353292" y="238755"/>
+            <a:ext cx="8617526" cy="498666"/>
+          </a:xfrm>
+        </p:spPr>
+        <p:txBody>
+          <a:bodyPr/>
+          <a:lstStyle/>
+          <a:p>
+            <a:pPr lvl="0" indent="0" marL="0">
+              <a:buNone/>
+            </a:pPr>
+            <a:r>
+              <a:rPr/>
+              <a:t>Pense como um designer</a:t>
+            </a:r>
+          </a:p>
+        </p:txBody>
+      </p:sp>
+      <p:sp>
+        <p:nvSpPr>
+          <p:cNvPr id="3" name="Content Placeholder 2"/>
+          <p:cNvSpPr>
+            <a:spLocks noGrp="1"/>
+          </p:cNvSpPr>
+          <p:nvPr>
+            <p:ph idx="1"/>
+          </p:nvPr>
+        </p:nvSpPr>
+        <p:spPr/>
+        <p:txBody>
+          <a:bodyPr/>
+          <a:lstStyle/>
+          <a:p>
+            <a:pPr lvl="0"/>
+            <a:r>
+              <a:rPr/>
+              <a:t>Forma e propósito</a:t>
+            </a:r>
+          </a:p>
+          <a:p>
+            <a:pPr lvl="0"/>
+            <a:r>
+              <a:rPr/>
+              <a:t>Acessibilidade</a:t>
+            </a:r>
+          </a:p>
+          <a:p>
+            <a:pPr lvl="0"/>
+            <a:r>
+              <a:rPr/>
+              <a:t>Estética</a:t>
+            </a:r>
+          </a:p>
+        </p:txBody>
+      </p:sp>
+    </p:spTree>
+  </p:cSld>
+  <p:timing>
+    <p:tnLst>
+      <p:par>
+        <p:cTn id="1" dur="indefinite" restart="never" nodeType="tmRoot">
+          <p:childTnLst>
+            <p:seq concurrent="1" nextAc="seek">
+              <p:cTn id="2" dur="indefinite" nodeType="mainSeq">
+                <p:childTnLst>
+                  <p:par>
+                    <p:cTn id="3" fill="hold">
+                      <p:stCondLst>
+                        <p:cond delay="indefinite"/>
+                      </p:stCondLst>
+                      <p:childTnLst>
+                        <p:par>
+                          <p:cTn id="4" fill="hold">
+                            <p:stCondLst>
+                              <p:cond delay="0"/>
+                            </p:stCondLst>
+                            <p:childTnLst>
+                              <p:par>
+                                <p:cTn id="5" presetID="1" presetClass="entr" presetSubtype="0" fill="hold" grpId="0" nodeType="clickEffect">
+                                  <p:stCondLst>
+                                    <p:cond delay="0"/>
+                                  </p:stCondLst>
+                                  <p:childTnLst>
+                                    <p:set>
+                                      <p:cBhvr>
+                                        <p:cTn id="6" dur="1" fill="hold">
+                                          <p:stCondLst>
+                                            <p:cond delay="0"/>
+                                          </p:stCondLst>
+                                        </p:cTn>
+                                        <p:tgtEl>
+                                          <p:spTgt spid="3">
+                                            <p:txEl>
+                                              <p:pRg st="0" end="0"/>
+                                            </p:txEl>
+                                          </p:spTgt>
+                                        </p:tgtEl>
+                                        <p:attrNameLst>
+                                          <p:attrName>style.visibility</p:attrName>
+                                        </p:attrNameLst>
+                                      </p:cBhvr>
+                                      <p:to>
+                                        <p:strVal val="visible"/>
+                                      </p:to>
+                                    </p:set>
+                                  </p:childTnLst>
+                                </p:cTn>
+                              </p:par>
+                            </p:childTnLst>
+                          </p:cTn>
+                        </p:par>
+                      </p:childTnLst>
+                    </p:cTn>
+                  </p:par>
+                  <p:par>
+                    <p:cTn id="7" fill="hold">
+                      <p:stCondLst>
+                        <p:cond delay="indefinite"/>
+                      </p:stCondLst>
+                      <p:childTnLst>
+                        <p:par>
+                          <p:cTn id="8" fill="hold">
+                            <p:stCondLst>
+                              <p:cond delay="0"/>
+                            </p:stCondLst>
+                            <p:childTnLst>
+                              <p:par>
+                                <p:cTn id="9" presetID="1" presetClass="entr" presetSubtype="0" fill="hold" grpId="0" nodeType="clickEffect">
+                                  <p:stCondLst>
+                                    <p:cond delay="0"/>
+                                  </p:stCondLst>
+                                  <p:childTnLst>
+                                    <p:set>
+                                      <p:cBhvr>
+                                        <p:cTn id="10" dur="1" fill="hold">
+                                          <p:stCondLst>
+                                            <p:cond delay="0"/>
+                                          </p:stCondLst>
+                                        </p:cTn>
+                                        <p:tgtEl>
+                                          <p:spTgt spid="3">
+                                            <p:txEl>
+                                              <p:pRg st="1" end="1"/>
+                                            </p:txEl>
+                                          </p:spTgt>
+                                        </p:tgtEl>
+                                        <p:attrNameLst>
+                                          <p:attrName>style.visibility</p:attrName>
+                                        </p:attrNameLst>
+                                      </p:cBhvr>
+                                      <p:to>
+                                        <p:strVal val="visible"/>
+                                      </p:to>
+                                    </p:set>
+                                  </p:childTnLst>
+                                </p:cTn>
+                              </p:par>
+                            </p:childTnLst>
+                          </p:cTn>
+                        </p:par>
+                      </p:childTnLst>
+                    </p:cTn>
+                  </p:par>
+                  <p:par>
+                    <p:cTn id="11" fill="hold">
+                      <p:stCondLst>
+                        <p:cond delay="indefinite"/>
+                      </p:stCondLst>
+                      <p:childTnLst>
+                        <p:par>
+                          <p:cTn id="12" fill="hold">
+                            <p:stCondLst>
+                              <p:cond delay="0"/>
+                            </p:stCondLst>
+                            <p:childTnLst>
+                              <p:par>
+                                <p:cTn id="13" presetID="1" presetClass="entr" presetSubtype="0" fill="hold" grpId="0" nodeType="clickEffect">
+                                  <p:stCondLst>
+                                    <p:cond delay="0"/>
+                                  </p:stCondLst>
+                                  <p:childTnLst>
+                                    <p:set>
+                                      <p:cBhvr>
+                                        <p:cTn id="14" dur="1" fill="hold">
+                                          <p:stCondLst>
+                                            <p:cond delay="0"/>
+                                          </p:stCondLst>
+                                        </p:cTn>
+                                        <p:tgtEl>
+                                          <p:spTgt spid="3">
+                                            <p:txEl>
+                                              <p:pRg st="2" end="2"/>
+                                            </p:txEl>
+                                          </p:spTgt>
+                                        </p:tgtEl>
+                                        <p:attrNameLst>
+                                          <p:attrName>style.visibility</p:attrName>
+                                        </p:attrNameLst>
+                                      </p:cBhvr>
+                                      <p:to>
+                                        <p:strVal val="visible"/>
+                                      </p:to>
+                                    </p:set>
+                                  </p:childTnLst>
+                                </p:cTn>
+                              </p:par>
+                            </p:childTnLst>
+                          </p:cTn>
+                        </p:par>
+                      </p:childTnLst>
+                    </p:cTn>
+                  </p:par>
+                </p:childTnLst>
+              </p:cTn>
+              <p:prevCondLst>
+                <p:cond evt="onPrev" delay="0">
+                  <p:tgtEl>
+                    <p:sldTgt/>
+                  </p:tgtEl>
+                </p:cond>
+              </p:prevCondLst>
+              <p:nextCondLst>
+                <p:cond evt="onNext" delay="0">
+                  <p:tgtEl>
+                    <p:sldTgt/>
+                  </p:tgtEl>
+                </p:cond>
+              </p:nextCondLst>
+            </p:seq>
+          </p:childTnLst>
+        </p:cTn>
+      </p:par>
+    </p:tnLst>
+    <p:bldLst>
+      <p:bldP spid="3" grpId="0" uiExpand="1" build="p"/>
+    </p:bldLst>
+  </p:timing>
+</p:sld>
+</file>
+
+<file path=ppt/slides/slide24.xml><?xml version="1.0" encoding="utf-8"?>
+<p:sld xmlns:a="http://schemas.openxmlformats.org/drawingml/2006/main" xmlns:r="http://schemas.openxmlformats.org/officeDocument/2006/relationships" xmlns:p="http://schemas.openxmlformats.org/presentationml/2006/main">
+  <p:cSld>
+    <p:spTree>
+      <p:nvGrpSpPr>
+        <p:cNvPr id="1" name=""/>
+        <p:cNvGrpSpPr/>
+        <p:nvPr/>
+      </p:nvGrpSpPr>
+      <p:grpSpPr>
+        <a:xfrm>
+          <a:off x="0" y="0"/>
+          <a:ext cx="0" cy="0"/>
+          <a:chOff x="0" y="0"/>
+          <a:chExt cx="0" cy="0"/>
+        </a:xfrm>
+      </p:grpSpPr>
+      <p:sp>
+        <p:nvSpPr>
+          <p:cNvPr id="2" name="Title 1"/>
+          <p:cNvSpPr>
+            <a:spLocks noGrp="1"/>
+          </p:cNvSpPr>
+          <p:nvPr>
+            <p:ph hasCustomPrompt="1" type="title"/>
+          </p:nvPr>
+        </p:nvSpPr>
+        <p:spPr>
+          <a:xfrm>
+            <a:off x="353292" y="238755"/>
+            <a:ext cx="8617526" cy="498666"/>
+          </a:xfrm>
+        </p:spPr>
+        <p:txBody>
+          <a:bodyPr/>
+          <a:lstStyle/>
+          <a:p>
+            <a:pPr lvl="0" indent="0" marL="0">
+              <a:buNone/>
+            </a:pPr>
+            <a:r>
+              <a:rPr/>
+              <a:t>Conte uma história</a:t>
+            </a:r>
+          </a:p>
+        </p:txBody>
+      </p:sp>
+      <p:sp>
+        <p:nvSpPr>
+          <p:cNvPr id="3" name="Content Placeholder 2"/>
+          <p:cNvSpPr>
+            <a:spLocks noGrp="1"/>
+          </p:cNvSpPr>
+          <p:nvPr>
+            <p:ph idx="1"/>
+          </p:nvPr>
+        </p:nvSpPr>
+        <p:spPr/>
+        <p:txBody>
+          <a:bodyPr/>
+          <a:lstStyle/>
+          <a:p>
+            <a:pPr lvl="0"/>
+            <a:r>
+              <a:rPr/>
+              <a:t>Diferentes formas de apresentação</a:t>
+            </a:r>
+          </a:p>
+          <a:p>
+            <a:pPr lvl="0"/>
+            <a:r>
+              <a:rPr/>
+              <a:t>Usar estruturas para narrativa</a:t>
+            </a:r>
+          </a:p>
+          <a:p>
+            <a:pPr lvl="0"/>
+            <a:r>
+              <a:rPr/>
+              <a:t>Pensar no tipo de apresentação a ser feita</a:t>
+            </a:r>
+          </a:p>
+        </p:txBody>
+      </p:sp>
+    </p:spTree>
+  </p:cSld>
+  <p:timing>
+    <p:tnLst>
+      <p:par>
+        <p:cTn id="1" dur="indefinite" restart="never" nodeType="tmRoot">
+          <p:childTnLst>
+            <p:seq concurrent="1" nextAc="seek">
+              <p:cTn id="2" dur="indefinite" nodeType="mainSeq">
+                <p:childTnLst>
+                  <p:par>
+                    <p:cTn id="3" fill="hold">
+                      <p:stCondLst>
+                        <p:cond delay="indefinite"/>
+                      </p:stCondLst>
+                      <p:childTnLst>
+                        <p:par>
+                          <p:cTn id="4" fill="hold">
+                            <p:stCondLst>
+                              <p:cond delay="0"/>
+                            </p:stCondLst>
+                            <p:childTnLst>
+                              <p:par>
+                                <p:cTn id="5" presetID="1" presetClass="entr" presetSubtype="0" fill="hold" grpId="0" nodeType="clickEffect">
+                                  <p:stCondLst>
+                                    <p:cond delay="0"/>
+                                  </p:stCondLst>
+                                  <p:childTnLst>
+                                    <p:set>
+                                      <p:cBhvr>
+                                        <p:cTn id="6" dur="1" fill="hold">
+                                          <p:stCondLst>
+                                            <p:cond delay="0"/>
+                                          </p:stCondLst>
+                                        </p:cTn>
+                                        <p:tgtEl>
+                                          <p:spTgt spid="3">
+                                            <p:txEl>
+                                              <p:pRg st="0" end="0"/>
+                                            </p:txEl>
+                                          </p:spTgt>
+                                        </p:tgtEl>
+                                        <p:attrNameLst>
+                                          <p:attrName>style.visibility</p:attrName>
+                                        </p:attrNameLst>
+                                      </p:cBhvr>
+                                      <p:to>
+                                        <p:strVal val="visible"/>
+                                      </p:to>
+                                    </p:set>
+                                  </p:childTnLst>
+                                </p:cTn>
+                              </p:par>
+                            </p:childTnLst>
+                          </p:cTn>
+                        </p:par>
+                      </p:childTnLst>
+                    </p:cTn>
+                  </p:par>
+                  <p:par>
+                    <p:cTn id="7" fill="hold">
+                      <p:stCondLst>
+                        <p:cond delay="indefinite"/>
+                      </p:stCondLst>
+                      <p:childTnLst>
+                        <p:par>
+                          <p:cTn id="8" fill="hold">
+                            <p:stCondLst>
+                              <p:cond delay="0"/>
+                            </p:stCondLst>
+                            <p:childTnLst>
+                              <p:par>
+                                <p:cTn id="9" presetID="1" presetClass="entr" presetSubtype="0" fill="hold" grpId="0" nodeType="clickEffect">
+                                  <p:stCondLst>
+                                    <p:cond delay="0"/>
+                                  </p:stCondLst>
+                                  <p:childTnLst>
+                                    <p:set>
+                                      <p:cBhvr>
+                                        <p:cTn id="10" dur="1" fill="hold">
+                                          <p:stCondLst>
+                                            <p:cond delay="0"/>
+                                          </p:stCondLst>
+                                        </p:cTn>
+                                        <p:tgtEl>
+                                          <p:spTgt spid="3">
+                                            <p:txEl>
+                                              <p:pRg st="1" end="1"/>
+                                            </p:txEl>
+                                          </p:spTgt>
+                                        </p:tgtEl>
+                                        <p:attrNameLst>
+                                          <p:attrName>style.visibility</p:attrName>
+                                        </p:attrNameLst>
+                                      </p:cBhvr>
+                                      <p:to>
+                                        <p:strVal val="visible"/>
+                                      </p:to>
+                                    </p:set>
+                                  </p:childTnLst>
+                                </p:cTn>
+                              </p:par>
+                            </p:childTnLst>
+                          </p:cTn>
+                        </p:par>
+                      </p:childTnLst>
+                    </p:cTn>
+                  </p:par>
+                  <p:par>
+                    <p:cTn id="11" fill="hold">
+                      <p:stCondLst>
+                        <p:cond delay="indefinite"/>
+                      </p:stCondLst>
+                      <p:childTnLst>
+                        <p:par>
+                          <p:cTn id="12" fill="hold">
+                            <p:stCondLst>
+                              <p:cond delay="0"/>
+                            </p:stCondLst>
+                            <p:childTnLst>
+                              <p:par>
+                                <p:cTn id="13" presetID="1" presetClass="entr" presetSubtype="0" fill="hold" grpId="0" nodeType="clickEffect">
+                                  <p:stCondLst>
+                                    <p:cond delay="0"/>
+                                  </p:stCondLst>
+                                  <p:childTnLst>
+                                    <p:set>
+                                      <p:cBhvr>
+                                        <p:cTn id="14" dur="1" fill="hold">
+                                          <p:stCondLst>
+                                            <p:cond delay="0"/>
+                                          </p:stCondLst>
+                                        </p:cTn>
+                                        <p:tgtEl>
+                                          <p:spTgt spid="3">
+                                            <p:txEl>
+                                              <p:pRg st="2" end="2"/>
+                                            </p:txEl>
+                                          </p:spTgt>
+                                        </p:tgtEl>
+                                        <p:attrNameLst>
+                                          <p:attrName>style.visibility</p:attrName>
+                                        </p:attrNameLst>
+                                      </p:cBhvr>
+                                      <p:to>
+                                        <p:strVal val="visible"/>
+                                      </p:to>
+                                    </p:set>
+                                  </p:childTnLst>
+                                </p:cTn>
+                              </p:par>
+                            </p:childTnLst>
+                          </p:cTn>
+                        </p:par>
+                      </p:childTnLst>
+                    </p:cTn>
+                  </p:par>
+                </p:childTnLst>
+              </p:cTn>
+              <p:prevCondLst>
+                <p:cond evt="onPrev" delay="0">
+                  <p:tgtEl>
+                    <p:sldTgt/>
+                  </p:tgtEl>
+                </p:cond>
+              </p:prevCondLst>
+              <p:nextCondLst>
+                <p:cond evt="onNext" delay="0">
+                  <p:tgtEl>
+                    <p:sldTgt/>
+                  </p:tgtEl>
+                </p:cond>
+              </p:nextCondLst>
+            </p:seq>
+          </p:childTnLst>
+        </p:cTn>
+      </p:par>
+    </p:tnLst>
+    <p:bldLst>
+      <p:bldP spid="3" grpId="0" uiExpand="1" build="p"/>
+    </p:bldLst>
+  </p:timing>
+</p:sld>
+</file>
+
+<file path=ppt/slides/slide25.xml><?xml version="1.0" encoding="utf-8"?>
+<p:sld xmlns:a="http://schemas.openxmlformats.org/drawingml/2006/main" xmlns:r="http://schemas.openxmlformats.org/officeDocument/2006/relationships" xmlns:p="http://schemas.openxmlformats.org/presentationml/2006/main">
+  <p:cSld>
+    <p:spTree>
+      <p:nvGrpSpPr>
+        <p:cNvPr id="1" name=""/>
+        <p:cNvGrpSpPr/>
+        <p:nvPr/>
+      </p:nvGrpSpPr>
+      <p:grpSpPr>
+        <a:xfrm>
+          <a:off x="0" y="0"/>
+          <a:ext cx="0" cy="0"/>
+          <a:chOff x="0" y="0"/>
+          <a:chExt cx="0" cy="0"/>
+        </a:xfrm>
+      </p:grpSpPr>
+      <p:sp>
+        <p:nvSpPr>
+          <p:cNvPr id="2" name="Title 1"/>
+          <p:cNvSpPr>
+            <a:spLocks noGrp="1"/>
+          </p:cNvSpPr>
+          <p:nvPr>
+            <p:ph hasCustomPrompt="1" type="title"/>
+          </p:nvPr>
+        </p:nvSpPr>
+        <p:spPr>
+          <a:xfrm>
+            <a:off x="353292" y="238755"/>
+            <a:ext cx="8617526" cy="498666"/>
+          </a:xfrm>
+        </p:spPr>
+        <p:txBody>
+          <a:bodyPr/>
+          <a:lstStyle/>
+          <a:p>
+            <a:pPr lvl="0" indent="0" marL="0">
+              <a:buNone/>
+            </a:pPr>
+            <a:r>
+              <a:rPr/>
+              <a:t>Fontes/Bibliografia</a:t>
+            </a:r>
+          </a:p>
+        </p:txBody>
+      </p:sp>
+      <p:sp>
+        <p:nvSpPr>
+          <p:cNvPr id="3" name="Content Placeholder 2"/>
+          <p:cNvSpPr>
+            <a:spLocks noGrp="1"/>
+          </p:cNvSpPr>
+          <p:nvPr>
+            <p:ph idx="1"/>
+          </p:nvPr>
+        </p:nvSpPr>
+        <p:spPr/>
+        <p:txBody>
+          <a:bodyPr/>
+          <a:lstStyle/>
+          <a:p>
+            <a:pPr lvl="0"/>
+            <a:r>
+              <a:rPr/>
+              <a:t>https://www.storytellingwithdata.com/chart-guide</a:t>
+            </a:r>
+          </a:p>
+          <a:p>
+            <a:pPr lvl="0"/>
+            <a:r>
+              <a:rPr/>
+              <a:t>Knaflic, C.N. Storytelling com dados:um guia sobre visualização de dados para profissionais de negócios. 2ª edição. Rio de Janeiro: Alta Books, 2019.</a:t>
+            </a:r>
+          </a:p>
+        </p:txBody>
+      </p:sp>
+    </p:spTree>
+  </p:cSld>
+  <p:timing>
+    <p:tnLst>
+      <p:par>
+        <p:cTn id="1" dur="indefinite" restart="never" nodeType="tmRoot">
+          <p:childTnLst>
+            <p:seq concurrent="1" nextAc="seek">
+              <p:cTn id="2" dur="indefinite" nodeType="mainSeq">
+                <p:childTnLst>
+                  <p:par>
+                    <p:cTn id="3" fill="hold">
+                      <p:stCondLst>
+                        <p:cond delay="indefinite"/>
+                      </p:stCondLst>
+                      <p:childTnLst>
+                        <p:par>
+                          <p:cTn id="4" fill="hold">
+                            <p:stCondLst>
+                              <p:cond delay="0"/>
+                            </p:stCondLst>
+                            <p:childTnLst>
+                              <p:par>
+                                <p:cTn id="5" presetID="1" presetClass="entr" presetSubtype="0" fill="hold" grpId="0" nodeType="clickEffect">
+                                  <p:stCondLst>
+                                    <p:cond delay="0"/>
+                                  </p:stCondLst>
+                                  <p:childTnLst>
+                                    <p:set>
+                                      <p:cBhvr>
+                                        <p:cTn id="6" dur="1" fill="hold">
+                                          <p:stCondLst>
+                                            <p:cond delay="0"/>
+                                          </p:stCondLst>
+                                        </p:cTn>
+                                        <p:tgtEl>
+                                          <p:spTgt spid="3">
+                                            <p:txEl>
+                                              <p:pRg st="0" end="0"/>
+                                            </p:txEl>
+                                          </p:spTgt>
+                                        </p:tgtEl>
+                                        <p:attrNameLst>
+                                          <p:attrName>style.visibility</p:attrName>
+                                        </p:attrNameLst>
+                                      </p:cBhvr>
+                                      <p:to>
+                                        <p:strVal val="visible"/>
+                                      </p:to>
+                                    </p:set>
+                                  </p:childTnLst>
+                                </p:cTn>
+                              </p:par>
+                            </p:childTnLst>
+                          </p:cTn>
+                        </p:par>
+                      </p:childTnLst>
+                    </p:cTn>
+                  </p:par>
+                  <p:par>
+                    <p:cTn id="7" fill="hold">
+                      <p:stCondLst>
+                        <p:cond delay="indefinite"/>
+                      </p:stCondLst>
+                      <p:childTnLst>
+                        <p:par>
+                          <p:cTn id="8" fill="hold">
+                            <p:stCondLst>
+                              <p:cond delay="0"/>
+                            </p:stCondLst>
+                            <p:childTnLst>
+                              <p:par>
+                                <p:cTn id="9" presetID="1" presetClass="entr" presetSubtype="0" fill="hold" grpId="0" nodeType="clickEffect">
+                                  <p:stCondLst>
+                                    <p:cond delay="0"/>
+                                  </p:stCondLst>
+                                  <p:childTnLst>
+                                    <p:set>
+                                      <p:cBhvr>
+                                        <p:cTn id="10" dur="1" fill="hold">
+                                          <p:stCondLst>
+                                            <p:cond delay="0"/>
+                                          </p:stCondLst>
+                                        </p:cTn>
+                                        <p:tgtEl>
+                                          <p:spTgt spid="3">
+                                            <p:txEl>
+                                              <p:pRg st="1" end="1"/>
+                                            </p:txEl>
+                                          </p:spTgt>
+                                        </p:tgtEl>
+                                        <p:attrNameLst>
+                                          <p:attrName>style.visibility</p:attrName>
+                                        </p:attrNameLst>
+                                      </p:cBhvr>
+                                      <p:to>
+                                        <p:strVal val="visible"/>
+                                      </p:to>
+                                    </p:set>
+                                  </p:childTnLst>
+                                </p:cTn>
+                              </p:par>
+                            </p:childTnLst>
+                          </p:cTn>
+                        </p:par>
+                      </p:childTnLst>
+                    </p:cTn>
+                  </p:par>
+                </p:childTnLst>
+              </p:cTn>
+              <p:prevCondLst>
+                <p:cond evt="onPrev" delay="0">
+                  <p:tgtEl>
+                    <p:sldTgt/>
+                  </p:tgtEl>
+                </p:cond>
+              </p:prevCondLst>
+              <p:nextCondLst>
+                <p:cond evt="onNext" delay="0">
+                  <p:tgtEl>
+                    <p:sldTgt/>
+                  </p:tgtEl>
+                </p:cond>
+              </p:nextCondLst>
+            </p:seq>
+          </p:childTnLst>
+        </p:cTn>
+      </p:par>
+    </p:tnLst>
+    <p:bldLst>
+      <p:bldP spid="3" grpId="0" uiExpand="1" build="p"/>
+    </p:bldLst>
+  </p:timing>
+</p:sld>
+</file>
+
+<file path=ppt/slides/slide26.xml><?xml version="1.0" encoding="utf-8"?>
+<p:sld xmlns:a="http://schemas.openxmlformats.org/drawingml/2006/main" xmlns:r="http://schemas.openxmlformats.org/officeDocument/2006/relationships" xmlns:p="http://schemas.openxmlformats.org/presentationml/2006/main">
+  <p:cSld>
+    <p:spTree>
+      <p:nvGrpSpPr>
+        <p:cNvPr id="1" name=""/>
+        <p:cNvGrpSpPr/>
+        <p:nvPr/>
+      </p:nvGrpSpPr>
+      <p:grpSpPr>
+        <a:xfrm>
+          <a:off x="0" y="0"/>
+          <a:ext cx="0" cy="0"/>
+          <a:chOff x="0" y="0"/>
+          <a:chExt cx="0" cy="0"/>
+        </a:xfrm>
+      </p:grpSpPr>
+      <p:sp>
+        <p:nvSpPr>
+          <p:cNvPr id="2" name="Title 1"/>
+          <p:cNvSpPr>
+            <a:spLocks noGrp="1"/>
+          </p:cNvSpPr>
+          <p:nvPr>
+            <p:ph hasCustomPrompt="1" type="title"/>
+          </p:nvPr>
+        </p:nvSpPr>
+        <p:spPr>
+          <a:xfrm>
+            <a:off x="353292" y="238755"/>
+            <a:ext cx="8617526" cy="498666"/>
+          </a:xfrm>
+        </p:spPr>
+        <p:txBody>
+          <a:bodyPr/>
+          <a:lstStyle/>
+          <a:p>
+            <a:pPr lvl="0" indent="0" marL="0">
+              <a:buNone/>
+            </a:pPr>
+            <a:r>
+              <a:rPr/>
+              <a:t>Obrigado!</a:t>
+            </a:r>
+          </a:p>
+        </p:txBody>
+      </p:sp>
     </p:spTree>
   </p:cSld>
 </p:sld>
